--- a/Java Урок 4 Scanner.pptx
+++ b/Java Урок 4 Scanner.pptx
@@ -267,7 +267,7 @@
           <a:p>
             <a:fld id="{4A74A044-6ACB-4A16-9430-2523088896B9}" type="datetimeFigureOut">
               <a:rPr lang="uk-UA" smtClean="0"/>
-              <a:t>21.10.2023</a:t>
+              <a:t>01.11.2023</a:t>
             </a:fld>
             <a:endParaRPr lang="uk-UA"/>
           </a:p>
@@ -467,7 +467,7 @@
           <a:p>
             <a:fld id="{4A74A044-6ACB-4A16-9430-2523088896B9}" type="datetimeFigureOut">
               <a:rPr lang="uk-UA" smtClean="0"/>
-              <a:t>21.10.2023</a:t>
+              <a:t>01.11.2023</a:t>
             </a:fld>
             <a:endParaRPr lang="uk-UA"/>
           </a:p>
@@ -677,7 +677,7 @@
           <a:p>
             <a:fld id="{4A74A044-6ACB-4A16-9430-2523088896B9}" type="datetimeFigureOut">
               <a:rPr lang="uk-UA" smtClean="0"/>
-              <a:t>21.10.2023</a:t>
+              <a:t>01.11.2023</a:t>
             </a:fld>
             <a:endParaRPr lang="uk-UA"/>
           </a:p>
@@ -877,7 +877,7 @@
           <a:p>
             <a:fld id="{4A74A044-6ACB-4A16-9430-2523088896B9}" type="datetimeFigureOut">
               <a:rPr lang="uk-UA" smtClean="0"/>
-              <a:t>21.10.2023</a:t>
+              <a:t>01.11.2023</a:t>
             </a:fld>
             <a:endParaRPr lang="uk-UA"/>
           </a:p>
@@ -1153,7 +1153,7 @@
           <a:p>
             <a:fld id="{4A74A044-6ACB-4A16-9430-2523088896B9}" type="datetimeFigureOut">
               <a:rPr lang="uk-UA" smtClean="0"/>
-              <a:t>21.10.2023</a:t>
+              <a:t>01.11.2023</a:t>
             </a:fld>
             <a:endParaRPr lang="uk-UA"/>
           </a:p>
@@ -1421,7 +1421,7 @@
           <a:p>
             <a:fld id="{4A74A044-6ACB-4A16-9430-2523088896B9}" type="datetimeFigureOut">
               <a:rPr lang="uk-UA" smtClean="0"/>
-              <a:t>21.10.2023</a:t>
+              <a:t>01.11.2023</a:t>
             </a:fld>
             <a:endParaRPr lang="uk-UA"/>
           </a:p>
@@ -1836,7 +1836,7 @@
           <a:p>
             <a:fld id="{4A74A044-6ACB-4A16-9430-2523088896B9}" type="datetimeFigureOut">
               <a:rPr lang="uk-UA" smtClean="0"/>
-              <a:t>21.10.2023</a:t>
+              <a:t>01.11.2023</a:t>
             </a:fld>
             <a:endParaRPr lang="uk-UA"/>
           </a:p>
@@ -1978,7 +1978,7 @@
           <a:p>
             <a:fld id="{4A74A044-6ACB-4A16-9430-2523088896B9}" type="datetimeFigureOut">
               <a:rPr lang="uk-UA" smtClean="0"/>
-              <a:t>21.10.2023</a:t>
+              <a:t>01.11.2023</a:t>
             </a:fld>
             <a:endParaRPr lang="uk-UA"/>
           </a:p>
@@ -2091,7 +2091,7 @@
           <a:p>
             <a:fld id="{4A74A044-6ACB-4A16-9430-2523088896B9}" type="datetimeFigureOut">
               <a:rPr lang="uk-UA" smtClean="0"/>
-              <a:t>21.10.2023</a:t>
+              <a:t>01.11.2023</a:t>
             </a:fld>
             <a:endParaRPr lang="uk-UA"/>
           </a:p>
@@ -2404,7 +2404,7 @@
           <a:p>
             <a:fld id="{4A74A044-6ACB-4A16-9430-2523088896B9}" type="datetimeFigureOut">
               <a:rPr lang="uk-UA" smtClean="0"/>
-              <a:t>21.10.2023</a:t>
+              <a:t>01.11.2023</a:t>
             </a:fld>
             <a:endParaRPr lang="uk-UA"/>
           </a:p>
@@ -2693,7 +2693,7 @@
           <a:p>
             <a:fld id="{4A74A044-6ACB-4A16-9430-2523088896B9}" type="datetimeFigureOut">
               <a:rPr lang="uk-UA" smtClean="0"/>
-              <a:t>21.10.2023</a:t>
+              <a:t>01.11.2023</a:t>
             </a:fld>
             <a:endParaRPr lang="uk-UA"/>
           </a:p>
@@ -2936,7 +2936,7 @@
           <a:p>
             <a:fld id="{4A74A044-6ACB-4A16-9430-2523088896B9}" type="datetimeFigureOut">
               <a:rPr lang="uk-UA" smtClean="0"/>
-              <a:t>21.10.2023</a:t>
+              <a:t>01.11.2023</a:t>
             </a:fld>
             <a:endParaRPr lang="uk-UA"/>
           </a:p>
@@ -7163,7 +7163,7 @@
         <p:spPr>
           <a:xfrm>
             <a:off x="3729872" y="254524"/>
-            <a:ext cx="4732256" cy="369332"/>
+            <a:ext cx="4732256" cy="584775"/>
           </a:xfrm>
           <a:prstGeom prst="rect">
             <a:avLst/>
@@ -7178,14 +7178,14 @@
           <a:p>
             <a:pPr algn="ctr"/>
             <a:r>
-              <a:rPr lang="uk-UA" dirty="0"/>
+              <a:rPr lang="uk-UA" sz="3200" dirty="0"/>
               <a:t>Метод </a:t>
             </a:r>
             <a:r>
-              <a:rPr lang="en-US" dirty="0"/>
+              <a:rPr lang="en-US" sz="3200" dirty="0"/>
               <a:t>Close()</a:t>
             </a:r>
-            <a:endParaRPr lang="uk-UA" dirty="0"/>
+            <a:endParaRPr lang="uk-UA" sz="3200" dirty="0"/>
           </a:p>
         </p:txBody>
       </p:sp>

--- a/Java Урок 4 Scanner.pptx
+++ b/Java Урок 4 Scanner.pptx
@@ -12,6 +12,7 @@
     <p:sldId id="261" r:id="rId6"/>
     <p:sldId id="262" r:id="rId7"/>
     <p:sldId id="263" r:id="rId8"/>
+    <p:sldId id="704" r:id="rId9"/>
   </p:sldIdLst>
   <p:sldSz cx="12192000" cy="6858000"/>
   <p:notesSz cx="6858000" cy="9144000"/>
@@ -267,7 +268,7 @@
           <a:p>
             <a:fld id="{4A74A044-6ACB-4A16-9430-2523088896B9}" type="datetimeFigureOut">
               <a:rPr lang="uk-UA" smtClean="0"/>
-              <a:t>01.11.2023</a:t>
+              <a:t>19.12.2023</a:t>
             </a:fld>
             <a:endParaRPr lang="uk-UA"/>
           </a:p>
@@ -467,7 +468,7 @@
           <a:p>
             <a:fld id="{4A74A044-6ACB-4A16-9430-2523088896B9}" type="datetimeFigureOut">
               <a:rPr lang="uk-UA" smtClean="0"/>
-              <a:t>01.11.2023</a:t>
+              <a:t>19.12.2023</a:t>
             </a:fld>
             <a:endParaRPr lang="uk-UA"/>
           </a:p>
@@ -677,7 +678,7 @@
           <a:p>
             <a:fld id="{4A74A044-6ACB-4A16-9430-2523088896B9}" type="datetimeFigureOut">
               <a:rPr lang="uk-UA" smtClean="0"/>
-              <a:t>01.11.2023</a:t>
+              <a:t>19.12.2023</a:t>
             </a:fld>
             <a:endParaRPr lang="uk-UA"/>
           </a:p>
@@ -877,7 +878,7 @@
           <a:p>
             <a:fld id="{4A74A044-6ACB-4A16-9430-2523088896B9}" type="datetimeFigureOut">
               <a:rPr lang="uk-UA" smtClean="0"/>
-              <a:t>01.11.2023</a:t>
+              <a:t>19.12.2023</a:t>
             </a:fld>
             <a:endParaRPr lang="uk-UA"/>
           </a:p>
@@ -1153,7 +1154,7 @@
           <a:p>
             <a:fld id="{4A74A044-6ACB-4A16-9430-2523088896B9}" type="datetimeFigureOut">
               <a:rPr lang="uk-UA" smtClean="0"/>
-              <a:t>01.11.2023</a:t>
+              <a:t>19.12.2023</a:t>
             </a:fld>
             <a:endParaRPr lang="uk-UA"/>
           </a:p>
@@ -1421,7 +1422,7 @@
           <a:p>
             <a:fld id="{4A74A044-6ACB-4A16-9430-2523088896B9}" type="datetimeFigureOut">
               <a:rPr lang="uk-UA" smtClean="0"/>
-              <a:t>01.11.2023</a:t>
+              <a:t>19.12.2023</a:t>
             </a:fld>
             <a:endParaRPr lang="uk-UA"/>
           </a:p>
@@ -1836,7 +1837,7 @@
           <a:p>
             <a:fld id="{4A74A044-6ACB-4A16-9430-2523088896B9}" type="datetimeFigureOut">
               <a:rPr lang="uk-UA" smtClean="0"/>
-              <a:t>01.11.2023</a:t>
+              <a:t>19.12.2023</a:t>
             </a:fld>
             <a:endParaRPr lang="uk-UA"/>
           </a:p>
@@ -1978,7 +1979,7 @@
           <a:p>
             <a:fld id="{4A74A044-6ACB-4A16-9430-2523088896B9}" type="datetimeFigureOut">
               <a:rPr lang="uk-UA" smtClean="0"/>
-              <a:t>01.11.2023</a:t>
+              <a:t>19.12.2023</a:t>
             </a:fld>
             <a:endParaRPr lang="uk-UA"/>
           </a:p>
@@ -2091,7 +2092,7 @@
           <a:p>
             <a:fld id="{4A74A044-6ACB-4A16-9430-2523088896B9}" type="datetimeFigureOut">
               <a:rPr lang="uk-UA" smtClean="0"/>
-              <a:t>01.11.2023</a:t>
+              <a:t>19.12.2023</a:t>
             </a:fld>
             <a:endParaRPr lang="uk-UA"/>
           </a:p>
@@ -2404,7 +2405,7 @@
           <a:p>
             <a:fld id="{4A74A044-6ACB-4A16-9430-2523088896B9}" type="datetimeFigureOut">
               <a:rPr lang="uk-UA" smtClean="0"/>
-              <a:t>01.11.2023</a:t>
+              <a:t>19.12.2023</a:t>
             </a:fld>
             <a:endParaRPr lang="uk-UA"/>
           </a:p>
@@ -2693,7 +2694,7 @@
           <a:p>
             <a:fld id="{4A74A044-6ACB-4A16-9430-2523088896B9}" type="datetimeFigureOut">
               <a:rPr lang="uk-UA" smtClean="0"/>
-              <a:t>01.11.2023</a:t>
+              <a:t>19.12.2023</a:t>
             </a:fld>
             <a:endParaRPr lang="uk-UA"/>
           </a:p>
@@ -2936,7 +2937,7 @@
           <a:p>
             <a:fld id="{4A74A044-6ACB-4A16-9430-2523088896B9}" type="datetimeFigureOut">
               <a:rPr lang="uk-UA" smtClean="0"/>
-              <a:t>01.11.2023</a:t>
+              <a:t>19.12.2023</a:t>
             </a:fld>
             <a:endParaRPr lang="uk-UA"/>
           </a:p>
@@ -3355,10 +3356,10 @@
       </p:grpSpPr>
       <p:sp>
         <p:nvSpPr>
-          <p:cNvPr id="4" name="TextBox 3">
+          <p:cNvPr id="3" name="TextBox 2">
             <a:extLst>
               <a:ext uri="{FF2B5EF4-FFF2-40B4-BE49-F238E27FC236}">
-                <a16:creationId xmlns:a16="http://schemas.microsoft.com/office/drawing/2014/main" id="{246CEA34-4B86-437B-BE1A-B38C99CF6442}"/>
+                <a16:creationId xmlns:a16="http://schemas.microsoft.com/office/drawing/2014/main" id="{8834540A-AD72-4A99-8423-76A7EA72F0EA}"/>
               </a:ext>
             </a:extLst>
           </p:cNvPr>
@@ -3367,13 +3368,36 @@
         </p:nvSpPr>
         <p:spPr>
           <a:xfrm>
-            <a:off x="1745137" y="1982769"/>
-            <a:ext cx="8701725" cy="2554545"/>
+            <a:off x="1223423" y="2028616"/>
+            <a:ext cx="9745154" cy="2800767"/>
           </a:xfrm>
           <a:prstGeom prst="rect">
             <a:avLst/>
           </a:prstGeom>
-          <a:noFill/>
+          <a:solidFill>
+            <a:schemeClr val="accent6"/>
+          </a:solidFill>
+          <a:ln>
+            <a:noFill/>
+          </a:ln>
+          <a:effectLst>
+            <a:outerShdw blurRad="190500" dist="228600" dir="2700000" algn="ctr">
+              <a:srgbClr val="000000">
+                <a:alpha val="30000"/>
+              </a:srgbClr>
+            </a:outerShdw>
+          </a:effectLst>
+          <a:scene3d>
+            <a:camera prst="orthographicFront">
+              <a:rot lat="0" lon="0" rev="0"/>
+            </a:camera>
+            <a:lightRig rig="glow" dir="t">
+              <a:rot lat="0" lon="0" rev="4800000"/>
+            </a:lightRig>
+          </a:scene3d>
+          <a:sp3d prstMaterial="matte">
+            <a:bevelT w="127000" h="63500"/>
+          </a:sp3d>
         </p:spPr>
         <p:txBody>
           <a:bodyPr wrap="square" rtlCol="0">
@@ -3383,31 +3407,22 @@
           <a:p>
             <a:pPr algn="ctr"/>
             <a:r>
-              <a:rPr lang="ru-RU" sz="8000" b="1" dirty="0">
-                <a:solidFill>
-                  <a:schemeClr val="accent4">
-                    <a:lumMod val="50000"/>
-                  </a:schemeClr>
-                </a:solidFill>
+              <a:rPr lang="ru-RU" sz="8800" b="1" dirty="0">
+                <a:latin typeface="Times New Roman" panose="02020603050405020304" pitchFamily="18" charset="0"/>
+                <a:cs typeface="Times New Roman" panose="02020603050405020304" pitchFamily="18" charset="0"/>
               </a:rPr>
               <a:t>Тема уроку: </a:t>
             </a:r>
             <a:r>
-              <a:rPr lang="en-US" sz="8000" b="1" dirty="0">
-                <a:solidFill>
-                  <a:schemeClr val="accent4">
-                    <a:lumMod val="50000"/>
-                  </a:schemeClr>
-                </a:solidFill>
+              <a:rPr lang="en-US" sz="8800" b="1" dirty="0">
+                <a:latin typeface="Times New Roman" panose="02020603050405020304" pitchFamily="18" charset="0"/>
+                <a:cs typeface="Times New Roman" panose="02020603050405020304" pitchFamily="18" charset="0"/>
               </a:rPr>
               <a:t>Scanner</a:t>
             </a:r>
-            <a:endParaRPr lang="uk-UA" sz="8000" b="1" dirty="0">
-              <a:solidFill>
-                <a:schemeClr val="accent4">
-                  <a:lumMod val="50000"/>
-                </a:schemeClr>
-              </a:solidFill>
+            <a:endParaRPr lang="uk-UA" sz="8800" b="1" dirty="0">
+              <a:latin typeface="Times New Roman" panose="02020603050405020304" pitchFamily="18" charset="0"/>
+              <a:cs typeface="Times New Roman" panose="02020603050405020304" pitchFamily="18" charset="0"/>
             </a:endParaRPr>
           </a:p>
         </p:txBody>
@@ -3457,7 +3472,7 @@
         <p:spPr>
           <a:xfrm>
             <a:off x="581321" y="3429000"/>
-            <a:ext cx="6315958" cy="2554545"/>
+            <a:ext cx="6315958" cy="2862322"/>
           </a:xfrm>
           <a:prstGeom prst="rect">
             <a:avLst/>
@@ -3476,7 +3491,8 @@
                   <a:srgbClr val="000080"/>
                 </a:solidFill>
                 <a:effectLst/>
-                <a:latin typeface="Menlo"/>
+                <a:latin typeface="Courier New" panose="02070309020205020404" pitchFamily="49" charset="0"/>
+                <a:cs typeface="Courier New" panose="02070309020205020404" pitchFamily="49" charset="0"/>
               </a:rPr>
               <a:t>public</a:t>
             </a:r>
@@ -3486,7 +3502,8 @@
                   <a:srgbClr val="000000"/>
                 </a:solidFill>
                 <a:effectLst/>
-                <a:latin typeface="Menlo"/>
+                <a:latin typeface="Courier New" panose="02070309020205020404" pitchFamily="49" charset="0"/>
+                <a:cs typeface="Courier New" panose="02070309020205020404" pitchFamily="49" charset="0"/>
               </a:rPr>
               <a:t> </a:t>
             </a:r>
@@ -3496,7 +3513,8 @@
                   <a:srgbClr val="000080"/>
                 </a:solidFill>
                 <a:effectLst/>
-                <a:latin typeface="Menlo"/>
+                <a:latin typeface="Courier New" panose="02070309020205020404" pitchFamily="49" charset="0"/>
+                <a:cs typeface="Courier New" panose="02070309020205020404" pitchFamily="49" charset="0"/>
               </a:rPr>
               <a:t>class</a:t>
             </a:r>
@@ -3506,7 +3524,8 @@
                   <a:srgbClr val="000000"/>
                 </a:solidFill>
                 <a:effectLst/>
-                <a:latin typeface="Menlo"/>
+                <a:latin typeface="Courier New" panose="02070309020205020404" pitchFamily="49" charset="0"/>
+                <a:cs typeface="Courier New" panose="02070309020205020404" pitchFamily="49" charset="0"/>
               </a:rPr>
               <a:t> Main { </a:t>
             </a:r>
@@ -3515,7 +3534,8 @@
                 <a:srgbClr val="000000"/>
               </a:solidFill>
               <a:effectLst/>
-              <a:latin typeface="Menlo"/>
+              <a:latin typeface="Courier New" panose="02070309020205020404" pitchFamily="49" charset="0"/>
+              <a:cs typeface="Courier New" panose="02070309020205020404" pitchFamily="49" charset="0"/>
             </a:endParaRPr>
           </a:p>
           <a:p>
@@ -3525,7 +3545,8 @@
                   <a:srgbClr val="000080"/>
                 </a:solidFill>
                 <a:effectLst/>
-                <a:latin typeface="Menlo"/>
+                <a:latin typeface="Courier New" panose="02070309020205020404" pitchFamily="49" charset="0"/>
+                <a:cs typeface="Courier New" panose="02070309020205020404" pitchFamily="49" charset="0"/>
               </a:rPr>
               <a:t>public</a:t>
             </a:r>
@@ -3535,7 +3556,8 @@
                   <a:srgbClr val="000000"/>
                 </a:solidFill>
                 <a:effectLst/>
-                <a:latin typeface="Menlo"/>
+                <a:latin typeface="Courier New" panose="02070309020205020404" pitchFamily="49" charset="0"/>
+                <a:cs typeface="Courier New" panose="02070309020205020404" pitchFamily="49" charset="0"/>
               </a:rPr>
               <a:t> </a:t>
             </a:r>
@@ -3545,7 +3567,8 @@
                   <a:srgbClr val="000080"/>
                 </a:solidFill>
                 <a:effectLst/>
-                <a:latin typeface="Menlo"/>
+                <a:latin typeface="Courier New" panose="02070309020205020404" pitchFamily="49" charset="0"/>
+                <a:cs typeface="Courier New" panose="02070309020205020404" pitchFamily="49" charset="0"/>
               </a:rPr>
               <a:t>static</a:t>
             </a:r>
@@ -3555,7 +3578,8 @@
                   <a:srgbClr val="000000"/>
                 </a:solidFill>
                 <a:effectLst/>
-                <a:latin typeface="Menlo"/>
+                <a:latin typeface="Courier New" panose="02070309020205020404" pitchFamily="49" charset="0"/>
+                <a:cs typeface="Courier New" panose="02070309020205020404" pitchFamily="49" charset="0"/>
               </a:rPr>
               <a:t> </a:t>
             </a:r>
@@ -3565,7 +3589,8 @@
                   <a:srgbClr val="000080"/>
                 </a:solidFill>
                 <a:effectLst/>
-                <a:latin typeface="Menlo"/>
+                <a:latin typeface="Courier New" panose="02070309020205020404" pitchFamily="49" charset="0"/>
+                <a:cs typeface="Courier New" panose="02070309020205020404" pitchFamily="49" charset="0"/>
               </a:rPr>
               <a:t>void</a:t>
             </a:r>
@@ -3575,7 +3600,8 @@
                   <a:srgbClr val="000000"/>
                 </a:solidFill>
                 <a:effectLst/>
-                <a:latin typeface="Menlo"/>
+                <a:latin typeface="Courier New" panose="02070309020205020404" pitchFamily="49" charset="0"/>
+                <a:cs typeface="Courier New" panose="02070309020205020404" pitchFamily="49" charset="0"/>
               </a:rPr>
               <a:t> </a:t>
             </a:r>
@@ -3585,7 +3611,8 @@
                   <a:srgbClr val="900606"/>
                 </a:solidFill>
                 <a:effectLst/>
-                <a:latin typeface="Menlo"/>
+                <a:latin typeface="Courier New" panose="02070309020205020404" pitchFamily="49" charset="0"/>
+                <a:cs typeface="Courier New" panose="02070309020205020404" pitchFamily="49" charset="0"/>
               </a:rPr>
               <a:t>main</a:t>
             </a:r>
@@ -3595,7 +3622,8 @@
                   <a:srgbClr val="000000"/>
                 </a:solidFill>
                 <a:effectLst/>
-                <a:latin typeface="Menlo"/>
+                <a:latin typeface="Courier New" panose="02070309020205020404" pitchFamily="49" charset="0"/>
+                <a:cs typeface="Courier New" panose="02070309020205020404" pitchFamily="49" charset="0"/>
               </a:rPr>
               <a:t>(String[] </a:t>
             </a:r>
@@ -3605,7 +3633,8 @@
                   <a:srgbClr val="000000"/>
                 </a:solidFill>
                 <a:effectLst/>
-                <a:latin typeface="Menlo"/>
+                <a:latin typeface="Courier New" panose="02070309020205020404" pitchFamily="49" charset="0"/>
+                <a:cs typeface="Courier New" panose="02070309020205020404" pitchFamily="49" charset="0"/>
               </a:rPr>
               <a:t>args</a:t>
             </a:r>
@@ -3615,7 +3644,8 @@
                   <a:srgbClr val="000000"/>
                 </a:solidFill>
                 <a:effectLst/>
-                <a:latin typeface="Menlo"/>
+                <a:latin typeface="Courier New" panose="02070309020205020404" pitchFamily="49" charset="0"/>
+                <a:cs typeface="Courier New" panose="02070309020205020404" pitchFamily="49" charset="0"/>
               </a:rPr>
               <a:t>) { </a:t>
             </a:r>
@@ -3624,7 +3654,8 @@
                 <a:srgbClr val="000000"/>
               </a:solidFill>
               <a:effectLst/>
-              <a:latin typeface="Menlo"/>
+              <a:latin typeface="Courier New" panose="02070309020205020404" pitchFamily="49" charset="0"/>
+              <a:cs typeface="Courier New" panose="02070309020205020404" pitchFamily="49" charset="0"/>
             </a:endParaRPr>
           </a:p>
           <a:p>
@@ -3634,7 +3665,8 @@
                   <a:srgbClr val="000000"/>
                 </a:solidFill>
                 <a:effectLst/>
-                <a:latin typeface="Menlo"/>
+                <a:latin typeface="Courier New" panose="02070309020205020404" pitchFamily="49" charset="0"/>
+                <a:cs typeface="Courier New" panose="02070309020205020404" pitchFamily="49" charset="0"/>
               </a:rPr>
               <a:t>Scanner </a:t>
             </a:r>
@@ -3644,7 +3676,8 @@
                   <a:srgbClr val="000000"/>
                 </a:solidFill>
                 <a:effectLst/>
-                <a:latin typeface="Menlo"/>
+                <a:latin typeface="Courier New" panose="02070309020205020404" pitchFamily="49" charset="0"/>
+                <a:cs typeface="Courier New" panose="02070309020205020404" pitchFamily="49" charset="0"/>
               </a:rPr>
               <a:t>sc</a:t>
             </a:r>
@@ -3654,7 +3687,8 @@
                   <a:srgbClr val="000000"/>
                 </a:solidFill>
                 <a:effectLst/>
-                <a:latin typeface="Menlo"/>
+                <a:latin typeface="Courier New" panose="02070309020205020404" pitchFamily="49" charset="0"/>
+                <a:cs typeface="Courier New" panose="02070309020205020404" pitchFamily="49" charset="0"/>
               </a:rPr>
               <a:t> = </a:t>
             </a:r>
@@ -3664,7 +3698,8 @@
                   <a:srgbClr val="000080"/>
                 </a:solidFill>
                 <a:effectLst/>
-                <a:latin typeface="Menlo"/>
+                <a:latin typeface="Courier New" panose="02070309020205020404" pitchFamily="49" charset="0"/>
+                <a:cs typeface="Courier New" panose="02070309020205020404" pitchFamily="49" charset="0"/>
               </a:rPr>
               <a:t>new</a:t>
             </a:r>
@@ -3674,7 +3709,8 @@
                   <a:srgbClr val="000000"/>
                 </a:solidFill>
                 <a:effectLst/>
-                <a:latin typeface="Menlo"/>
+                <a:latin typeface="Courier New" panose="02070309020205020404" pitchFamily="49" charset="0"/>
+                <a:cs typeface="Courier New" panose="02070309020205020404" pitchFamily="49" charset="0"/>
               </a:rPr>
               <a:t> Scanner(System.in); </a:t>
             </a:r>
@@ -3683,7 +3719,8 @@
                 <a:srgbClr val="000000"/>
               </a:solidFill>
               <a:effectLst/>
-              <a:latin typeface="Menlo"/>
+              <a:latin typeface="Courier New" panose="02070309020205020404" pitchFamily="49" charset="0"/>
+              <a:cs typeface="Courier New" panose="02070309020205020404" pitchFamily="49" charset="0"/>
             </a:endParaRPr>
           </a:p>
           <a:p>
@@ -3693,7 +3730,8 @@
                   <a:srgbClr val="000000"/>
                 </a:solidFill>
                 <a:effectLst/>
-                <a:latin typeface="Menlo"/>
+                <a:latin typeface="Courier New" panose="02070309020205020404" pitchFamily="49" charset="0"/>
+                <a:cs typeface="Courier New" panose="02070309020205020404" pitchFamily="49" charset="0"/>
               </a:rPr>
               <a:t>System.out.</a:t>
             </a:r>
@@ -3703,7 +3741,8 @@
                   <a:srgbClr val="900606"/>
                 </a:solidFill>
                 <a:effectLst/>
-                <a:latin typeface="Menlo"/>
+                <a:latin typeface="Courier New" panose="02070309020205020404" pitchFamily="49" charset="0"/>
+                <a:cs typeface="Courier New" panose="02070309020205020404" pitchFamily="49" charset="0"/>
               </a:rPr>
               <a:t>println</a:t>
             </a:r>
@@ -3713,7 +3752,8 @@
                   <a:srgbClr val="000000"/>
                 </a:solidFill>
                 <a:effectLst/>
-                <a:latin typeface="Menlo"/>
+                <a:latin typeface="Courier New" panose="02070309020205020404" pitchFamily="49" charset="0"/>
+                <a:cs typeface="Courier New" panose="02070309020205020404" pitchFamily="49" charset="0"/>
               </a:rPr>
               <a:t>(</a:t>
             </a:r>
@@ -3723,7 +3763,8 @@
                   <a:srgbClr val="008000"/>
                 </a:solidFill>
                 <a:effectLst/>
-                <a:latin typeface="Menlo"/>
+                <a:latin typeface="Courier New" panose="02070309020205020404" pitchFamily="49" charset="0"/>
+                <a:cs typeface="Courier New" panose="02070309020205020404" pitchFamily="49" charset="0"/>
               </a:rPr>
               <a:t>"</a:t>
             </a:r>
@@ -3733,7 +3774,8 @@
                   <a:srgbClr val="008000"/>
                 </a:solidFill>
                 <a:effectLst/>
-                <a:latin typeface="Menlo"/>
+                <a:latin typeface="Courier New" panose="02070309020205020404" pitchFamily="49" charset="0"/>
+                <a:cs typeface="Courier New" panose="02070309020205020404" pitchFamily="49" charset="0"/>
               </a:rPr>
               <a:t>Введіть число:"</a:t>
             </a:r>
@@ -3743,7 +3785,8 @@
                   <a:srgbClr val="000000"/>
                 </a:solidFill>
                 <a:effectLst/>
-                <a:latin typeface="Menlo"/>
+                <a:latin typeface="Courier New" panose="02070309020205020404" pitchFamily="49" charset="0"/>
+                <a:cs typeface="Courier New" panose="02070309020205020404" pitchFamily="49" charset="0"/>
               </a:rPr>
               <a:t>); </a:t>
             </a:r>
@@ -3755,7 +3798,8 @@
                   <a:srgbClr val="000080"/>
                 </a:solidFill>
                 <a:effectLst/>
-                <a:latin typeface="Menlo"/>
+                <a:latin typeface="Courier New" panose="02070309020205020404" pitchFamily="49" charset="0"/>
+                <a:cs typeface="Courier New" panose="02070309020205020404" pitchFamily="49" charset="0"/>
               </a:rPr>
               <a:t>int</a:t>
             </a:r>
@@ -3765,7 +3809,8 @@
                   <a:srgbClr val="000000"/>
                 </a:solidFill>
                 <a:effectLst/>
-                <a:latin typeface="Menlo"/>
+                <a:latin typeface="Courier New" panose="02070309020205020404" pitchFamily="49" charset="0"/>
+                <a:cs typeface="Courier New" panose="02070309020205020404" pitchFamily="49" charset="0"/>
               </a:rPr>
               <a:t> number = </a:t>
             </a:r>
@@ -3775,7 +3820,8 @@
                   <a:srgbClr val="000000"/>
                 </a:solidFill>
                 <a:effectLst/>
-                <a:latin typeface="Menlo"/>
+                <a:latin typeface="Courier New" panose="02070309020205020404" pitchFamily="49" charset="0"/>
+                <a:cs typeface="Courier New" panose="02070309020205020404" pitchFamily="49" charset="0"/>
               </a:rPr>
               <a:t>sc.</a:t>
             </a:r>
@@ -3785,7 +3831,8 @@
                   <a:srgbClr val="900606"/>
                 </a:solidFill>
                 <a:effectLst/>
-                <a:latin typeface="Menlo"/>
+                <a:latin typeface="Courier New" panose="02070309020205020404" pitchFamily="49" charset="0"/>
+                <a:cs typeface="Courier New" panose="02070309020205020404" pitchFamily="49" charset="0"/>
               </a:rPr>
               <a:t>nextInt</a:t>
             </a:r>
@@ -3795,7 +3842,8 @@
                   <a:srgbClr val="000000"/>
                 </a:solidFill>
                 <a:effectLst/>
-                <a:latin typeface="Menlo"/>
+                <a:latin typeface="Courier New" panose="02070309020205020404" pitchFamily="49" charset="0"/>
+                <a:cs typeface="Courier New" panose="02070309020205020404" pitchFamily="49" charset="0"/>
               </a:rPr>
               <a:t>(); </a:t>
             </a:r>
@@ -3804,7 +3852,8 @@
                 <a:srgbClr val="000000"/>
               </a:solidFill>
               <a:effectLst/>
-              <a:latin typeface="Menlo"/>
+              <a:latin typeface="Courier New" panose="02070309020205020404" pitchFamily="49" charset="0"/>
+              <a:cs typeface="Courier New" panose="02070309020205020404" pitchFamily="49" charset="0"/>
             </a:endParaRPr>
           </a:p>
           <a:p>
@@ -3814,7 +3863,8 @@
                   <a:srgbClr val="000000"/>
                 </a:solidFill>
                 <a:effectLst/>
-                <a:latin typeface="Menlo"/>
+                <a:latin typeface="Courier New" panose="02070309020205020404" pitchFamily="49" charset="0"/>
+                <a:cs typeface="Courier New" panose="02070309020205020404" pitchFamily="49" charset="0"/>
               </a:rPr>
               <a:t>System.out.</a:t>
             </a:r>
@@ -3824,7 +3874,8 @@
                   <a:srgbClr val="900606"/>
                 </a:solidFill>
                 <a:effectLst/>
-                <a:latin typeface="Menlo"/>
+                <a:latin typeface="Courier New" panose="02070309020205020404" pitchFamily="49" charset="0"/>
+                <a:cs typeface="Courier New" panose="02070309020205020404" pitchFamily="49" charset="0"/>
               </a:rPr>
               <a:t>println</a:t>
             </a:r>
@@ -3834,7 +3885,8 @@
                   <a:srgbClr val="000000"/>
                 </a:solidFill>
                 <a:effectLst/>
-                <a:latin typeface="Menlo"/>
+                <a:latin typeface="Courier New" panose="02070309020205020404" pitchFamily="49" charset="0"/>
+                <a:cs typeface="Courier New" panose="02070309020205020404" pitchFamily="49" charset="0"/>
               </a:rPr>
               <a:t>(</a:t>
             </a:r>
@@ -3844,7 +3896,8 @@
                   <a:srgbClr val="008000"/>
                 </a:solidFill>
                 <a:effectLst/>
-                <a:latin typeface="Menlo"/>
+                <a:latin typeface="Courier New" panose="02070309020205020404" pitchFamily="49" charset="0"/>
+                <a:cs typeface="Courier New" panose="02070309020205020404" pitchFamily="49" charset="0"/>
               </a:rPr>
               <a:t>"</a:t>
             </a:r>
@@ -3854,7 +3907,8 @@
                   <a:srgbClr val="008000"/>
                 </a:solidFill>
                 <a:effectLst/>
-                <a:latin typeface="Menlo"/>
+                <a:latin typeface="Courier New" panose="02070309020205020404" pitchFamily="49" charset="0"/>
+                <a:cs typeface="Courier New" panose="02070309020205020404" pitchFamily="49" charset="0"/>
               </a:rPr>
               <a:t>Дякую! Ви ввели число "</a:t>
             </a:r>
@@ -3864,7 +3918,8 @@
                   <a:srgbClr val="000000"/>
                 </a:solidFill>
                 <a:effectLst/>
-                <a:latin typeface="Menlo"/>
+                <a:latin typeface="Courier New" panose="02070309020205020404" pitchFamily="49" charset="0"/>
+                <a:cs typeface="Courier New" panose="02070309020205020404" pitchFamily="49" charset="0"/>
               </a:rPr>
               <a:t> + </a:t>
             </a:r>
@@ -3874,7 +3929,8 @@
                   <a:srgbClr val="000000"/>
                 </a:solidFill>
                 <a:effectLst/>
-                <a:latin typeface="Menlo"/>
+                <a:latin typeface="Courier New" panose="02070309020205020404" pitchFamily="49" charset="0"/>
+                <a:cs typeface="Courier New" panose="02070309020205020404" pitchFamily="49" charset="0"/>
               </a:rPr>
               <a:t>number); </a:t>
             </a:r>
@@ -3883,7 +3939,8 @@
                 <a:srgbClr val="000000"/>
               </a:solidFill>
               <a:effectLst/>
-              <a:latin typeface="Menlo"/>
+              <a:latin typeface="Courier New" panose="02070309020205020404" pitchFamily="49" charset="0"/>
+              <a:cs typeface="Courier New" panose="02070309020205020404" pitchFamily="49" charset="0"/>
             </a:endParaRPr>
           </a:p>
           <a:p>
@@ -3893,7 +3950,8 @@
                   <a:srgbClr val="000000"/>
                 </a:solidFill>
                 <a:effectLst/>
-                <a:latin typeface="Menlo"/>
+                <a:latin typeface="Courier New" panose="02070309020205020404" pitchFamily="49" charset="0"/>
+                <a:cs typeface="Courier New" panose="02070309020205020404" pitchFamily="49" charset="0"/>
               </a:rPr>
               <a:t>} </a:t>
             </a:r>
@@ -3902,7 +3960,8 @@
                 <a:srgbClr val="000000"/>
               </a:solidFill>
               <a:effectLst/>
-              <a:latin typeface="Menlo"/>
+              <a:latin typeface="Courier New" panose="02070309020205020404" pitchFamily="49" charset="0"/>
+              <a:cs typeface="Courier New" panose="02070309020205020404" pitchFamily="49" charset="0"/>
             </a:endParaRPr>
           </a:p>
           <a:p>
@@ -3912,11 +3971,15 @@
                   <a:srgbClr val="000000"/>
                 </a:solidFill>
                 <a:effectLst/>
-                <a:latin typeface="Menlo"/>
+                <a:latin typeface="Courier New" panose="02070309020205020404" pitchFamily="49" charset="0"/>
+                <a:cs typeface="Courier New" panose="02070309020205020404" pitchFamily="49" charset="0"/>
               </a:rPr>
               <a:t>}</a:t>
             </a:r>
-            <a:endParaRPr lang="uk-UA" sz="2000" dirty="0"/>
+            <a:endParaRPr lang="uk-UA" sz="2000" dirty="0">
+              <a:latin typeface="Courier New" panose="02070309020205020404" pitchFamily="49" charset="0"/>
+              <a:cs typeface="Courier New" panose="02070309020205020404" pitchFamily="49" charset="0"/>
+            </a:endParaRPr>
           </a:p>
         </p:txBody>
       </p:sp>
@@ -3952,46 +4015,55 @@
             <a:r>
               <a:rPr lang="uk-UA" sz="2000" b="0" i="0" dirty="0">
                 <a:effectLst/>
-                <a:latin typeface="Arial" panose="020B0604020202020204" pitchFamily="34" charset="0"/>
+                <a:latin typeface="Times New Roman" panose="02020603050405020304" pitchFamily="18" charset="0"/>
+                <a:cs typeface="Times New Roman" panose="02020603050405020304" pitchFamily="18" charset="0"/>
               </a:rPr>
               <a:t>Перше і головне, з чим нам потрібно познайомитися, – клас </a:t>
             </a:r>
             <a:r>
               <a:rPr lang="en-US" sz="2000" b="0" i="0" dirty="0" err="1">
                 <a:effectLst/>
-                <a:latin typeface="Menlo"/>
+                <a:latin typeface="Times New Roman" panose="02020603050405020304" pitchFamily="18" charset="0"/>
+                <a:cs typeface="Times New Roman" panose="02020603050405020304" pitchFamily="18" charset="0"/>
               </a:rPr>
               <a:t>java.util.Scanner</a:t>
             </a:r>
             <a:r>
               <a:rPr lang="en-US" sz="2000" b="0" i="0" dirty="0">
                 <a:effectLst/>
-                <a:latin typeface="Arial" panose="020B0604020202020204" pitchFamily="34" charset="0"/>
+                <a:latin typeface="Times New Roman" panose="02020603050405020304" pitchFamily="18" charset="0"/>
+                <a:cs typeface="Times New Roman" panose="02020603050405020304" pitchFamily="18" charset="0"/>
               </a:rPr>
               <a:t>. </a:t>
             </a:r>
             <a:r>
               <a:rPr lang="uk-UA" sz="2000" b="0" i="0" dirty="0">
                 <a:effectLst/>
-                <a:latin typeface="Arial" panose="020B0604020202020204" pitchFamily="34" charset="0"/>
+                <a:latin typeface="Times New Roman" panose="02020603050405020304" pitchFamily="18" charset="0"/>
+                <a:cs typeface="Times New Roman" panose="02020603050405020304" pitchFamily="18" charset="0"/>
               </a:rPr>
               <a:t>Його функціональність дуже проста. Він, немов справжній сканер, зчитує дані з джерела, яке ти для нього </a:t>
             </a:r>
             <a:r>
               <a:rPr lang="uk-UA" sz="2000" b="0" i="0" dirty="0" err="1">
                 <a:effectLst/>
-                <a:latin typeface="Arial" panose="020B0604020202020204" pitchFamily="34" charset="0"/>
+                <a:latin typeface="Times New Roman" panose="02020603050405020304" pitchFamily="18" charset="0"/>
+                <a:cs typeface="Times New Roman" panose="02020603050405020304" pitchFamily="18" charset="0"/>
               </a:rPr>
               <a:t>вкажеш</a:t>
             </a:r>
             <a:r>
               <a:rPr lang="uk-UA" sz="2000" b="0" i="0" dirty="0">
                 <a:effectLst/>
-                <a:latin typeface="Arial" panose="020B0604020202020204" pitchFamily="34" charset="0"/>
+                <a:latin typeface="Times New Roman" panose="02020603050405020304" pitchFamily="18" charset="0"/>
+                <a:cs typeface="Times New Roman" panose="02020603050405020304" pitchFamily="18" charset="0"/>
               </a:rPr>
               <a:t>. Наприклад, із рядка, з файлу, з консолі. Далі він розпізнає цю інформацію й обробляє потрібним чином. Наведемо найпростіший приклад:</a:t>
             </a:r>
-            <a:endParaRPr lang="uk-UA" sz="2000" dirty="0"/>
+            <a:endParaRPr lang="uk-UA" sz="2000" dirty="0">
+              <a:latin typeface="Times New Roman" panose="02020603050405020304" pitchFamily="18" charset="0"/>
+              <a:cs typeface="Times New Roman" panose="02020603050405020304" pitchFamily="18" charset="0"/>
+            </a:endParaRPr>
           </a:p>
         </p:txBody>
       </p:sp>
@@ -4083,8 +4155,8 @@
         </p:nvSpPr>
         <p:spPr>
           <a:xfrm>
-            <a:off x="3960829" y="339365"/>
-            <a:ext cx="4270342" cy="769441"/>
+            <a:off x="0" y="131975"/>
+            <a:ext cx="12192000" cy="769441"/>
           </a:xfrm>
           <a:prstGeom prst="rect">
             <a:avLst/>
@@ -4099,10 +4171,16 @@
           <a:p>
             <a:pPr algn="ctr"/>
             <a:r>
-              <a:rPr lang="ru-RU" sz="4400" dirty="0" err="1"/>
+              <a:rPr lang="ru-RU" sz="4400" dirty="0" err="1">
+                <a:latin typeface="Times New Roman" panose="02020603050405020304" pitchFamily="18" charset="0"/>
+                <a:cs typeface="Times New Roman" panose="02020603050405020304" pitchFamily="18" charset="0"/>
+              </a:rPr>
               <a:t>Помилка</a:t>
             </a:r>
-            <a:endParaRPr lang="uk-UA" sz="4400" dirty="0"/>
+            <a:endParaRPr lang="uk-UA" sz="4400" dirty="0">
+              <a:latin typeface="Times New Roman" panose="02020603050405020304" pitchFamily="18" charset="0"/>
+              <a:cs typeface="Times New Roman" panose="02020603050405020304" pitchFamily="18" charset="0"/>
+            </a:endParaRPr>
           </a:p>
         </p:txBody>
       </p:sp>
@@ -4120,13 +4198,30 @@
         </p:nvSpPr>
         <p:spPr>
           <a:xfrm>
-            <a:off x="3641104" y="3218313"/>
-            <a:ext cx="6094428" cy="1754326"/>
+            <a:off x="820133" y="3429000"/>
+            <a:ext cx="10850252" cy="1938992"/>
           </a:xfrm>
           <a:prstGeom prst="rect">
             <a:avLst/>
           </a:prstGeom>
-          <a:noFill/>
+          <a:solidFill>
+            <a:schemeClr val="tx1"/>
+          </a:solidFill>
+          <a:ln>
+            <a:noFill/>
+          </a:ln>
+          <a:effectLst/>
+          <a:scene3d>
+            <a:camera prst="orthographicFront">
+              <a:rot lat="0" lon="0" rev="0"/>
+            </a:camera>
+            <a:lightRig rig="contrasting" dir="t">
+              <a:rot lat="0" lon="0" rev="7800000"/>
+            </a:lightRig>
+          </a:scene3d>
+          <a:sp3d>
+            <a:bevelT w="139700" h="139700"/>
+          </a:sp3d>
         </p:spPr>
         <p:txBody>
           <a:bodyPr wrap="square">
@@ -4135,9 +4230,11 @@
           <a:lstStyle/>
           <a:p>
             <a:r>
-              <a:rPr lang="en-US" b="0" i="0" dirty="0">
-                <a:solidFill>
-                  <a:srgbClr val="000000"/>
+              <a:rPr lang="en-US" sz="2400" b="0" i="0" dirty="0">
+                <a:solidFill>
+                  <a:schemeClr val="bg1">
+                    <a:lumMod val="85000"/>
+                  </a:schemeClr>
                 </a:solidFill>
                 <a:effectLst/>
                 <a:latin typeface="Menlo"/>
@@ -4145,9 +4242,11 @@
               <a:t>Exception in thread "main" </a:t>
             </a:r>
             <a:r>
-              <a:rPr lang="en-US" b="0" i="0" dirty="0" err="1">
-                <a:solidFill>
-                  <a:srgbClr val="000000"/>
+              <a:rPr lang="en-US" sz="2400" b="0" i="0" dirty="0" err="1">
+                <a:solidFill>
+                  <a:schemeClr val="bg1">
+                    <a:lumMod val="85000"/>
+                  </a:schemeClr>
                 </a:solidFill>
                 <a:effectLst/>
                 <a:latin typeface="Menlo"/>
@@ -4155,9 +4254,11 @@
               <a:t>java.util.InputMismatchException</a:t>
             </a:r>
             <a:r>
-              <a:rPr lang="en-US" b="0" i="0" dirty="0">
-                <a:solidFill>
-                  <a:srgbClr val="000000"/>
+              <a:rPr lang="en-US" sz="2400" b="0" i="0" dirty="0">
+                <a:solidFill>
+                  <a:schemeClr val="bg1">
+                    <a:lumMod val="85000"/>
+                  </a:schemeClr>
                 </a:solidFill>
                 <a:effectLst/>
                 <a:latin typeface="Menlo"/>
@@ -4165,9 +4266,11 @@
               <a:t> at </a:t>
             </a:r>
             <a:r>
-              <a:rPr lang="en-US" b="0" i="0" dirty="0" err="1">
-                <a:solidFill>
-                  <a:srgbClr val="000000"/>
+              <a:rPr lang="en-US" sz="2400" b="0" i="0" dirty="0" err="1">
+                <a:solidFill>
+                  <a:schemeClr val="bg1">
+                    <a:lumMod val="85000"/>
+                  </a:schemeClr>
                 </a:solidFill>
                 <a:effectLst/>
                 <a:latin typeface="Menlo"/>
@@ -4175,9 +4278,11 @@
               <a:t>java.util.Scanner.throwFor</a:t>
             </a:r>
             <a:r>
-              <a:rPr lang="en-US" b="0" i="0" dirty="0">
-                <a:solidFill>
-                  <a:srgbClr val="000000"/>
+              <a:rPr lang="en-US" sz="2400" b="0" i="0" dirty="0">
+                <a:solidFill>
+                  <a:schemeClr val="bg1">
+                    <a:lumMod val="85000"/>
+                  </a:schemeClr>
                 </a:solidFill>
                 <a:effectLst/>
                 <a:latin typeface="Menlo"/>
@@ -4185,9 +4290,11 @@
               <a:t>(Scanner.java:864) at </a:t>
             </a:r>
             <a:r>
-              <a:rPr lang="en-US" b="0" i="0" dirty="0" err="1">
-                <a:solidFill>
-                  <a:srgbClr val="000000"/>
+              <a:rPr lang="en-US" sz="2400" b="0" i="0" dirty="0" err="1">
+                <a:solidFill>
+                  <a:schemeClr val="bg1">
+                    <a:lumMod val="85000"/>
+                  </a:schemeClr>
                 </a:solidFill>
                 <a:effectLst/>
                 <a:latin typeface="Menlo"/>
@@ -4195,9 +4302,11 @@
               <a:t>java.util.Scanner.next</a:t>
             </a:r>
             <a:r>
-              <a:rPr lang="en-US" b="0" i="0" dirty="0">
-                <a:solidFill>
-                  <a:srgbClr val="000000"/>
+              <a:rPr lang="en-US" sz="2400" b="0" i="0" dirty="0">
+                <a:solidFill>
+                  <a:schemeClr val="bg1">
+                    <a:lumMod val="85000"/>
+                  </a:schemeClr>
                 </a:solidFill>
                 <a:effectLst/>
                 <a:latin typeface="Menlo"/>
@@ -4205,9 +4314,11 @@
               <a:t>(Scanner.java:1485) at </a:t>
             </a:r>
             <a:r>
-              <a:rPr lang="en-US" b="0" i="0" dirty="0" err="1">
-                <a:solidFill>
-                  <a:srgbClr val="000000"/>
+              <a:rPr lang="en-US" sz="2400" b="0" i="0" dirty="0" err="1">
+                <a:solidFill>
+                  <a:schemeClr val="bg1">
+                    <a:lumMod val="85000"/>
+                  </a:schemeClr>
                 </a:solidFill>
                 <a:effectLst/>
                 <a:latin typeface="Menlo"/>
@@ -4215,9 +4326,11 @@
               <a:t>java.util.Scanner.nextInt</a:t>
             </a:r>
             <a:r>
-              <a:rPr lang="en-US" b="0" i="0" dirty="0">
-                <a:solidFill>
-                  <a:srgbClr val="000000"/>
+              <a:rPr lang="en-US" sz="2400" b="0" i="0" dirty="0">
+                <a:solidFill>
+                  <a:schemeClr val="bg1">
+                    <a:lumMod val="85000"/>
+                  </a:schemeClr>
                 </a:solidFill>
                 <a:effectLst/>
                 <a:latin typeface="Menlo"/>
@@ -4225,9 +4338,11 @@
               <a:t>(Scanner.java:2117) at </a:t>
             </a:r>
             <a:r>
-              <a:rPr lang="en-US" b="0" i="0" dirty="0" err="1">
-                <a:solidFill>
-                  <a:srgbClr val="000000"/>
+              <a:rPr lang="en-US" sz="2400" b="0" i="0" dirty="0" err="1">
+                <a:solidFill>
+                  <a:schemeClr val="bg1">
+                    <a:lumMod val="85000"/>
+                  </a:schemeClr>
                 </a:solidFill>
                 <a:effectLst/>
                 <a:latin typeface="Menlo"/>
@@ -4235,9 +4350,11 @@
               <a:t>java.util.Scanner.nextInt</a:t>
             </a:r>
             <a:r>
-              <a:rPr lang="en-US" b="0" i="0" dirty="0">
-                <a:solidFill>
-                  <a:srgbClr val="000000"/>
+              <a:rPr lang="en-US" sz="2400" b="0" i="0" dirty="0">
+                <a:solidFill>
+                  <a:schemeClr val="bg1">
+                    <a:lumMod val="85000"/>
+                  </a:schemeClr>
                 </a:solidFill>
                 <a:effectLst/>
                 <a:latin typeface="Menlo"/>
@@ -4245,9 +4362,11 @@
               <a:t>(Scanner.java:2076) at </a:t>
             </a:r>
             <a:r>
-              <a:rPr lang="en-US" b="0" i="0" dirty="0" err="1">
-                <a:solidFill>
-                  <a:srgbClr val="000000"/>
+              <a:rPr lang="en-US" sz="2400" b="0" i="0" dirty="0" err="1">
+                <a:solidFill>
+                  <a:schemeClr val="bg1">
+                    <a:lumMod val="85000"/>
+                  </a:schemeClr>
                 </a:solidFill>
                 <a:effectLst/>
                 <a:latin typeface="Menlo"/>
@@ -4255,16 +4374,24 @@
               <a:t>Main.main</a:t>
             </a:r>
             <a:r>
-              <a:rPr lang="en-US" b="0" i="0" dirty="0">
-                <a:solidFill>
-                  <a:srgbClr val="000000"/>
+              <a:rPr lang="en-US" sz="2400" b="0" i="0" dirty="0">
+                <a:solidFill>
+                  <a:schemeClr val="bg1">
+                    <a:lumMod val="85000"/>
+                  </a:schemeClr>
                 </a:solidFill>
                 <a:effectLst/>
                 <a:latin typeface="Menlo"/>
               </a:rPr>
               <a:t>(Main.java:8)</a:t>
             </a:r>
-            <a:endParaRPr lang="uk-UA" dirty="0"/>
+            <a:endParaRPr lang="uk-UA" sz="2400" dirty="0">
+              <a:solidFill>
+                <a:schemeClr val="bg1">
+                  <a:lumMod val="85000"/>
+                </a:schemeClr>
+              </a:solidFill>
+            </a:endParaRPr>
           </a:p>
         </p:txBody>
       </p:sp>
@@ -4283,7 +4410,7 @@
         <p:spPr>
           <a:xfrm>
             <a:off x="398283" y="1309369"/>
-            <a:ext cx="11470063" cy="954107"/>
+            <a:ext cx="11470063" cy="1200329"/>
           </a:xfrm>
           <a:prstGeom prst="rect">
             <a:avLst/>
@@ -4297,48 +4424,57 @@
           <a:lstStyle/>
           <a:p>
             <a:r>
-              <a:rPr lang="ru-RU" sz="2800" b="0" i="0" dirty="0" err="1">
-                <a:effectLst/>
-                <a:latin typeface="Arial" panose="020B0604020202020204" pitchFamily="34" charset="0"/>
+              <a:rPr lang="ru-RU" sz="3600" b="0" i="0" dirty="0" err="1">
+                <a:effectLst/>
+                <a:latin typeface="Times New Roman" panose="02020603050405020304" pitchFamily="18" charset="0"/>
+                <a:cs typeface="Times New Roman" panose="02020603050405020304" pitchFamily="18" charset="0"/>
               </a:rPr>
               <a:t>Спробуємо</a:t>
             </a:r>
             <a:r>
-              <a:rPr lang="ru-RU" sz="2800" b="0" i="0" dirty="0">
-                <a:effectLst/>
-                <a:latin typeface="Arial" panose="020B0604020202020204" pitchFamily="34" charset="0"/>
+              <a:rPr lang="ru-RU" sz="3600" b="0" i="0" dirty="0">
+                <a:effectLst/>
+                <a:latin typeface="Times New Roman" panose="02020603050405020304" pitchFamily="18" charset="0"/>
+                <a:cs typeface="Times New Roman" panose="02020603050405020304" pitchFamily="18" charset="0"/>
               </a:rPr>
               <a:t> ввести </a:t>
             </a:r>
             <a:r>
-              <a:rPr lang="ru-RU" sz="2800" b="0" i="0" dirty="0" err="1">
-                <a:effectLst/>
-                <a:latin typeface="Arial" panose="020B0604020202020204" pitchFamily="34" charset="0"/>
+              <a:rPr lang="ru-RU" sz="3600" b="0" i="0" dirty="0" err="1">
+                <a:effectLst/>
+                <a:latin typeface="Times New Roman" panose="02020603050405020304" pitchFamily="18" charset="0"/>
+                <a:cs typeface="Times New Roman" panose="02020603050405020304" pitchFamily="18" charset="0"/>
               </a:rPr>
               <a:t>замість</a:t>
             </a:r>
             <a:r>
-              <a:rPr lang="ru-RU" sz="2800" b="0" i="0" dirty="0">
-                <a:effectLst/>
-                <a:latin typeface="Arial" panose="020B0604020202020204" pitchFamily="34" charset="0"/>
+              <a:rPr lang="ru-RU" sz="3600" b="0" i="0" dirty="0">
+                <a:effectLst/>
+                <a:latin typeface="Times New Roman" panose="02020603050405020304" pitchFamily="18" charset="0"/>
+                <a:cs typeface="Times New Roman" panose="02020603050405020304" pitchFamily="18" charset="0"/>
               </a:rPr>
               <a:t> числа рядок «Сканер». </a:t>
             </a:r>
             <a:r>
-              <a:rPr lang="ru-RU" sz="2800" b="0" i="0" dirty="0" err="1">
-                <a:effectLst/>
-                <a:latin typeface="Arial" panose="020B0604020202020204" pitchFamily="34" charset="0"/>
+              <a:rPr lang="ru-RU" sz="3600" b="0" i="0" dirty="0" err="1">
+                <a:effectLst/>
+                <a:latin typeface="Times New Roman" panose="02020603050405020304" pitchFamily="18" charset="0"/>
+                <a:cs typeface="Times New Roman" panose="02020603050405020304" pitchFamily="18" charset="0"/>
               </a:rPr>
               <a:t>Виведення</a:t>
             </a:r>
             <a:r>
-              <a:rPr lang="ru-RU" sz="2800" b="0" i="0" dirty="0">
-                <a:effectLst/>
-                <a:latin typeface="Arial" panose="020B0604020202020204" pitchFamily="34" charset="0"/>
+              <a:rPr lang="ru-RU" sz="3600" b="0" i="0" dirty="0">
+                <a:effectLst/>
+                <a:latin typeface="Times New Roman" panose="02020603050405020304" pitchFamily="18" charset="0"/>
+                <a:cs typeface="Times New Roman" panose="02020603050405020304" pitchFamily="18" charset="0"/>
               </a:rPr>
               <a:t> в консоль:</a:t>
             </a:r>
-            <a:endParaRPr lang="uk-UA" sz="2800" dirty="0"/>
+            <a:endParaRPr lang="uk-UA" sz="3600" dirty="0">
+              <a:latin typeface="Times New Roman" panose="02020603050405020304" pitchFamily="18" charset="0"/>
+              <a:cs typeface="Times New Roman" panose="02020603050405020304" pitchFamily="18" charset="0"/>
+            </a:endParaRPr>
           </a:p>
         </p:txBody>
       </p:sp>
@@ -4406,7 +4542,8 @@
                   <a:srgbClr val="172B53"/>
                 </a:solidFill>
                 <a:effectLst/>
-                <a:latin typeface="Arial" panose="020B0604020202020204" pitchFamily="34" charset="0"/>
+                <a:latin typeface="Times New Roman" panose="02020603050405020304" pitchFamily="18" charset="0"/>
+                <a:cs typeface="Times New Roman" panose="02020603050405020304" pitchFamily="18" charset="0"/>
               </a:rPr>
               <a:t>Але для цього нам треба фактично "зазирнути в майбутнє" – дізнатися, що там далі в нашому потоці. Чи вміє </a:t>
             </a:r>
@@ -4416,7 +4553,8 @@
                   <a:srgbClr val="172B53"/>
                 </a:solidFill>
                 <a:effectLst/>
-                <a:latin typeface="Arial" panose="020B0604020202020204" pitchFamily="34" charset="0"/>
+                <a:latin typeface="Times New Roman" panose="02020603050405020304" pitchFamily="18" charset="0"/>
+                <a:cs typeface="Times New Roman" panose="02020603050405020304" pitchFamily="18" charset="0"/>
               </a:rPr>
               <a:t>Scanner </a:t>
             </a:r>
@@ -4426,7 +4564,8 @@
                   <a:srgbClr val="172B53"/>
                 </a:solidFill>
                 <a:effectLst/>
-                <a:latin typeface="Arial" panose="020B0604020202020204" pitchFamily="34" charset="0"/>
+                <a:latin typeface="Times New Roman" panose="02020603050405020304" pitchFamily="18" charset="0"/>
+                <a:cs typeface="Times New Roman" panose="02020603050405020304" pitchFamily="18" charset="0"/>
               </a:rPr>
               <a:t>у </a:t>
             </a:r>
@@ -4436,7 +4575,8 @@
                   <a:srgbClr val="172B53"/>
                 </a:solidFill>
                 <a:effectLst/>
-                <a:latin typeface="Arial" panose="020B0604020202020204" pitchFamily="34" charset="0"/>
+                <a:latin typeface="Times New Roman" panose="02020603050405020304" pitchFamily="18" charset="0"/>
+                <a:cs typeface="Times New Roman" panose="02020603050405020304" pitchFamily="18" charset="0"/>
               </a:rPr>
               <a:t>Java </a:t>
             </a:r>
@@ -4446,7 +4586,8 @@
                   <a:srgbClr val="172B53"/>
                 </a:solidFill>
                 <a:effectLst/>
-                <a:latin typeface="Arial" panose="020B0604020202020204" pitchFamily="34" charset="0"/>
+                <a:latin typeface="Times New Roman" panose="02020603050405020304" pitchFamily="18" charset="0"/>
+                <a:cs typeface="Times New Roman" panose="02020603050405020304" pitchFamily="18" charset="0"/>
               </a:rPr>
               <a:t>це робити? Ще як уміє!</a:t>
             </a:r>
@@ -4507,7 +4648,7 @@
         <p:spPr>
           <a:xfrm>
             <a:off x="348791" y="1188025"/>
-            <a:ext cx="6094428" cy="1815882"/>
+            <a:ext cx="6094428" cy="1384995"/>
           </a:xfrm>
           <a:prstGeom prst="rect">
             <a:avLst/>
@@ -4526,7 +4667,8 @@
                   <a:srgbClr val="172B53"/>
                 </a:solidFill>
                 <a:effectLst/>
-                <a:latin typeface="Arial" panose="020B0604020202020204" pitchFamily="34" charset="0"/>
+                <a:latin typeface="Times New Roman" panose="02020603050405020304" pitchFamily="18" charset="0"/>
+                <a:cs typeface="Times New Roman" panose="02020603050405020304" pitchFamily="18" charset="0"/>
               </a:rPr>
               <a:t>Щоб уникнути схожих ситуацій, нам потрібно придумати спосіб перевірки даних, які вводить користувач.</a:t>
             </a:r>
@@ -4567,7 +4709,8 @@
                   <a:srgbClr val="172B53"/>
                 </a:solidFill>
                 <a:effectLst/>
-                <a:latin typeface="Arial" panose="020B0604020202020204" pitchFamily="34" charset="0"/>
+                <a:latin typeface="Times New Roman" panose="02020603050405020304" pitchFamily="18" charset="0"/>
+                <a:cs typeface="Times New Roman" panose="02020603050405020304" pitchFamily="18" charset="0"/>
               </a:rPr>
               <a:t>Наприклад, користувач вводить що завгодно, крім числа, – добре б вивести в консоль попередження, що введена інформація не є числом, а якщо все гаразд – вивести текст підтвердження. </a:t>
             </a:r>
@@ -4639,7 +4782,8 @@
                   <a:srgbClr val="000000"/>
                 </a:solidFill>
                 <a:effectLst/>
-                <a:latin typeface="Menlo"/>
+                <a:latin typeface="Courier New" panose="02070309020205020404" pitchFamily="49" charset="0"/>
+                <a:cs typeface="Courier New" panose="02070309020205020404" pitchFamily="49" charset="0"/>
               </a:rPr>
               <a:t>hasNextByte</a:t>
             </a:r>
@@ -4649,7 +4793,8 @@
                   <a:srgbClr val="000000"/>
                 </a:solidFill>
                 <a:effectLst/>
-                <a:latin typeface="Menlo"/>
+                <a:latin typeface="Courier New" panose="02070309020205020404" pitchFamily="49" charset="0"/>
+                <a:cs typeface="Courier New" panose="02070309020205020404" pitchFamily="49" charset="0"/>
               </a:rPr>
               <a:t>()</a:t>
             </a:r>
@@ -4659,7 +4804,8 @@
                   <a:srgbClr val="172B53"/>
                 </a:solidFill>
                 <a:effectLst/>
-                <a:latin typeface="Arial" panose="020B0604020202020204" pitchFamily="34" charset="0"/>
+                <a:latin typeface="Courier New" panose="02070309020205020404" pitchFamily="49" charset="0"/>
+                <a:cs typeface="Courier New" panose="02070309020205020404" pitchFamily="49" charset="0"/>
               </a:rPr>
               <a:t>,</a:t>
             </a:r>
@@ -4668,7 +4814,8 @@
                 <a:srgbClr val="172B53"/>
               </a:solidFill>
               <a:effectLst/>
-              <a:latin typeface="Arial" panose="020B0604020202020204" pitchFamily="34" charset="0"/>
+              <a:latin typeface="Courier New" panose="02070309020205020404" pitchFamily="49" charset="0"/>
+              <a:cs typeface="Courier New" panose="02070309020205020404" pitchFamily="49" charset="0"/>
             </a:endParaRPr>
           </a:p>
           <a:p>
@@ -4679,7 +4826,8 @@
                   <a:srgbClr val="000000"/>
                 </a:solidFill>
                 <a:effectLst/>
-                <a:latin typeface="Menlo"/>
+                <a:latin typeface="Courier New" panose="02070309020205020404" pitchFamily="49" charset="0"/>
+                <a:cs typeface="Courier New" panose="02070309020205020404" pitchFamily="49" charset="0"/>
               </a:rPr>
               <a:t>hasNextShort</a:t>
             </a:r>
@@ -4689,7 +4837,8 @@
                   <a:srgbClr val="000000"/>
                 </a:solidFill>
                 <a:effectLst/>
-                <a:latin typeface="Menlo"/>
+                <a:latin typeface="Courier New" panose="02070309020205020404" pitchFamily="49" charset="0"/>
+                <a:cs typeface="Courier New" panose="02070309020205020404" pitchFamily="49" charset="0"/>
               </a:rPr>
               <a:t>()</a:t>
             </a:r>
@@ -4699,7 +4848,8 @@
                   <a:srgbClr val="172B53"/>
                 </a:solidFill>
                 <a:effectLst/>
-                <a:latin typeface="Arial" panose="020B0604020202020204" pitchFamily="34" charset="0"/>
+                <a:latin typeface="Courier New" panose="02070309020205020404" pitchFamily="49" charset="0"/>
+                <a:cs typeface="Courier New" panose="02070309020205020404" pitchFamily="49" charset="0"/>
               </a:rPr>
               <a:t>, </a:t>
             </a:r>
@@ -4708,7 +4858,8 @@
                 <a:srgbClr val="172B53"/>
               </a:solidFill>
               <a:effectLst/>
-              <a:latin typeface="Arial" panose="020B0604020202020204" pitchFamily="34" charset="0"/>
+              <a:latin typeface="Courier New" panose="02070309020205020404" pitchFamily="49" charset="0"/>
+              <a:cs typeface="Courier New" panose="02070309020205020404" pitchFamily="49" charset="0"/>
             </a:endParaRPr>
           </a:p>
           <a:p>
@@ -4719,7 +4870,8 @@
                   <a:srgbClr val="000000"/>
                 </a:solidFill>
                 <a:effectLst/>
-                <a:latin typeface="Menlo"/>
+                <a:latin typeface="Courier New" panose="02070309020205020404" pitchFamily="49" charset="0"/>
+                <a:cs typeface="Courier New" panose="02070309020205020404" pitchFamily="49" charset="0"/>
               </a:rPr>
               <a:t>hasNextLong</a:t>
             </a:r>
@@ -4729,7 +4881,8 @@
                   <a:srgbClr val="000000"/>
                 </a:solidFill>
                 <a:effectLst/>
-                <a:latin typeface="Menlo"/>
+                <a:latin typeface="Courier New" panose="02070309020205020404" pitchFamily="49" charset="0"/>
+                <a:cs typeface="Courier New" panose="02070309020205020404" pitchFamily="49" charset="0"/>
               </a:rPr>
               <a:t>()</a:t>
             </a:r>
@@ -4739,7 +4892,8 @@
                   <a:srgbClr val="172B53"/>
                 </a:solidFill>
                 <a:effectLst/>
-                <a:latin typeface="Arial" panose="020B0604020202020204" pitchFamily="34" charset="0"/>
+                <a:latin typeface="Courier New" panose="02070309020205020404" pitchFamily="49" charset="0"/>
+                <a:cs typeface="Courier New" panose="02070309020205020404" pitchFamily="49" charset="0"/>
               </a:rPr>
               <a:t>, </a:t>
             </a:r>
@@ -4748,7 +4902,8 @@
                 <a:srgbClr val="172B53"/>
               </a:solidFill>
               <a:effectLst/>
-              <a:latin typeface="Arial" panose="020B0604020202020204" pitchFamily="34" charset="0"/>
+              <a:latin typeface="Courier New" panose="02070309020205020404" pitchFamily="49" charset="0"/>
+              <a:cs typeface="Courier New" panose="02070309020205020404" pitchFamily="49" charset="0"/>
             </a:endParaRPr>
           </a:p>
           <a:p>
@@ -4759,7 +4914,8 @@
                   <a:srgbClr val="000000"/>
                 </a:solidFill>
                 <a:effectLst/>
-                <a:latin typeface="Menlo"/>
+                <a:latin typeface="Courier New" panose="02070309020205020404" pitchFamily="49" charset="0"/>
+                <a:cs typeface="Courier New" panose="02070309020205020404" pitchFamily="49" charset="0"/>
               </a:rPr>
               <a:t>hasNextFloat</a:t>
             </a:r>
@@ -4769,7 +4925,8 @@
                   <a:srgbClr val="000000"/>
                 </a:solidFill>
                 <a:effectLst/>
-                <a:latin typeface="Menlo"/>
+                <a:latin typeface="Courier New" panose="02070309020205020404" pitchFamily="49" charset="0"/>
+                <a:cs typeface="Courier New" panose="02070309020205020404" pitchFamily="49" charset="0"/>
               </a:rPr>
               <a:t>()</a:t>
             </a:r>
@@ -4779,7 +4936,8 @@
                   <a:srgbClr val="172B53"/>
                 </a:solidFill>
                 <a:effectLst/>
-                <a:latin typeface="Arial" panose="020B0604020202020204" pitchFamily="34" charset="0"/>
+                <a:latin typeface="Courier New" panose="02070309020205020404" pitchFamily="49" charset="0"/>
+                <a:cs typeface="Courier New" panose="02070309020205020404" pitchFamily="49" charset="0"/>
               </a:rPr>
               <a:t>, </a:t>
             </a:r>
@@ -4788,7 +4946,8 @@
                 <a:srgbClr val="172B53"/>
               </a:solidFill>
               <a:effectLst/>
-              <a:latin typeface="Arial" panose="020B0604020202020204" pitchFamily="34" charset="0"/>
+              <a:latin typeface="Courier New" panose="02070309020205020404" pitchFamily="49" charset="0"/>
+              <a:cs typeface="Courier New" panose="02070309020205020404" pitchFamily="49" charset="0"/>
             </a:endParaRPr>
           </a:p>
           <a:p>
@@ -4799,7 +4958,8 @@
                   <a:srgbClr val="000000"/>
                 </a:solidFill>
                 <a:effectLst/>
-                <a:latin typeface="Menlo"/>
+                <a:latin typeface="Courier New" panose="02070309020205020404" pitchFamily="49" charset="0"/>
+                <a:cs typeface="Courier New" panose="02070309020205020404" pitchFamily="49" charset="0"/>
               </a:rPr>
               <a:t>hasNextDouble</a:t>
             </a:r>
@@ -4809,7 +4969,8 @@
                   <a:srgbClr val="000000"/>
                 </a:solidFill>
                 <a:effectLst/>
-                <a:latin typeface="Menlo"/>
+                <a:latin typeface="Courier New" panose="02070309020205020404" pitchFamily="49" charset="0"/>
+                <a:cs typeface="Courier New" panose="02070309020205020404" pitchFamily="49" charset="0"/>
               </a:rPr>
               <a:t>()</a:t>
             </a:r>
@@ -4819,9 +4980,21 @@
                   <a:srgbClr val="172B53"/>
                 </a:solidFill>
                 <a:effectLst/>
-                <a:latin typeface="Arial" panose="020B0604020202020204" pitchFamily="34" charset="0"/>
-              </a:rPr>
-              <a:t> – </a:t>
+                <a:latin typeface="Courier New" panose="02070309020205020404" pitchFamily="49" charset="0"/>
+                <a:cs typeface="Courier New" panose="02070309020205020404" pitchFamily="49" charset="0"/>
+              </a:rPr>
+              <a:t> </a:t>
+            </a:r>
+            <a:r>
+              <a:rPr lang="en-US" sz="3200" b="0" i="0" dirty="0">
+                <a:solidFill>
+                  <a:srgbClr val="172B53"/>
+                </a:solidFill>
+                <a:effectLst/>
+                <a:latin typeface="Times New Roman" panose="02020603050405020304" pitchFamily="18" charset="0"/>
+                <a:cs typeface="Times New Roman" panose="02020603050405020304" pitchFamily="18" charset="0"/>
+              </a:rPr>
+              <a:t>– </a:t>
             </a:r>
             <a:r>
               <a:rPr lang="uk-UA" sz="3200" b="0" i="0" dirty="0">
@@ -4829,15 +5002,22 @@
                   <a:srgbClr val="172B53"/>
                 </a:solidFill>
                 <a:effectLst/>
-                <a:latin typeface="Arial" panose="020B0604020202020204" pitchFamily="34" charset="0"/>
+                <a:latin typeface="Times New Roman" panose="02020603050405020304" pitchFamily="18" charset="0"/>
+                <a:cs typeface="Times New Roman" panose="02020603050405020304" pitchFamily="18" charset="0"/>
               </a:rPr>
               <a:t>усі ці методи роблять те саме для інших типів даних.</a:t>
             </a:r>
-            <a:endParaRPr lang="uk-UA" sz="3200" dirty="0"/>
+            <a:endParaRPr lang="uk-UA" sz="3200" dirty="0">
+              <a:latin typeface="Times New Roman" panose="02020603050405020304" pitchFamily="18" charset="0"/>
+              <a:cs typeface="Times New Roman" panose="02020603050405020304" pitchFamily="18" charset="0"/>
+            </a:endParaRPr>
           </a:p>
           <a:p>
             <a:pPr algn="just"/>
-            <a:endParaRPr lang="uk-UA" sz="3200" dirty="0"/>
+            <a:endParaRPr lang="uk-UA" sz="3200" dirty="0">
+              <a:latin typeface="Times New Roman" panose="02020603050405020304" pitchFamily="18" charset="0"/>
+              <a:cs typeface="Times New Roman" panose="02020603050405020304" pitchFamily="18" charset="0"/>
+            </a:endParaRPr>
           </a:p>
         </p:txBody>
       </p:sp>
@@ -4895,7 +5075,7 @@
         <p:spPr>
           <a:xfrm>
             <a:off x="514060" y="1010143"/>
-            <a:ext cx="4706282" cy="5632311"/>
+            <a:ext cx="4706282" cy="5078313"/>
           </a:xfrm>
           <a:prstGeom prst="rect">
             <a:avLst/>
@@ -4914,7 +5094,8 @@
                   <a:srgbClr val="172B53"/>
                 </a:solidFill>
                 <a:effectLst/>
-                <a:latin typeface="Arial" panose="020B0604020202020204" pitchFamily="34" charset="0"/>
+                <a:latin typeface="Times New Roman" panose="02020603050405020304" pitchFamily="18" charset="0"/>
+                <a:cs typeface="Times New Roman" panose="02020603050405020304" pitchFamily="18" charset="0"/>
               </a:rPr>
               <a:t>І для цього в нього є ціла група методів: </a:t>
             </a:r>
@@ -4926,7 +5107,8 @@
                   <a:srgbClr val="000000"/>
                 </a:solidFill>
                 <a:effectLst/>
-                <a:latin typeface="Menlo"/>
+                <a:latin typeface="Courier New" panose="02070309020205020404" pitchFamily="49" charset="0"/>
+                <a:cs typeface="Courier New" panose="02070309020205020404" pitchFamily="49" charset="0"/>
               </a:rPr>
               <a:t>hasNextInt</a:t>
             </a:r>
@@ -4936,7 +5118,8 @@
                   <a:srgbClr val="000000"/>
                 </a:solidFill>
                 <a:effectLst/>
-                <a:latin typeface="Menlo"/>
+                <a:latin typeface="Courier New" panose="02070309020205020404" pitchFamily="49" charset="0"/>
+                <a:cs typeface="Courier New" panose="02070309020205020404" pitchFamily="49" charset="0"/>
               </a:rPr>
               <a:t>()</a:t>
             </a:r>
@@ -4946,9 +5129,21 @@
                   <a:srgbClr val="172B53"/>
                 </a:solidFill>
                 <a:effectLst/>
-                <a:latin typeface="Arial" panose="020B0604020202020204" pitchFamily="34" charset="0"/>
-              </a:rPr>
-              <a:t> – </a:t>
+                <a:latin typeface="Courier New" panose="02070309020205020404" pitchFamily="49" charset="0"/>
+                <a:cs typeface="Courier New" panose="02070309020205020404" pitchFamily="49" charset="0"/>
+              </a:rPr>
+              <a:t> </a:t>
+            </a:r>
+            <a:r>
+              <a:rPr lang="en-US" sz="3600" b="0" i="0" dirty="0">
+                <a:solidFill>
+                  <a:srgbClr val="172B53"/>
+                </a:solidFill>
+                <a:effectLst/>
+                <a:latin typeface="Times New Roman" panose="02020603050405020304" pitchFamily="18" charset="0"/>
+                <a:cs typeface="Times New Roman" panose="02020603050405020304" pitchFamily="18" charset="0"/>
+              </a:rPr>
+              <a:t>– </a:t>
             </a:r>
             <a:r>
               <a:rPr lang="uk-UA" sz="3600" b="0" i="0" dirty="0">
@@ -4956,7 +5151,8 @@
                   <a:srgbClr val="172B53"/>
                 </a:solidFill>
                 <a:effectLst/>
-                <a:latin typeface="Arial" panose="020B0604020202020204" pitchFamily="34" charset="0"/>
+                <a:latin typeface="Times New Roman" panose="02020603050405020304" pitchFamily="18" charset="0"/>
+                <a:cs typeface="Times New Roman" panose="02020603050405020304" pitchFamily="18" charset="0"/>
               </a:rPr>
               <a:t>метод перевіряє, чи є наступна порція введених даних числом або ні (повертає, відповідно, </a:t>
             </a:r>
@@ -4966,7 +5162,8 @@
                   <a:srgbClr val="172B53"/>
                 </a:solidFill>
                 <a:effectLst/>
-                <a:latin typeface="Arial" panose="020B0604020202020204" pitchFamily="34" charset="0"/>
+                <a:latin typeface="Times New Roman" panose="02020603050405020304" pitchFamily="18" charset="0"/>
+                <a:cs typeface="Times New Roman" panose="02020603050405020304" pitchFamily="18" charset="0"/>
               </a:rPr>
               <a:t>true </a:t>
             </a:r>
@@ -4976,7 +5173,8 @@
                   <a:srgbClr val="172B53"/>
                 </a:solidFill>
                 <a:effectLst/>
-                <a:latin typeface="Arial" panose="020B0604020202020204" pitchFamily="34" charset="0"/>
+                <a:latin typeface="Times New Roman" panose="02020603050405020304" pitchFamily="18" charset="0"/>
+                <a:cs typeface="Times New Roman" panose="02020603050405020304" pitchFamily="18" charset="0"/>
               </a:rPr>
               <a:t>або </a:t>
             </a:r>
@@ -4986,7 +5184,8 @@
                   <a:srgbClr val="172B53"/>
                 </a:solidFill>
                 <a:effectLst/>
-                <a:latin typeface="Arial" panose="020B0604020202020204" pitchFamily="34" charset="0"/>
+                <a:latin typeface="Times New Roman" panose="02020603050405020304" pitchFamily="18" charset="0"/>
+                <a:cs typeface="Times New Roman" panose="02020603050405020304" pitchFamily="18" charset="0"/>
               </a:rPr>
               <a:t>false).</a:t>
             </a:r>
@@ -4995,7 +5194,8 @@
                 <a:srgbClr val="172B53"/>
               </a:solidFill>
               <a:effectLst/>
-              <a:latin typeface="Arial" panose="020B0604020202020204" pitchFamily="34" charset="0"/>
+              <a:latin typeface="Times New Roman" panose="02020603050405020304" pitchFamily="18" charset="0"/>
+              <a:cs typeface="Times New Roman" panose="02020603050405020304" pitchFamily="18" charset="0"/>
             </a:endParaRPr>
           </a:p>
         </p:txBody>
@@ -5045,7 +5245,7 @@
         <p:spPr>
           <a:xfrm>
             <a:off x="535021" y="1524033"/>
-            <a:ext cx="5661497" cy="4401205"/>
+            <a:ext cx="6695338" cy="4708981"/>
           </a:xfrm>
           <a:prstGeom prst="rect">
             <a:avLst/>
@@ -5064,7 +5264,8 @@
                   <a:srgbClr val="000080"/>
                 </a:solidFill>
                 <a:effectLst/>
-                <a:latin typeface="Menlo"/>
+                <a:latin typeface="Courier New" panose="02070309020205020404" pitchFamily="49" charset="0"/>
+                <a:cs typeface="Courier New" panose="02070309020205020404" pitchFamily="49" charset="0"/>
               </a:rPr>
               <a:t>public</a:t>
             </a:r>
@@ -5074,7 +5275,8 @@
                   <a:srgbClr val="000000"/>
                 </a:solidFill>
                 <a:effectLst/>
-                <a:latin typeface="Menlo"/>
+                <a:latin typeface="Courier New" panose="02070309020205020404" pitchFamily="49" charset="0"/>
+                <a:cs typeface="Courier New" panose="02070309020205020404" pitchFamily="49" charset="0"/>
               </a:rPr>
               <a:t> </a:t>
             </a:r>
@@ -5084,7 +5286,8 @@
                   <a:srgbClr val="000080"/>
                 </a:solidFill>
                 <a:effectLst/>
-                <a:latin typeface="Menlo"/>
+                <a:latin typeface="Courier New" panose="02070309020205020404" pitchFamily="49" charset="0"/>
+                <a:cs typeface="Courier New" panose="02070309020205020404" pitchFamily="49" charset="0"/>
               </a:rPr>
               <a:t>class</a:t>
             </a:r>
@@ -5094,7 +5297,8 @@
                   <a:srgbClr val="000000"/>
                 </a:solidFill>
                 <a:effectLst/>
-                <a:latin typeface="Menlo"/>
+                <a:latin typeface="Courier New" panose="02070309020205020404" pitchFamily="49" charset="0"/>
+                <a:cs typeface="Courier New" panose="02070309020205020404" pitchFamily="49" charset="0"/>
               </a:rPr>
               <a:t> Main { </a:t>
             </a:r>
@@ -5103,7 +5307,8 @@
                 <a:srgbClr val="000000"/>
               </a:solidFill>
               <a:effectLst/>
-              <a:latin typeface="Menlo"/>
+              <a:latin typeface="Courier New" panose="02070309020205020404" pitchFamily="49" charset="0"/>
+              <a:cs typeface="Courier New" panose="02070309020205020404" pitchFamily="49" charset="0"/>
             </a:endParaRPr>
           </a:p>
           <a:p>
@@ -5113,7 +5318,8 @@
                   <a:srgbClr val="000080"/>
                 </a:solidFill>
                 <a:effectLst/>
-                <a:latin typeface="Menlo"/>
+                <a:latin typeface="Courier New" panose="02070309020205020404" pitchFamily="49" charset="0"/>
+                <a:cs typeface="Courier New" panose="02070309020205020404" pitchFamily="49" charset="0"/>
               </a:rPr>
               <a:t>public</a:t>
             </a:r>
@@ -5123,7 +5329,8 @@
                   <a:srgbClr val="000000"/>
                 </a:solidFill>
                 <a:effectLst/>
-                <a:latin typeface="Menlo"/>
+                <a:latin typeface="Courier New" panose="02070309020205020404" pitchFamily="49" charset="0"/>
+                <a:cs typeface="Courier New" panose="02070309020205020404" pitchFamily="49" charset="0"/>
               </a:rPr>
               <a:t> </a:t>
             </a:r>
@@ -5133,7 +5340,8 @@
                   <a:srgbClr val="000080"/>
                 </a:solidFill>
                 <a:effectLst/>
-                <a:latin typeface="Menlo"/>
+                <a:latin typeface="Courier New" panose="02070309020205020404" pitchFamily="49" charset="0"/>
+                <a:cs typeface="Courier New" panose="02070309020205020404" pitchFamily="49" charset="0"/>
               </a:rPr>
               <a:t>static</a:t>
             </a:r>
@@ -5143,7 +5351,8 @@
                   <a:srgbClr val="000000"/>
                 </a:solidFill>
                 <a:effectLst/>
-                <a:latin typeface="Menlo"/>
+                <a:latin typeface="Courier New" panose="02070309020205020404" pitchFamily="49" charset="0"/>
+                <a:cs typeface="Courier New" panose="02070309020205020404" pitchFamily="49" charset="0"/>
               </a:rPr>
               <a:t> </a:t>
             </a:r>
@@ -5153,7 +5362,8 @@
                   <a:srgbClr val="000080"/>
                 </a:solidFill>
                 <a:effectLst/>
-                <a:latin typeface="Menlo"/>
+                <a:latin typeface="Courier New" panose="02070309020205020404" pitchFamily="49" charset="0"/>
+                <a:cs typeface="Courier New" panose="02070309020205020404" pitchFamily="49" charset="0"/>
               </a:rPr>
               <a:t>void</a:t>
             </a:r>
@@ -5163,7 +5373,8 @@
                   <a:srgbClr val="000000"/>
                 </a:solidFill>
                 <a:effectLst/>
-                <a:latin typeface="Menlo"/>
+                <a:latin typeface="Courier New" panose="02070309020205020404" pitchFamily="49" charset="0"/>
+                <a:cs typeface="Courier New" panose="02070309020205020404" pitchFamily="49" charset="0"/>
               </a:rPr>
               <a:t> </a:t>
             </a:r>
@@ -5173,7 +5384,8 @@
                   <a:srgbClr val="900606"/>
                 </a:solidFill>
                 <a:effectLst/>
-                <a:latin typeface="Menlo"/>
+                <a:latin typeface="Courier New" panose="02070309020205020404" pitchFamily="49" charset="0"/>
+                <a:cs typeface="Courier New" panose="02070309020205020404" pitchFamily="49" charset="0"/>
               </a:rPr>
               <a:t>main</a:t>
             </a:r>
@@ -5183,7 +5395,8 @@
                   <a:srgbClr val="000000"/>
                 </a:solidFill>
                 <a:effectLst/>
-                <a:latin typeface="Menlo"/>
+                <a:latin typeface="Courier New" panose="02070309020205020404" pitchFamily="49" charset="0"/>
+                <a:cs typeface="Courier New" panose="02070309020205020404" pitchFamily="49" charset="0"/>
               </a:rPr>
               <a:t>(String[] </a:t>
             </a:r>
@@ -5193,7 +5406,8 @@
                   <a:srgbClr val="000000"/>
                 </a:solidFill>
                 <a:effectLst/>
-                <a:latin typeface="Menlo"/>
+                <a:latin typeface="Courier New" panose="02070309020205020404" pitchFamily="49" charset="0"/>
+                <a:cs typeface="Courier New" panose="02070309020205020404" pitchFamily="49" charset="0"/>
               </a:rPr>
               <a:t>args</a:t>
             </a:r>
@@ -5203,7 +5417,8 @@
                   <a:srgbClr val="000000"/>
                 </a:solidFill>
                 <a:effectLst/>
-                <a:latin typeface="Menlo"/>
+                <a:latin typeface="Courier New" panose="02070309020205020404" pitchFamily="49" charset="0"/>
+                <a:cs typeface="Courier New" panose="02070309020205020404" pitchFamily="49" charset="0"/>
               </a:rPr>
               <a:t>) { </a:t>
             </a:r>
@@ -5212,7 +5427,8 @@
                 <a:srgbClr val="000000"/>
               </a:solidFill>
               <a:effectLst/>
-              <a:latin typeface="Menlo"/>
+              <a:latin typeface="Courier New" panose="02070309020205020404" pitchFamily="49" charset="0"/>
+              <a:cs typeface="Courier New" panose="02070309020205020404" pitchFamily="49" charset="0"/>
             </a:endParaRPr>
           </a:p>
           <a:p>
@@ -5222,7 +5438,8 @@
                   <a:srgbClr val="000000"/>
                 </a:solidFill>
                 <a:effectLst/>
-                <a:latin typeface="Menlo"/>
+                <a:latin typeface="Courier New" panose="02070309020205020404" pitchFamily="49" charset="0"/>
+                <a:cs typeface="Courier New" panose="02070309020205020404" pitchFamily="49" charset="0"/>
               </a:rPr>
               <a:t>Scanner </a:t>
             </a:r>
@@ -5232,7 +5449,8 @@
                   <a:srgbClr val="000000"/>
                 </a:solidFill>
                 <a:effectLst/>
-                <a:latin typeface="Menlo"/>
+                <a:latin typeface="Courier New" panose="02070309020205020404" pitchFamily="49" charset="0"/>
+                <a:cs typeface="Courier New" panose="02070309020205020404" pitchFamily="49" charset="0"/>
               </a:rPr>
               <a:t>sc</a:t>
             </a:r>
@@ -5242,7 +5460,8 @@
                   <a:srgbClr val="000000"/>
                 </a:solidFill>
                 <a:effectLst/>
-                <a:latin typeface="Menlo"/>
+                <a:latin typeface="Courier New" panose="02070309020205020404" pitchFamily="49" charset="0"/>
+                <a:cs typeface="Courier New" panose="02070309020205020404" pitchFamily="49" charset="0"/>
               </a:rPr>
               <a:t> = </a:t>
             </a:r>
@@ -5252,7 +5471,8 @@
                   <a:srgbClr val="000080"/>
                 </a:solidFill>
                 <a:effectLst/>
-                <a:latin typeface="Menlo"/>
+                <a:latin typeface="Courier New" panose="02070309020205020404" pitchFamily="49" charset="0"/>
+                <a:cs typeface="Courier New" panose="02070309020205020404" pitchFamily="49" charset="0"/>
               </a:rPr>
               <a:t>new</a:t>
             </a:r>
@@ -5262,7 +5482,8 @@
                   <a:srgbClr val="000000"/>
                 </a:solidFill>
                 <a:effectLst/>
-                <a:latin typeface="Menlo"/>
+                <a:latin typeface="Courier New" panose="02070309020205020404" pitchFamily="49" charset="0"/>
+                <a:cs typeface="Courier New" panose="02070309020205020404" pitchFamily="49" charset="0"/>
               </a:rPr>
               <a:t> Scanner(System.in); </a:t>
             </a:r>
@@ -5271,7 +5492,8 @@
                 <a:srgbClr val="000000"/>
               </a:solidFill>
               <a:effectLst/>
-              <a:latin typeface="Menlo"/>
+              <a:latin typeface="Courier New" panose="02070309020205020404" pitchFamily="49" charset="0"/>
+              <a:cs typeface="Courier New" panose="02070309020205020404" pitchFamily="49" charset="0"/>
             </a:endParaRPr>
           </a:p>
           <a:p>
@@ -5281,7 +5503,8 @@
                   <a:srgbClr val="000000"/>
                 </a:solidFill>
                 <a:effectLst/>
-                <a:latin typeface="Menlo"/>
+                <a:latin typeface="Courier New" panose="02070309020205020404" pitchFamily="49" charset="0"/>
+                <a:cs typeface="Courier New" panose="02070309020205020404" pitchFamily="49" charset="0"/>
               </a:rPr>
               <a:t>System.out.</a:t>
             </a:r>
@@ -5291,7 +5514,8 @@
                   <a:srgbClr val="900606"/>
                 </a:solidFill>
                 <a:effectLst/>
-                <a:latin typeface="Menlo"/>
+                <a:latin typeface="Courier New" panose="02070309020205020404" pitchFamily="49" charset="0"/>
+                <a:cs typeface="Courier New" panose="02070309020205020404" pitchFamily="49" charset="0"/>
               </a:rPr>
               <a:t>println</a:t>
             </a:r>
@@ -5301,7 +5525,8 @@
                   <a:srgbClr val="000000"/>
                 </a:solidFill>
                 <a:effectLst/>
-                <a:latin typeface="Menlo"/>
+                <a:latin typeface="Courier New" panose="02070309020205020404" pitchFamily="49" charset="0"/>
+                <a:cs typeface="Courier New" panose="02070309020205020404" pitchFamily="49" charset="0"/>
               </a:rPr>
               <a:t>(</a:t>
             </a:r>
@@ -5311,7 +5536,8 @@
                   <a:srgbClr val="008000"/>
                 </a:solidFill>
                 <a:effectLst/>
-                <a:latin typeface="Menlo"/>
+                <a:latin typeface="Courier New" panose="02070309020205020404" pitchFamily="49" charset="0"/>
+                <a:cs typeface="Courier New" panose="02070309020205020404" pitchFamily="49" charset="0"/>
               </a:rPr>
               <a:t>"</a:t>
             </a:r>
@@ -5321,7 +5547,8 @@
                   <a:srgbClr val="008000"/>
                 </a:solidFill>
                 <a:effectLst/>
-                <a:latin typeface="Menlo"/>
+                <a:latin typeface="Courier New" panose="02070309020205020404" pitchFamily="49" charset="0"/>
+                <a:cs typeface="Courier New" panose="02070309020205020404" pitchFamily="49" charset="0"/>
               </a:rPr>
               <a:t>Введіть число:"</a:t>
             </a:r>
@@ -5331,7 +5558,8 @@
                   <a:srgbClr val="000000"/>
                 </a:solidFill>
                 <a:effectLst/>
-                <a:latin typeface="Menlo"/>
+                <a:latin typeface="Courier New" panose="02070309020205020404" pitchFamily="49" charset="0"/>
+                <a:cs typeface="Courier New" panose="02070309020205020404" pitchFamily="49" charset="0"/>
               </a:rPr>
               <a:t>);</a:t>
             </a:r>
@@ -5343,7 +5571,8 @@
                   <a:srgbClr val="000000"/>
                 </a:solidFill>
                 <a:effectLst/>
-                <a:latin typeface="Menlo"/>
+                <a:latin typeface="Courier New" panose="02070309020205020404" pitchFamily="49" charset="0"/>
+                <a:cs typeface="Courier New" panose="02070309020205020404" pitchFamily="49" charset="0"/>
               </a:rPr>
               <a:t> </a:t>
             </a:r>
@@ -5353,7 +5582,8 @@
                   <a:srgbClr val="000080"/>
                 </a:solidFill>
                 <a:effectLst/>
-                <a:latin typeface="Menlo"/>
+                <a:latin typeface="Courier New" panose="02070309020205020404" pitchFamily="49" charset="0"/>
+                <a:cs typeface="Courier New" panose="02070309020205020404" pitchFamily="49" charset="0"/>
               </a:rPr>
               <a:t>if</a:t>
             </a:r>
@@ -5363,7 +5593,8 @@
                   <a:srgbClr val="000000"/>
                 </a:solidFill>
                 <a:effectLst/>
-                <a:latin typeface="Menlo"/>
+                <a:latin typeface="Courier New" panose="02070309020205020404" pitchFamily="49" charset="0"/>
+                <a:cs typeface="Courier New" panose="02070309020205020404" pitchFamily="49" charset="0"/>
               </a:rPr>
               <a:t> (</a:t>
             </a:r>
@@ -5373,7 +5604,8 @@
                   <a:srgbClr val="000000"/>
                 </a:solidFill>
                 <a:effectLst/>
-                <a:latin typeface="Menlo"/>
+                <a:latin typeface="Courier New" panose="02070309020205020404" pitchFamily="49" charset="0"/>
+                <a:cs typeface="Courier New" panose="02070309020205020404" pitchFamily="49" charset="0"/>
               </a:rPr>
               <a:t>sc.</a:t>
             </a:r>
@@ -5383,7 +5615,8 @@
                   <a:srgbClr val="900606"/>
                 </a:solidFill>
                 <a:effectLst/>
-                <a:latin typeface="Menlo"/>
+                <a:latin typeface="Courier New" panose="02070309020205020404" pitchFamily="49" charset="0"/>
+                <a:cs typeface="Courier New" panose="02070309020205020404" pitchFamily="49" charset="0"/>
               </a:rPr>
               <a:t>hasNextInt</a:t>
             </a:r>
@@ -5393,7 +5626,8 @@
                   <a:srgbClr val="000000"/>
                 </a:solidFill>
                 <a:effectLst/>
-                <a:latin typeface="Menlo"/>
+                <a:latin typeface="Courier New" panose="02070309020205020404" pitchFamily="49" charset="0"/>
+                <a:cs typeface="Courier New" panose="02070309020205020404" pitchFamily="49" charset="0"/>
               </a:rPr>
               <a:t>()) { </a:t>
             </a:r>
@@ -5402,7 +5636,8 @@
                 <a:srgbClr val="000000"/>
               </a:solidFill>
               <a:effectLst/>
-              <a:latin typeface="Menlo"/>
+              <a:latin typeface="Courier New" panose="02070309020205020404" pitchFamily="49" charset="0"/>
+              <a:cs typeface="Courier New" panose="02070309020205020404" pitchFamily="49" charset="0"/>
             </a:endParaRPr>
           </a:p>
           <a:p>
@@ -5412,7 +5647,8 @@
                   <a:srgbClr val="000080"/>
                 </a:solidFill>
                 <a:effectLst/>
-                <a:latin typeface="Menlo"/>
+                <a:latin typeface="Courier New" panose="02070309020205020404" pitchFamily="49" charset="0"/>
+                <a:cs typeface="Courier New" panose="02070309020205020404" pitchFamily="49" charset="0"/>
               </a:rPr>
               <a:t>int</a:t>
             </a:r>
@@ -5422,7 +5658,8 @@
                   <a:srgbClr val="000000"/>
                 </a:solidFill>
                 <a:effectLst/>
-                <a:latin typeface="Menlo"/>
+                <a:latin typeface="Courier New" panose="02070309020205020404" pitchFamily="49" charset="0"/>
+                <a:cs typeface="Courier New" panose="02070309020205020404" pitchFamily="49" charset="0"/>
               </a:rPr>
               <a:t> number = </a:t>
             </a:r>
@@ -5432,7 +5669,8 @@
                   <a:srgbClr val="000000"/>
                 </a:solidFill>
                 <a:effectLst/>
-                <a:latin typeface="Menlo"/>
+                <a:latin typeface="Courier New" panose="02070309020205020404" pitchFamily="49" charset="0"/>
+                <a:cs typeface="Courier New" panose="02070309020205020404" pitchFamily="49" charset="0"/>
               </a:rPr>
               <a:t>sc.</a:t>
             </a:r>
@@ -5442,7 +5680,8 @@
                   <a:srgbClr val="900606"/>
                 </a:solidFill>
                 <a:effectLst/>
-                <a:latin typeface="Menlo"/>
+                <a:latin typeface="Courier New" panose="02070309020205020404" pitchFamily="49" charset="0"/>
+                <a:cs typeface="Courier New" panose="02070309020205020404" pitchFamily="49" charset="0"/>
               </a:rPr>
               <a:t>nextInt</a:t>
             </a:r>
@@ -5452,7 +5691,8 @@
                   <a:srgbClr val="000000"/>
                 </a:solidFill>
                 <a:effectLst/>
-                <a:latin typeface="Menlo"/>
+                <a:latin typeface="Courier New" panose="02070309020205020404" pitchFamily="49" charset="0"/>
+                <a:cs typeface="Courier New" panose="02070309020205020404" pitchFamily="49" charset="0"/>
               </a:rPr>
               <a:t>(); </a:t>
             </a:r>
@@ -5461,7 +5701,8 @@
                 <a:srgbClr val="000000"/>
               </a:solidFill>
               <a:effectLst/>
-              <a:latin typeface="Menlo"/>
+              <a:latin typeface="Courier New" panose="02070309020205020404" pitchFamily="49" charset="0"/>
+              <a:cs typeface="Courier New" panose="02070309020205020404" pitchFamily="49" charset="0"/>
             </a:endParaRPr>
           </a:p>
           <a:p>
@@ -5471,7 +5712,8 @@
                   <a:srgbClr val="000000"/>
                 </a:solidFill>
                 <a:effectLst/>
-                <a:latin typeface="Menlo"/>
+                <a:latin typeface="Courier New" panose="02070309020205020404" pitchFamily="49" charset="0"/>
+                <a:cs typeface="Courier New" panose="02070309020205020404" pitchFamily="49" charset="0"/>
               </a:rPr>
               <a:t>System.out.</a:t>
             </a:r>
@@ -5481,7 +5723,8 @@
                   <a:srgbClr val="900606"/>
                 </a:solidFill>
                 <a:effectLst/>
-                <a:latin typeface="Menlo"/>
+                <a:latin typeface="Courier New" panose="02070309020205020404" pitchFamily="49" charset="0"/>
+                <a:cs typeface="Courier New" panose="02070309020205020404" pitchFamily="49" charset="0"/>
               </a:rPr>
               <a:t>println</a:t>
             </a:r>
@@ -5491,7 +5734,8 @@
                   <a:srgbClr val="000000"/>
                 </a:solidFill>
                 <a:effectLst/>
-                <a:latin typeface="Menlo"/>
+                <a:latin typeface="Courier New" panose="02070309020205020404" pitchFamily="49" charset="0"/>
+                <a:cs typeface="Courier New" panose="02070309020205020404" pitchFamily="49" charset="0"/>
               </a:rPr>
               <a:t>(</a:t>
             </a:r>
@@ -5501,7 +5745,8 @@
                   <a:srgbClr val="008000"/>
                 </a:solidFill>
                 <a:effectLst/>
-                <a:latin typeface="Menlo"/>
+                <a:latin typeface="Courier New" panose="02070309020205020404" pitchFamily="49" charset="0"/>
+                <a:cs typeface="Courier New" panose="02070309020205020404" pitchFamily="49" charset="0"/>
               </a:rPr>
               <a:t>"</a:t>
             </a:r>
@@ -5511,7 +5756,8 @@
                   <a:srgbClr val="008000"/>
                 </a:solidFill>
                 <a:effectLst/>
-                <a:latin typeface="Menlo"/>
+                <a:latin typeface="Courier New" panose="02070309020205020404" pitchFamily="49" charset="0"/>
+                <a:cs typeface="Courier New" panose="02070309020205020404" pitchFamily="49" charset="0"/>
               </a:rPr>
               <a:t>Дякую! Ви ввели число "</a:t>
             </a:r>
@@ -5521,7 +5767,8 @@
                   <a:srgbClr val="000000"/>
                 </a:solidFill>
                 <a:effectLst/>
-                <a:latin typeface="Menlo"/>
+                <a:latin typeface="Courier New" panose="02070309020205020404" pitchFamily="49" charset="0"/>
+                <a:cs typeface="Courier New" panose="02070309020205020404" pitchFamily="49" charset="0"/>
               </a:rPr>
               <a:t> + </a:t>
             </a:r>
@@ -5531,7 +5778,8 @@
                   <a:srgbClr val="000000"/>
                 </a:solidFill>
                 <a:effectLst/>
-                <a:latin typeface="Menlo"/>
+                <a:latin typeface="Courier New" panose="02070309020205020404" pitchFamily="49" charset="0"/>
+                <a:cs typeface="Courier New" panose="02070309020205020404" pitchFamily="49" charset="0"/>
               </a:rPr>
               <a:t>number); </a:t>
             </a:r>
@@ -5540,7 +5788,8 @@
                 <a:srgbClr val="000000"/>
               </a:solidFill>
               <a:effectLst/>
-              <a:latin typeface="Menlo"/>
+              <a:latin typeface="Courier New" panose="02070309020205020404" pitchFamily="49" charset="0"/>
+              <a:cs typeface="Courier New" panose="02070309020205020404" pitchFamily="49" charset="0"/>
             </a:endParaRPr>
           </a:p>
           <a:p>
@@ -5550,7 +5799,8 @@
                   <a:srgbClr val="000000"/>
                 </a:solidFill>
                 <a:effectLst/>
-                <a:latin typeface="Menlo"/>
+                <a:latin typeface="Courier New" panose="02070309020205020404" pitchFamily="49" charset="0"/>
+                <a:cs typeface="Courier New" panose="02070309020205020404" pitchFamily="49" charset="0"/>
               </a:rPr>
               <a:t>} </a:t>
             </a:r>
@@ -5559,7 +5809,8 @@
                 <a:srgbClr val="000000"/>
               </a:solidFill>
               <a:effectLst/>
-              <a:latin typeface="Menlo"/>
+              <a:latin typeface="Courier New" panose="02070309020205020404" pitchFamily="49" charset="0"/>
+              <a:cs typeface="Courier New" panose="02070309020205020404" pitchFamily="49" charset="0"/>
             </a:endParaRPr>
           </a:p>
           <a:p>
@@ -5569,7 +5820,8 @@
                   <a:srgbClr val="000080"/>
                 </a:solidFill>
                 <a:effectLst/>
-                <a:latin typeface="Menlo"/>
+                <a:latin typeface="Courier New" panose="02070309020205020404" pitchFamily="49" charset="0"/>
+                <a:cs typeface="Courier New" panose="02070309020205020404" pitchFamily="49" charset="0"/>
               </a:rPr>
               <a:t>else</a:t>
             </a:r>
@@ -5579,7 +5831,8 @@
                   <a:srgbClr val="000000"/>
                 </a:solidFill>
                 <a:effectLst/>
-                <a:latin typeface="Menlo"/>
+                <a:latin typeface="Courier New" panose="02070309020205020404" pitchFamily="49" charset="0"/>
+                <a:cs typeface="Courier New" panose="02070309020205020404" pitchFamily="49" charset="0"/>
               </a:rPr>
               <a:t> { </a:t>
             </a:r>
@@ -5588,7 +5841,8 @@
                 <a:srgbClr val="000000"/>
               </a:solidFill>
               <a:effectLst/>
-              <a:latin typeface="Menlo"/>
+              <a:latin typeface="Courier New" panose="02070309020205020404" pitchFamily="49" charset="0"/>
+              <a:cs typeface="Courier New" panose="02070309020205020404" pitchFamily="49" charset="0"/>
             </a:endParaRPr>
           </a:p>
           <a:p>
@@ -5598,7 +5852,8 @@
                   <a:srgbClr val="000000"/>
                 </a:solidFill>
                 <a:effectLst/>
-                <a:latin typeface="Menlo"/>
+                <a:latin typeface="Courier New" panose="02070309020205020404" pitchFamily="49" charset="0"/>
+                <a:cs typeface="Courier New" panose="02070309020205020404" pitchFamily="49" charset="0"/>
               </a:rPr>
               <a:t>System.out.</a:t>
             </a:r>
@@ -5608,7 +5863,8 @@
                   <a:srgbClr val="900606"/>
                 </a:solidFill>
                 <a:effectLst/>
-                <a:latin typeface="Menlo"/>
+                <a:latin typeface="Courier New" panose="02070309020205020404" pitchFamily="49" charset="0"/>
+                <a:cs typeface="Courier New" panose="02070309020205020404" pitchFamily="49" charset="0"/>
               </a:rPr>
               <a:t>println</a:t>
             </a:r>
@@ -5618,7 +5874,8 @@
                   <a:srgbClr val="000000"/>
                 </a:solidFill>
                 <a:effectLst/>
-                <a:latin typeface="Menlo"/>
+                <a:latin typeface="Courier New" panose="02070309020205020404" pitchFamily="49" charset="0"/>
+                <a:cs typeface="Courier New" panose="02070309020205020404" pitchFamily="49" charset="0"/>
               </a:rPr>
               <a:t>(</a:t>
             </a:r>
@@ -5628,7 +5885,8 @@
                   <a:srgbClr val="008000"/>
                 </a:solidFill>
                 <a:effectLst/>
-                <a:latin typeface="Menlo"/>
+                <a:latin typeface="Courier New" panose="02070309020205020404" pitchFamily="49" charset="0"/>
+                <a:cs typeface="Courier New" panose="02070309020205020404" pitchFamily="49" charset="0"/>
               </a:rPr>
               <a:t>"</a:t>
             </a:r>
@@ -5638,7 +5896,8 @@
                   <a:srgbClr val="008000"/>
                 </a:solidFill>
                 <a:effectLst/>
-                <a:latin typeface="Menlo"/>
+                <a:latin typeface="Courier New" panose="02070309020205020404" pitchFamily="49" charset="0"/>
+                <a:cs typeface="Courier New" panose="02070309020205020404" pitchFamily="49" charset="0"/>
               </a:rPr>
               <a:t>Вибачте, але це явно не число. </a:t>
             </a:r>
@@ -5648,7 +5907,8 @@
                   <a:srgbClr val="008000"/>
                 </a:solidFill>
                 <a:effectLst/>
-                <a:latin typeface="Menlo"/>
+                <a:latin typeface="Courier New" panose="02070309020205020404" pitchFamily="49" charset="0"/>
+                <a:cs typeface="Courier New" panose="02070309020205020404" pitchFamily="49" charset="0"/>
               </a:rPr>
               <a:t>Перезапустіть</a:t>
             </a:r>
@@ -5658,7 +5918,8 @@
                   <a:srgbClr val="008000"/>
                 </a:solidFill>
                 <a:effectLst/>
-                <a:latin typeface="Menlo"/>
+                <a:latin typeface="Courier New" panose="02070309020205020404" pitchFamily="49" charset="0"/>
+                <a:cs typeface="Courier New" panose="02070309020205020404" pitchFamily="49" charset="0"/>
               </a:rPr>
               <a:t> програму і спробуйте знову!"</a:t>
             </a:r>
@@ -5668,7 +5929,8 @@
                   <a:srgbClr val="000000"/>
                 </a:solidFill>
                 <a:effectLst/>
-                <a:latin typeface="Menlo"/>
+                <a:latin typeface="Courier New" panose="02070309020205020404" pitchFamily="49" charset="0"/>
+                <a:cs typeface="Courier New" panose="02070309020205020404" pitchFamily="49" charset="0"/>
               </a:rPr>
               <a:t>); } </a:t>
             </a:r>
@@ -5680,7 +5942,8 @@
                   <a:srgbClr val="000000"/>
                 </a:solidFill>
                 <a:effectLst/>
-                <a:latin typeface="Menlo"/>
+                <a:latin typeface="Courier New" panose="02070309020205020404" pitchFamily="49" charset="0"/>
+                <a:cs typeface="Courier New" panose="02070309020205020404" pitchFamily="49" charset="0"/>
               </a:rPr>
               <a:t>} </a:t>
             </a:r>
@@ -5692,11 +5955,15 @@
                   <a:srgbClr val="000000"/>
                 </a:solidFill>
                 <a:effectLst/>
-                <a:latin typeface="Menlo"/>
+                <a:latin typeface="Courier New" panose="02070309020205020404" pitchFamily="49" charset="0"/>
+                <a:cs typeface="Courier New" panose="02070309020205020404" pitchFamily="49" charset="0"/>
               </a:rPr>
               <a:t>}</a:t>
             </a:r>
-            <a:endParaRPr lang="uk-UA" sz="2000" dirty="0"/>
+            <a:endParaRPr lang="uk-UA" sz="2000" dirty="0">
+              <a:latin typeface="Courier New" panose="02070309020205020404" pitchFamily="49" charset="0"/>
+              <a:cs typeface="Courier New" panose="02070309020205020404" pitchFamily="49" charset="0"/>
+            </a:endParaRPr>
           </a:p>
         </p:txBody>
       </p:sp>
@@ -5786,7 +6053,7 @@
         <p:spPr>
           <a:xfrm>
             <a:off x="7495114" y="1524033"/>
-            <a:ext cx="3831645" cy="4154984"/>
+            <a:ext cx="3831645" cy="3416320"/>
           </a:xfrm>
           <a:prstGeom prst="rect">
             <a:avLst/>
@@ -5805,7 +6072,8 @@
                   <a:srgbClr val="172B53"/>
                 </a:solidFill>
                 <a:effectLst/>
-                <a:latin typeface="Arial" panose="020B0604020202020204" pitchFamily="34" charset="0"/>
+                <a:latin typeface="Times New Roman" panose="02020603050405020304" pitchFamily="18" charset="0"/>
+                <a:cs typeface="Times New Roman" panose="02020603050405020304" pitchFamily="18" charset="0"/>
               </a:rPr>
               <a:t>Тепер</a:t>
             </a:r>
@@ -5815,7 +6083,8 @@
                   <a:srgbClr val="172B53"/>
                 </a:solidFill>
                 <a:effectLst/>
-                <a:latin typeface="Arial" panose="020B0604020202020204" pitchFamily="34" charset="0"/>
+                <a:latin typeface="Times New Roman" panose="02020603050405020304" pitchFamily="18" charset="0"/>
+                <a:cs typeface="Times New Roman" panose="02020603050405020304" pitchFamily="18" charset="0"/>
               </a:rPr>
               <a:t> наша </a:t>
             </a:r>
@@ -5825,7 +6094,8 @@
                   <a:srgbClr val="172B53"/>
                 </a:solidFill>
                 <a:effectLst/>
-                <a:latin typeface="Arial" panose="020B0604020202020204" pitchFamily="34" charset="0"/>
+                <a:latin typeface="Times New Roman" panose="02020603050405020304" pitchFamily="18" charset="0"/>
+                <a:cs typeface="Times New Roman" panose="02020603050405020304" pitchFamily="18" charset="0"/>
               </a:rPr>
               <a:t>програма</a:t>
             </a:r>
@@ -5835,7 +6105,8 @@
                   <a:srgbClr val="172B53"/>
                 </a:solidFill>
                 <a:effectLst/>
-                <a:latin typeface="Arial" panose="020B0604020202020204" pitchFamily="34" charset="0"/>
+                <a:latin typeface="Times New Roman" panose="02020603050405020304" pitchFamily="18" charset="0"/>
+                <a:cs typeface="Times New Roman" panose="02020603050405020304" pitchFamily="18" charset="0"/>
               </a:rPr>
               <a:t> </a:t>
             </a:r>
@@ -5845,7 +6116,8 @@
                   <a:srgbClr val="172B53"/>
                 </a:solidFill>
                 <a:effectLst/>
-                <a:latin typeface="Arial" panose="020B0604020202020204" pitchFamily="34" charset="0"/>
+                <a:latin typeface="Times New Roman" panose="02020603050405020304" pitchFamily="18" charset="0"/>
+                <a:cs typeface="Times New Roman" panose="02020603050405020304" pitchFamily="18" charset="0"/>
               </a:rPr>
               <a:t>перевіряє</a:t>
             </a:r>
@@ -5855,7 +6127,8 @@
                   <a:srgbClr val="172B53"/>
                 </a:solidFill>
                 <a:effectLst/>
-                <a:latin typeface="Arial" panose="020B0604020202020204" pitchFamily="34" charset="0"/>
+                <a:latin typeface="Times New Roman" panose="02020603050405020304" pitchFamily="18" charset="0"/>
+                <a:cs typeface="Times New Roman" panose="02020603050405020304" pitchFamily="18" charset="0"/>
               </a:rPr>
               <a:t>, </a:t>
             </a:r>
@@ -5865,7 +6138,8 @@
                   <a:srgbClr val="172B53"/>
                 </a:solidFill>
                 <a:effectLst/>
-                <a:latin typeface="Arial" panose="020B0604020202020204" pitchFamily="34" charset="0"/>
+                <a:latin typeface="Times New Roman" panose="02020603050405020304" pitchFamily="18" charset="0"/>
+                <a:cs typeface="Times New Roman" panose="02020603050405020304" pitchFamily="18" charset="0"/>
               </a:rPr>
               <a:t>чи</a:t>
             </a:r>
@@ -5875,7 +6149,8 @@
                   <a:srgbClr val="172B53"/>
                 </a:solidFill>
                 <a:effectLst/>
-                <a:latin typeface="Arial" panose="020B0604020202020204" pitchFamily="34" charset="0"/>
+                <a:latin typeface="Times New Roman" panose="02020603050405020304" pitchFamily="18" charset="0"/>
+                <a:cs typeface="Times New Roman" panose="02020603050405020304" pitchFamily="18" charset="0"/>
               </a:rPr>
               <a:t> є </a:t>
             </a:r>
@@ -5885,7 +6160,8 @@
                   <a:srgbClr val="172B53"/>
                 </a:solidFill>
                 <a:effectLst/>
-                <a:latin typeface="Arial" panose="020B0604020202020204" pitchFamily="34" charset="0"/>
+                <a:latin typeface="Times New Roman" panose="02020603050405020304" pitchFamily="18" charset="0"/>
+                <a:cs typeface="Times New Roman" panose="02020603050405020304" pitchFamily="18" charset="0"/>
               </a:rPr>
               <a:t>наступний</a:t>
             </a:r>
@@ -5895,7 +6171,8 @@
                   <a:srgbClr val="172B53"/>
                 </a:solidFill>
                 <a:effectLst/>
-                <a:latin typeface="Arial" panose="020B0604020202020204" pitchFamily="34" charset="0"/>
+                <a:latin typeface="Times New Roman" panose="02020603050405020304" pitchFamily="18" charset="0"/>
+                <a:cs typeface="Times New Roman" panose="02020603050405020304" pitchFamily="18" charset="0"/>
               </a:rPr>
               <a:t> введений символ числом </a:t>
             </a:r>
@@ -5905,7 +6182,8 @@
                   <a:srgbClr val="172B53"/>
                 </a:solidFill>
                 <a:effectLst/>
-                <a:latin typeface="Arial" panose="020B0604020202020204" pitchFamily="34" charset="0"/>
+                <a:latin typeface="Times New Roman" panose="02020603050405020304" pitchFamily="18" charset="0"/>
+                <a:cs typeface="Times New Roman" panose="02020603050405020304" pitchFamily="18" charset="0"/>
               </a:rPr>
               <a:t>або</a:t>
             </a:r>
@@ -5915,7 +6193,8 @@
                   <a:srgbClr val="172B53"/>
                 </a:solidFill>
                 <a:effectLst/>
-                <a:latin typeface="Arial" panose="020B0604020202020204" pitchFamily="34" charset="0"/>
+                <a:latin typeface="Times New Roman" panose="02020603050405020304" pitchFamily="18" charset="0"/>
+                <a:cs typeface="Times New Roman" panose="02020603050405020304" pitchFamily="18" charset="0"/>
               </a:rPr>
               <a:t> </a:t>
             </a:r>
@@ -5925,7 +6204,8 @@
                   <a:srgbClr val="172B53"/>
                 </a:solidFill>
                 <a:effectLst/>
-                <a:latin typeface="Arial" panose="020B0604020202020204" pitchFamily="34" charset="0"/>
+                <a:latin typeface="Times New Roman" panose="02020603050405020304" pitchFamily="18" charset="0"/>
+                <a:cs typeface="Times New Roman" panose="02020603050405020304" pitchFamily="18" charset="0"/>
               </a:rPr>
               <a:t>ні</a:t>
             </a:r>
@@ -5935,7 +6215,8 @@
                   <a:srgbClr val="172B53"/>
                 </a:solidFill>
                 <a:effectLst/>
-                <a:latin typeface="Arial" panose="020B0604020202020204" pitchFamily="34" charset="0"/>
+                <a:latin typeface="Times New Roman" panose="02020603050405020304" pitchFamily="18" charset="0"/>
+                <a:cs typeface="Times New Roman" panose="02020603050405020304" pitchFamily="18" charset="0"/>
               </a:rPr>
               <a:t>. І </a:t>
             </a:r>
@@ -5945,7 +6226,8 @@
                   <a:srgbClr val="172B53"/>
                 </a:solidFill>
                 <a:effectLst/>
-                <a:latin typeface="Arial" panose="020B0604020202020204" pitchFamily="34" charset="0"/>
+                <a:latin typeface="Times New Roman" panose="02020603050405020304" pitchFamily="18" charset="0"/>
+                <a:cs typeface="Times New Roman" panose="02020603050405020304" pitchFamily="18" charset="0"/>
               </a:rPr>
               <a:t>тільки</a:t>
             </a:r>
@@ -5955,7 +6237,8 @@
                   <a:srgbClr val="172B53"/>
                 </a:solidFill>
                 <a:effectLst/>
-                <a:latin typeface="Arial" panose="020B0604020202020204" pitchFamily="34" charset="0"/>
+                <a:latin typeface="Times New Roman" panose="02020603050405020304" pitchFamily="18" charset="0"/>
+                <a:cs typeface="Times New Roman" panose="02020603050405020304" pitchFamily="18" charset="0"/>
               </a:rPr>
               <a:t> в </a:t>
             </a:r>
@@ -5965,7 +6248,8 @@
                   <a:srgbClr val="172B53"/>
                 </a:solidFill>
                 <a:effectLst/>
-                <a:latin typeface="Arial" panose="020B0604020202020204" pitchFamily="34" charset="0"/>
+                <a:latin typeface="Times New Roman" panose="02020603050405020304" pitchFamily="18" charset="0"/>
+                <a:cs typeface="Times New Roman" panose="02020603050405020304" pitchFamily="18" charset="0"/>
               </a:rPr>
               <a:t>разі</a:t>
             </a:r>
@@ -5975,7 +6259,8 @@
                   <a:srgbClr val="172B53"/>
                 </a:solidFill>
                 <a:effectLst/>
-                <a:latin typeface="Arial" panose="020B0604020202020204" pitchFamily="34" charset="0"/>
+                <a:latin typeface="Times New Roman" panose="02020603050405020304" pitchFamily="18" charset="0"/>
+                <a:cs typeface="Times New Roman" panose="02020603050405020304" pitchFamily="18" charset="0"/>
               </a:rPr>
               <a:t>, </a:t>
             </a:r>
@@ -5985,7 +6270,8 @@
                   <a:srgbClr val="172B53"/>
                 </a:solidFill>
                 <a:effectLst/>
-                <a:latin typeface="Arial" panose="020B0604020202020204" pitchFamily="34" charset="0"/>
+                <a:latin typeface="Times New Roman" panose="02020603050405020304" pitchFamily="18" charset="0"/>
+                <a:cs typeface="Times New Roman" panose="02020603050405020304" pitchFamily="18" charset="0"/>
               </a:rPr>
               <a:t>якщо</a:t>
             </a:r>
@@ -5995,7 +6281,8 @@
                   <a:srgbClr val="172B53"/>
                 </a:solidFill>
                 <a:effectLst/>
-                <a:latin typeface="Arial" panose="020B0604020202020204" pitchFamily="34" charset="0"/>
+                <a:latin typeface="Times New Roman" panose="02020603050405020304" pitchFamily="18" charset="0"/>
+                <a:cs typeface="Times New Roman" panose="02020603050405020304" pitchFamily="18" charset="0"/>
               </a:rPr>
               <a:t> є, </a:t>
             </a:r>
@@ -6005,7 +6292,8 @@
                   <a:srgbClr val="172B53"/>
                 </a:solidFill>
                 <a:effectLst/>
-                <a:latin typeface="Arial" panose="020B0604020202020204" pitchFamily="34" charset="0"/>
+                <a:latin typeface="Times New Roman" panose="02020603050405020304" pitchFamily="18" charset="0"/>
+                <a:cs typeface="Times New Roman" panose="02020603050405020304" pitchFamily="18" charset="0"/>
               </a:rPr>
               <a:t>виводить</a:t>
             </a:r>
@@ -6015,7 +6303,8 @@
                   <a:srgbClr val="172B53"/>
                 </a:solidFill>
                 <a:effectLst/>
-                <a:latin typeface="Arial" panose="020B0604020202020204" pitchFamily="34" charset="0"/>
+                <a:latin typeface="Times New Roman" panose="02020603050405020304" pitchFamily="18" charset="0"/>
+                <a:cs typeface="Times New Roman" panose="02020603050405020304" pitchFamily="18" charset="0"/>
               </a:rPr>
               <a:t> </a:t>
             </a:r>
@@ -6025,7 +6314,8 @@
                   <a:srgbClr val="172B53"/>
                 </a:solidFill>
                 <a:effectLst/>
-                <a:latin typeface="Arial" panose="020B0604020202020204" pitchFamily="34" charset="0"/>
+                <a:latin typeface="Times New Roman" panose="02020603050405020304" pitchFamily="18" charset="0"/>
+                <a:cs typeface="Times New Roman" panose="02020603050405020304" pitchFamily="18" charset="0"/>
               </a:rPr>
               <a:t>підтвердження</a:t>
             </a:r>
@@ -6035,7 +6325,8 @@
                   <a:srgbClr val="172B53"/>
                 </a:solidFill>
                 <a:effectLst/>
-                <a:latin typeface="Arial" panose="020B0604020202020204" pitchFamily="34" charset="0"/>
+                <a:latin typeface="Times New Roman" panose="02020603050405020304" pitchFamily="18" charset="0"/>
+                <a:cs typeface="Times New Roman" panose="02020603050405020304" pitchFamily="18" charset="0"/>
               </a:rPr>
               <a:t>. </a:t>
             </a:r>
@@ -6045,7 +6336,8 @@
                   <a:srgbClr val="172B53"/>
                 </a:solidFill>
                 <a:effectLst/>
-                <a:latin typeface="Arial" panose="020B0604020202020204" pitchFamily="34" charset="0"/>
+                <a:latin typeface="Times New Roman" panose="02020603050405020304" pitchFamily="18" charset="0"/>
+                <a:cs typeface="Times New Roman" panose="02020603050405020304" pitchFamily="18" charset="0"/>
               </a:rPr>
               <a:t>Якщо</a:t>
             </a:r>
@@ -6055,7 +6347,8 @@
                   <a:srgbClr val="172B53"/>
                 </a:solidFill>
                 <a:effectLst/>
-                <a:latin typeface="Arial" panose="020B0604020202020204" pitchFamily="34" charset="0"/>
+                <a:latin typeface="Times New Roman" panose="02020603050405020304" pitchFamily="18" charset="0"/>
+                <a:cs typeface="Times New Roman" panose="02020603050405020304" pitchFamily="18" charset="0"/>
               </a:rPr>
               <a:t> ж </a:t>
             </a:r>
@@ -6065,7 +6358,8 @@
                   <a:srgbClr val="172B53"/>
                 </a:solidFill>
                 <a:effectLst/>
-                <a:latin typeface="Arial" panose="020B0604020202020204" pitchFamily="34" charset="0"/>
+                <a:latin typeface="Times New Roman" panose="02020603050405020304" pitchFamily="18" charset="0"/>
+                <a:cs typeface="Times New Roman" panose="02020603050405020304" pitchFamily="18" charset="0"/>
               </a:rPr>
               <a:t>введення</a:t>
             </a:r>
@@ -6075,7 +6369,8 @@
                   <a:srgbClr val="172B53"/>
                 </a:solidFill>
                 <a:effectLst/>
-                <a:latin typeface="Arial" panose="020B0604020202020204" pitchFamily="34" charset="0"/>
+                <a:latin typeface="Times New Roman" panose="02020603050405020304" pitchFamily="18" charset="0"/>
+                <a:cs typeface="Times New Roman" panose="02020603050405020304" pitchFamily="18" charset="0"/>
               </a:rPr>
               <a:t> не </a:t>
             </a:r>
@@ -6085,7 +6380,8 @@
                   <a:srgbClr val="172B53"/>
                 </a:solidFill>
                 <a:effectLst/>
-                <a:latin typeface="Arial" panose="020B0604020202020204" pitchFamily="34" charset="0"/>
+                <a:latin typeface="Times New Roman" panose="02020603050405020304" pitchFamily="18" charset="0"/>
+                <a:cs typeface="Times New Roman" panose="02020603050405020304" pitchFamily="18" charset="0"/>
               </a:rPr>
               <a:t>пройшло</a:t>
             </a:r>
@@ -6095,7 +6391,8 @@
                   <a:srgbClr val="172B53"/>
                 </a:solidFill>
                 <a:effectLst/>
-                <a:latin typeface="Arial" panose="020B0604020202020204" pitchFamily="34" charset="0"/>
+                <a:latin typeface="Times New Roman" panose="02020603050405020304" pitchFamily="18" charset="0"/>
+                <a:cs typeface="Times New Roman" panose="02020603050405020304" pitchFamily="18" charset="0"/>
               </a:rPr>
               <a:t> </a:t>
             </a:r>
@@ -6105,7 +6402,8 @@
                   <a:srgbClr val="172B53"/>
                 </a:solidFill>
                 <a:effectLst/>
-                <a:latin typeface="Arial" panose="020B0604020202020204" pitchFamily="34" charset="0"/>
+                <a:latin typeface="Times New Roman" panose="02020603050405020304" pitchFamily="18" charset="0"/>
+                <a:cs typeface="Times New Roman" panose="02020603050405020304" pitchFamily="18" charset="0"/>
               </a:rPr>
               <a:t>перевірку</a:t>
             </a:r>
@@ -6115,7 +6413,8 @@
                   <a:srgbClr val="172B53"/>
                 </a:solidFill>
                 <a:effectLst/>
-                <a:latin typeface="Arial" panose="020B0604020202020204" pitchFamily="34" charset="0"/>
+                <a:latin typeface="Times New Roman" panose="02020603050405020304" pitchFamily="18" charset="0"/>
+                <a:cs typeface="Times New Roman" panose="02020603050405020304" pitchFamily="18" charset="0"/>
               </a:rPr>
               <a:t>, </a:t>
             </a:r>
@@ -6125,7 +6424,8 @@
                   <a:srgbClr val="172B53"/>
                 </a:solidFill>
                 <a:effectLst/>
-                <a:latin typeface="Arial" panose="020B0604020202020204" pitchFamily="34" charset="0"/>
+                <a:latin typeface="Times New Roman" panose="02020603050405020304" pitchFamily="18" charset="0"/>
+                <a:cs typeface="Times New Roman" panose="02020603050405020304" pitchFamily="18" charset="0"/>
               </a:rPr>
               <a:t>програма</a:t>
             </a:r>
@@ -6135,7 +6435,8 @@
                   <a:srgbClr val="172B53"/>
                 </a:solidFill>
                 <a:effectLst/>
-                <a:latin typeface="Arial" panose="020B0604020202020204" pitchFamily="34" charset="0"/>
+                <a:latin typeface="Times New Roman" panose="02020603050405020304" pitchFamily="18" charset="0"/>
+                <a:cs typeface="Times New Roman" panose="02020603050405020304" pitchFamily="18" charset="0"/>
               </a:rPr>
               <a:t> </a:t>
             </a:r>
@@ -6145,7 +6446,8 @@
                   <a:srgbClr val="172B53"/>
                 </a:solidFill>
                 <a:effectLst/>
-                <a:latin typeface="Arial" panose="020B0604020202020204" pitchFamily="34" charset="0"/>
+                <a:latin typeface="Times New Roman" panose="02020603050405020304" pitchFamily="18" charset="0"/>
+                <a:cs typeface="Times New Roman" panose="02020603050405020304" pitchFamily="18" charset="0"/>
               </a:rPr>
               <a:t>це</a:t>
             </a:r>
@@ -6155,7 +6457,8 @@
                   <a:srgbClr val="172B53"/>
                 </a:solidFill>
                 <a:effectLst/>
-                <a:latin typeface="Arial" panose="020B0604020202020204" pitchFamily="34" charset="0"/>
+                <a:latin typeface="Times New Roman" panose="02020603050405020304" pitchFamily="18" charset="0"/>
+                <a:cs typeface="Times New Roman" panose="02020603050405020304" pitchFamily="18" charset="0"/>
               </a:rPr>
               <a:t> </a:t>
             </a:r>
@@ -6165,7 +6468,8 @@
                   <a:srgbClr val="172B53"/>
                 </a:solidFill>
                 <a:effectLst/>
-                <a:latin typeface="Arial" panose="020B0604020202020204" pitchFamily="34" charset="0"/>
+                <a:latin typeface="Times New Roman" panose="02020603050405020304" pitchFamily="18" charset="0"/>
+                <a:cs typeface="Times New Roman" panose="02020603050405020304" pitchFamily="18" charset="0"/>
               </a:rPr>
               <a:t>помічає</a:t>
             </a:r>
@@ -6175,7 +6479,8 @@
                   <a:srgbClr val="172B53"/>
                 </a:solidFill>
                 <a:effectLst/>
-                <a:latin typeface="Arial" panose="020B0604020202020204" pitchFamily="34" charset="0"/>
+                <a:latin typeface="Times New Roman" panose="02020603050405020304" pitchFamily="18" charset="0"/>
+                <a:cs typeface="Times New Roman" panose="02020603050405020304" pitchFamily="18" charset="0"/>
               </a:rPr>
               <a:t> і просить </a:t>
             </a:r>
@@ -6185,7 +6490,8 @@
                   <a:srgbClr val="172B53"/>
                 </a:solidFill>
                 <a:effectLst/>
-                <a:latin typeface="Arial" panose="020B0604020202020204" pitchFamily="34" charset="0"/>
+                <a:latin typeface="Times New Roman" panose="02020603050405020304" pitchFamily="18" charset="0"/>
+                <a:cs typeface="Times New Roman" panose="02020603050405020304" pitchFamily="18" charset="0"/>
               </a:rPr>
               <a:t>спробувати</a:t>
             </a:r>
@@ -6195,7 +6501,8 @@
                   <a:srgbClr val="172B53"/>
                 </a:solidFill>
                 <a:effectLst/>
-                <a:latin typeface="Arial" panose="020B0604020202020204" pitchFamily="34" charset="0"/>
+                <a:latin typeface="Times New Roman" panose="02020603050405020304" pitchFamily="18" charset="0"/>
+                <a:cs typeface="Times New Roman" panose="02020603050405020304" pitchFamily="18" charset="0"/>
               </a:rPr>
               <a:t> </a:t>
             </a:r>
@@ -6205,7 +6512,8 @@
                   <a:srgbClr val="172B53"/>
                 </a:solidFill>
                 <a:effectLst/>
-                <a:latin typeface="Arial" panose="020B0604020202020204" pitchFamily="34" charset="0"/>
+                <a:latin typeface="Times New Roman" panose="02020603050405020304" pitchFamily="18" charset="0"/>
+                <a:cs typeface="Times New Roman" panose="02020603050405020304" pitchFamily="18" charset="0"/>
               </a:rPr>
               <a:t>знову</a:t>
             </a:r>
@@ -6215,11 +6523,15 @@
                   <a:srgbClr val="172B53"/>
                 </a:solidFill>
                 <a:effectLst/>
-                <a:latin typeface="Arial" panose="020B0604020202020204" pitchFamily="34" charset="0"/>
+                <a:latin typeface="Times New Roman" panose="02020603050405020304" pitchFamily="18" charset="0"/>
+                <a:cs typeface="Times New Roman" panose="02020603050405020304" pitchFamily="18" charset="0"/>
               </a:rPr>
               <a:t>. </a:t>
             </a:r>
-            <a:endParaRPr lang="uk-UA" sz="2400" dirty="0"/>
+            <a:endParaRPr lang="uk-UA" sz="2400" dirty="0">
+              <a:latin typeface="Times New Roman" panose="02020603050405020304" pitchFamily="18" charset="0"/>
+              <a:cs typeface="Times New Roman" panose="02020603050405020304" pitchFamily="18" charset="0"/>
+            </a:endParaRPr>
           </a:p>
         </p:txBody>
       </p:sp>
@@ -6268,7 +6580,7 @@
         <p:spPr>
           <a:xfrm>
             <a:off x="7701698" y="1409678"/>
-            <a:ext cx="4103803" cy="3970318"/>
+            <a:ext cx="4103803" cy="3539430"/>
           </a:xfrm>
           <a:prstGeom prst="rect">
             <a:avLst/>
@@ -6287,7 +6599,8 @@
                   <a:srgbClr val="172B53"/>
                 </a:solidFill>
                 <a:effectLst/>
-                <a:latin typeface="Arial" panose="020B0604020202020204" pitchFamily="34" charset="0"/>
+                <a:latin typeface="Times New Roman" panose="02020603050405020304" pitchFamily="18" charset="0"/>
+                <a:cs typeface="Times New Roman" panose="02020603050405020304" pitchFamily="18" charset="0"/>
               </a:rPr>
               <a:t>Як і будь-</a:t>
             </a:r>
@@ -6297,7 +6610,8 @@
                   <a:srgbClr val="172B53"/>
                 </a:solidFill>
                 <a:effectLst/>
-                <a:latin typeface="Arial" panose="020B0604020202020204" pitchFamily="34" charset="0"/>
+                <a:latin typeface="Times New Roman" panose="02020603050405020304" pitchFamily="18" charset="0"/>
+                <a:cs typeface="Times New Roman" panose="02020603050405020304" pitchFamily="18" charset="0"/>
               </a:rPr>
               <a:t>який</a:t>
             </a:r>
@@ -6307,7 +6621,8 @@
                   <a:srgbClr val="172B53"/>
                 </a:solidFill>
                 <a:effectLst/>
-                <a:latin typeface="Arial" panose="020B0604020202020204" pitchFamily="34" charset="0"/>
+                <a:latin typeface="Times New Roman" panose="02020603050405020304" pitchFamily="18" charset="0"/>
+                <a:cs typeface="Times New Roman" panose="02020603050405020304" pitchFamily="18" charset="0"/>
               </a:rPr>
               <a:t> </a:t>
             </a:r>
@@ -6317,7 +6632,8 @@
                   <a:srgbClr val="172B53"/>
                 </a:solidFill>
                 <a:effectLst/>
-                <a:latin typeface="Arial" panose="020B0604020202020204" pitchFamily="34" charset="0"/>
+                <a:latin typeface="Times New Roman" panose="02020603050405020304" pitchFamily="18" charset="0"/>
+                <a:cs typeface="Times New Roman" panose="02020603050405020304" pitchFamily="18" charset="0"/>
               </a:rPr>
               <a:t>об'єкт</a:t>
             </a:r>
@@ -6327,7 +6643,8 @@
                   <a:srgbClr val="172B53"/>
                 </a:solidFill>
                 <a:effectLst/>
-                <a:latin typeface="Arial" panose="020B0604020202020204" pitchFamily="34" charset="0"/>
+                <a:latin typeface="Times New Roman" panose="02020603050405020304" pitchFamily="18" charset="0"/>
+                <a:cs typeface="Times New Roman" panose="02020603050405020304" pitchFamily="18" charset="0"/>
               </a:rPr>
               <a:t>, </a:t>
             </a:r>
@@ -6337,7 +6654,8 @@
                   <a:srgbClr val="172B53"/>
                 </a:solidFill>
                 <a:effectLst/>
-                <a:latin typeface="Arial" panose="020B0604020202020204" pitchFamily="34" charset="0"/>
+                <a:latin typeface="Times New Roman" panose="02020603050405020304" pitchFamily="18" charset="0"/>
+                <a:cs typeface="Times New Roman" panose="02020603050405020304" pitchFamily="18" charset="0"/>
               </a:rPr>
               <a:t>що</a:t>
             </a:r>
@@ -6347,7 +6665,8 @@
                   <a:srgbClr val="172B53"/>
                 </a:solidFill>
                 <a:effectLst/>
-                <a:latin typeface="Arial" panose="020B0604020202020204" pitchFamily="34" charset="0"/>
+                <a:latin typeface="Times New Roman" panose="02020603050405020304" pitchFamily="18" charset="0"/>
+                <a:cs typeface="Times New Roman" panose="02020603050405020304" pitchFamily="18" charset="0"/>
               </a:rPr>
               <a:t> </a:t>
             </a:r>
@@ -6357,7 +6676,8 @@
                   <a:srgbClr val="172B53"/>
                 </a:solidFill>
                 <a:effectLst/>
-                <a:latin typeface="Arial" panose="020B0604020202020204" pitchFamily="34" charset="0"/>
+                <a:latin typeface="Times New Roman" panose="02020603050405020304" pitchFamily="18" charset="0"/>
+                <a:cs typeface="Times New Roman" panose="02020603050405020304" pitchFamily="18" charset="0"/>
               </a:rPr>
               <a:t>працює</a:t>
             </a:r>
@@ -6367,7 +6687,8 @@
                   <a:srgbClr val="172B53"/>
                 </a:solidFill>
                 <a:effectLst/>
-                <a:latin typeface="Arial" panose="020B0604020202020204" pitchFamily="34" charset="0"/>
+                <a:latin typeface="Times New Roman" panose="02020603050405020304" pitchFamily="18" charset="0"/>
+                <a:cs typeface="Times New Roman" panose="02020603050405020304" pitchFamily="18" charset="0"/>
               </a:rPr>
               <a:t> з потоками </a:t>
             </a:r>
@@ -6377,7 +6698,8 @@
                   <a:srgbClr val="172B53"/>
                 </a:solidFill>
                 <a:effectLst/>
-                <a:latin typeface="Arial" panose="020B0604020202020204" pitchFamily="34" charset="0"/>
+                <a:latin typeface="Times New Roman" panose="02020603050405020304" pitchFamily="18" charset="0"/>
+                <a:cs typeface="Times New Roman" panose="02020603050405020304" pitchFamily="18" charset="0"/>
               </a:rPr>
               <a:t>введення-виведення</a:t>
             </a:r>
@@ -6387,7 +6709,8 @@
                   <a:srgbClr val="172B53"/>
                 </a:solidFill>
                 <a:effectLst/>
-                <a:latin typeface="Arial" panose="020B0604020202020204" pitchFamily="34" charset="0"/>
+                <a:latin typeface="Times New Roman" panose="02020603050405020304" pitchFamily="18" charset="0"/>
+                <a:cs typeface="Times New Roman" panose="02020603050405020304" pitchFamily="18" charset="0"/>
               </a:rPr>
               <a:t>, сканер </a:t>
             </a:r>
@@ -6397,7 +6720,8 @@
                   <a:srgbClr val="172B53"/>
                 </a:solidFill>
                 <a:effectLst/>
-                <a:latin typeface="Arial" panose="020B0604020202020204" pitchFamily="34" charset="0"/>
+                <a:latin typeface="Times New Roman" panose="02020603050405020304" pitchFamily="18" charset="0"/>
+                <a:cs typeface="Times New Roman" panose="02020603050405020304" pitchFamily="18" charset="0"/>
               </a:rPr>
               <a:t>потрібно</a:t>
             </a:r>
@@ -6407,7 +6731,8 @@
                   <a:srgbClr val="172B53"/>
                 </a:solidFill>
                 <a:effectLst/>
-                <a:latin typeface="Arial" panose="020B0604020202020204" pitchFamily="34" charset="0"/>
+                <a:latin typeface="Times New Roman" panose="02020603050405020304" pitchFamily="18" charset="0"/>
+                <a:cs typeface="Times New Roman" panose="02020603050405020304" pitchFamily="18" charset="0"/>
               </a:rPr>
               <a:t> </a:t>
             </a:r>
@@ -6417,7 +6742,8 @@
                   <a:srgbClr val="172B53"/>
                 </a:solidFill>
                 <a:effectLst/>
-                <a:latin typeface="Arial" panose="020B0604020202020204" pitchFamily="34" charset="0"/>
+                <a:latin typeface="Times New Roman" panose="02020603050405020304" pitchFamily="18" charset="0"/>
+                <a:cs typeface="Times New Roman" panose="02020603050405020304" pitchFamily="18" charset="0"/>
               </a:rPr>
               <a:t>закрити</a:t>
             </a:r>
@@ -6427,7 +6753,8 @@
                   <a:srgbClr val="172B53"/>
                 </a:solidFill>
                 <a:effectLst/>
-                <a:latin typeface="Arial" panose="020B0604020202020204" pitchFamily="34" charset="0"/>
+                <a:latin typeface="Times New Roman" panose="02020603050405020304" pitchFamily="18" charset="0"/>
+                <a:cs typeface="Times New Roman" panose="02020603050405020304" pitchFamily="18" charset="0"/>
               </a:rPr>
               <a:t> </a:t>
             </a:r>
@@ -6437,7 +6764,8 @@
                   <a:srgbClr val="172B53"/>
                 </a:solidFill>
                 <a:effectLst/>
-                <a:latin typeface="Arial" panose="020B0604020202020204" pitchFamily="34" charset="0"/>
+                <a:latin typeface="Times New Roman" panose="02020603050405020304" pitchFamily="18" charset="0"/>
+                <a:cs typeface="Times New Roman" panose="02020603050405020304" pitchFamily="18" charset="0"/>
               </a:rPr>
               <a:t>після</a:t>
             </a:r>
@@ -6447,7 +6775,8 @@
                   <a:srgbClr val="172B53"/>
                 </a:solidFill>
                 <a:effectLst/>
-                <a:latin typeface="Arial" panose="020B0604020202020204" pitchFamily="34" charset="0"/>
+                <a:latin typeface="Times New Roman" panose="02020603050405020304" pitchFamily="18" charset="0"/>
+                <a:cs typeface="Times New Roman" panose="02020603050405020304" pitchFamily="18" charset="0"/>
               </a:rPr>
               <a:t> </a:t>
             </a:r>
@@ -6457,7 +6786,8 @@
                   <a:srgbClr val="172B53"/>
                 </a:solidFill>
                 <a:effectLst/>
-                <a:latin typeface="Arial" panose="020B0604020202020204" pitchFamily="34" charset="0"/>
+                <a:latin typeface="Times New Roman" panose="02020603050405020304" pitchFamily="18" charset="0"/>
+                <a:cs typeface="Times New Roman" panose="02020603050405020304" pitchFamily="18" charset="0"/>
               </a:rPr>
               <a:t>завершення</a:t>
             </a:r>
@@ -6467,7 +6797,8 @@
                   <a:srgbClr val="172B53"/>
                 </a:solidFill>
                 <a:effectLst/>
-                <a:latin typeface="Arial" panose="020B0604020202020204" pitchFamily="34" charset="0"/>
+                <a:latin typeface="Times New Roman" panose="02020603050405020304" pitchFamily="18" charset="0"/>
+                <a:cs typeface="Times New Roman" panose="02020603050405020304" pitchFamily="18" charset="0"/>
               </a:rPr>
               <a:t> </a:t>
             </a:r>
@@ -6477,7 +6808,8 @@
                   <a:srgbClr val="172B53"/>
                 </a:solidFill>
                 <a:effectLst/>
-                <a:latin typeface="Arial" panose="020B0604020202020204" pitchFamily="34" charset="0"/>
+                <a:latin typeface="Times New Roman" panose="02020603050405020304" pitchFamily="18" charset="0"/>
+                <a:cs typeface="Times New Roman" panose="02020603050405020304" pitchFamily="18" charset="0"/>
               </a:rPr>
               <a:t>своєї</a:t>
             </a:r>
@@ -6487,7 +6819,8 @@
                   <a:srgbClr val="172B53"/>
                 </a:solidFill>
                 <a:effectLst/>
-                <a:latin typeface="Arial" panose="020B0604020202020204" pitchFamily="34" charset="0"/>
+                <a:latin typeface="Times New Roman" panose="02020603050405020304" pitchFamily="18" charset="0"/>
+                <a:cs typeface="Times New Roman" panose="02020603050405020304" pitchFamily="18" charset="0"/>
               </a:rPr>
               <a:t> </a:t>
             </a:r>
@@ -6497,7 +6830,8 @@
                   <a:srgbClr val="172B53"/>
                 </a:solidFill>
                 <a:effectLst/>
-                <a:latin typeface="Arial" panose="020B0604020202020204" pitchFamily="34" charset="0"/>
+                <a:latin typeface="Times New Roman" panose="02020603050405020304" pitchFamily="18" charset="0"/>
+                <a:cs typeface="Times New Roman" panose="02020603050405020304" pitchFamily="18" charset="0"/>
               </a:rPr>
               <a:t>роботи</a:t>
             </a:r>
@@ -6507,7 +6841,8 @@
                   <a:srgbClr val="172B53"/>
                 </a:solidFill>
                 <a:effectLst/>
-                <a:latin typeface="Arial" panose="020B0604020202020204" pitchFamily="34" charset="0"/>
+                <a:latin typeface="Times New Roman" panose="02020603050405020304" pitchFamily="18" charset="0"/>
+                <a:cs typeface="Times New Roman" panose="02020603050405020304" pitchFamily="18" charset="0"/>
               </a:rPr>
               <a:t>, </a:t>
             </a:r>
@@ -6517,7 +6852,8 @@
                   <a:srgbClr val="172B53"/>
                 </a:solidFill>
                 <a:effectLst/>
-                <a:latin typeface="Arial" panose="020B0604020202020204" pitchFamily="34" charset="0"/>
+                <a:latin typeface="Times New Roman" panose="02020603050405020304" pitchFamily="18" charset="0"/>
+                <a:cs typeface="Times New Roman" panose="02020603050405020304" pitchFamily="18" charset="0"/>
               </a:rPr>
               <a:t>щоб</a:t>
             </a:r>
@@ -6527,7 +6863,8 @@
                   <a:srgbClr val="172B53"/>
                 </a:solidFill>
                 <a:effectLst/>
-                <a:latin typeface="Arial" panose="020B0604020202020204" pitchFamily="34" charset="0"/>
+                <a:latin typeface="Times New Roman" panose="02020603050405020304" pitchFamily="18" charset="0"/>
+                <a:cs typeface="Times New Roman" panose="02020603050405020304" pitchFamily="18" charset="0"/>
               </a:rPr>
               <a:t> </a:t>
             </a:r>
@@ -6537,7 +6874,8 @@
                   <a:srgbClr val="172B53"/>
                 </a:solidFill>
                 <a:effectLst/>
-                <a:latin typeface="Arial" panose="020B0604020202020204" pitchFamily="34" charset="0"/>
+                <a:latin typeface="Times New Roman" panose="02020603050405020304" pitchFamily="18" charset="0"/>
+                <a:cs typeface="Times New Roman" panose="02020603050405020304" pitchFamily="18" charset="0"/>
               </a:rPr>
               <a:t>більше</a:t>
             </a:r>
@@ -6547,7 +6885,8 @@
                   <a:srgbClr val="172B53"/>
                 </a:solidFill>
                 <a:effectLst/>
-                <a:latin typeface="Arial" panose="020B0604020202020204" pitchFamily="34" charset="0"/>
+                <a:latin typeface="Times New Roman" panose="02020603050405020304" pitchFamily="18" charset="0"/>
+                <a:cs typeface="Times New Roman" panose="02020603050405020304" pitchFamily="18" charset="0"/>
               </a:rPr>
               <a:t> не </a:t>
             </a:r>
@@ -6557,7 +6896,8 @@
                   <a:srgbClr val="172B53"/>
                 </a:solidFill>
                 <a:effectLst/>
-                <a:latin typeface="Arial" panose="020B0604020202020204" pitchFamily="34" charset="0"/>
+                <a:latin typeface="Times New Roman" panose="02020603050405020304" pitchFamily="18" charset="0"/>
+                <a:cs typeface="Times New Roman" panose="02020603050405020304" pitchFamily="18" charset="0"/>
               </a:rPr>
               <a:t>споживати</a:t>
             </a:r>
@@ -6567,7 +6907,8 @@
                   <a:srgbClr val="172B53"/>
                 </a:solidFill>
                 <a:effectLst/>
-                <a:latin typeface="Arial" panose="020B0604020202020204" pitchFamily="34" charset="0"/>
+                <a:latin typeface="Times New Roman" panose="02020603050405020304" pitchFamily="18" charset="0"/>
+                <a:cs typeface="Times New Roman" panose="02020603050405020304" pitchFamily="18" charset="0"/>
               </a:rPr>
               <a:t> </a:t>
             </a:r>
@@ -6577,7 +6918,8 @@
                   <a:srgbClr val="172B53"/>
                 </a:solidFill>
                 <a:effectLst/>
-                <a:latin typeface="Arial" panose="020B0604020202020204" pitchFamily="34" charset="0"/>
+                <a:latin typeface="Times New Roman" panose="02020603050405020304" pitchFamily="18" charset="0"/>
+                <a:cs typeface="Times New Roman" panose="02020603050405020304" pitchFamily="18" charset="0"/>
               </a:rPr>
               <a:t>ресурси</a:t>
             </a:r>
@@ -6587,7 +6929,8 @@
                   <a:srgbClr val="172B53"/>
                 </a:solidFill>
                 <a:effectLst/>
-                <a:latin typeface="Arial" panose="020B0604020202020204" pitchFamily="34" charset="0"/>
+                <a:latin typeface="Times New Roman" panose="02020603050405020304" pitchFamily="18" charset="0"/>
+                <a:cs typeface="Times New Roman" panose="02020603050405020304" pitchFamily="18" charset="0"/>
               </a:rPr>
               <a:t> </a:t>
             </a:r>
@@ -6597,7 +6940,8 @@
                   <a:srgbClr val="172B53"/>
                 </a:solidFill>
                 <a:effectLst/>
-                <a:latin typeface="Arial" panose="020B0604020202020204" pitchFamily="34" charset="0"/>
+                <a:latin typeface="Times New Roman" panose="02020603050405020304" pitchFamily="18" charset="0"/>
+                <a:cs typeface="Times New Roman" panose="02020603050405020304" pitchFamily="18" charset="0"/>
               </a:rPr>
               <a:t>нашого</a:t>
             </a:r>
@@ -6607,7 +6951,8 @@
                   <a:srgbClr val="172B53"/>
                 </a:solidFill>
                 <a:effectLst/>
-                <a:latin typeface="Arial" panose="020B0604020202020204" pitchFamily="34" charset="0"/>
+                <a:latin typeface="Times New Roman" panose="02020603050405020304" pitchFamily="18" charset="0"/>
+                <a:cs typeface="Times New Roman" panose="02020603050405020304" pitchFamily="18" charset="0"/>
               </a:rPr>
               <a:t> </a:t>
             </a:r>
@@ -6617,7 +6962,8 @@
                   <a:srgbClr val="172B53"/>
                 </a:solidFill>
                 <a:effectLst/>
-                <a:latin typeface="Arial" panose="020B0604020202020204" pitchFamily="34" charset="0"/>
+                <a:latin typeface="Times New Roman" panose="02020603050405020304" pitchFamily="18" charset="0"/>
+                <a:cs typeface="Times New Roman" panose="02020603050405020304" pitchFamily="18" charset="0"/>
               </a:rPr>
               <a:t>комп'ютера</a:t>
             </a:r>
@@ -6627,11 +6973,15 @@
                   <a:srgbClr val="172B53"/>
                 </a:solidFill>
                 <a:effectLst/>
-                <a:latin typeface="Arial" panose="020B0604020202020204" pitchFamily="34" charset="0"/>
+                <a:latin typeface="Times New Roman" panose="02020603050405020304" pitchFamily="18" charset="0"/>
+                <a:cs typeface="Times New Roman" panose="02020603050405020304" pitchFamily="18" charset="0"/>
               </a:rPr>
               <a:t>. </a:t>
             </a:r>
-            <a:endParaRPr lang="uk-UA" sz="2800" dirty="0"/>
+            <a:endParaRPr lang="uk-UA" sz="2800" dirty="0">
+              <a:latin typeface="Times New Roman" panose="02020603050405020304" pitchFamily="18" charset="0"/>
+              <a:cs typeface="Times New Roman" panose="02020603050405020304" pitchFamily="18" charset="0"/>
+            </a:endParaRPr>
           </a:p>
         </p:txBody>
       </p:sp>
@@ -6650,7 +7000,7 @@
         <p:spPr>
           <a:xfrm>
             <a:off x="480767" y="1819374"/>
-            <a:ext cx="6108569" cy="3170099"/>
+            <a:ext cx="6108569" cy="3785652"/>
           </a:xfrm>
           <a:prstGeom prst="rect">
             <a:avLst/>
@@ -6669,7 +7019,8 @@
                   <a:srgbClr val="000080"/>
                 </a:solidFill>
                 <a:effectLst/>
-                <a:latin typeface="Menlo"/>
+                <a:latin typeface="Courier New" panose="02070309020205020404" pitchFamily="49" charset="0"/>
+                <a:cs typeface="Courier New" panose="02070309020205020404" pitchFamily="49" charset="0"/>
               </a:rPr>
               <a:t>public</a:t>
             </a:r>
@@ -6679,7 +7030,8 @@
                   <a:srgbClr val="000000"/>
                 </a:solidFill>
                 <a:effectLst/>
-                <a:latin typeface="Menlo"/>
+                <a:latin typeface="Courier New" panose="02070309020205020404" pitchFamily="49" charset="0"/>
+                <a:cs typeface="Courier New" panose="02070309020205020404" pitchFamily="49" charset="0"/>
               </a:rPr>
               <a:t> </a:t>
             </a:r>
@@ -6689,7 +7041,8 @@
                   <a:srgbClr val="000080"/>
                 </a:solidFill>
                 <a:effectLst/>
-                <a:latin typeface="Menlo"/>
+                <a:latin typeface="Courier New" panose="02070309020205020404" pitchFamily="49" charset="0"/>
+                <a:cs typeface="Courier New" panose="02070309020205020404" pitchFamily="49" charset="0"/>
               </a:rPr>
               <a:t>class</a:t>
             </a:r>
@@ -6699,7 +7052,8 @@
                   <a:srgbClr val="000000"/>
                 </a:solidFill>
                 <a:effectLst/>
-                <a:latin typeface="Menlo"/>
+                <a:latin typeface="Courier New" panose="02070309020205020404" pitchFamily="49" charset="0"/>
+                <a:cs typeface="Courier New" panose="02070309020205020404" pitchFamily="49" charset="0"/>
               </a:rPr>
               <a:t> Main { </a:t>
             </a:r>
@@ -6711,7 +7065,8 @@
                   <a:srgbClr val="000080"/>
                 </a:solidFill>
                 <a:effectLst/>
-                <a:latin typeface="Menlo"/>
+                <a:latin typeface="Courier New" panose="02070309020205020404" pitchFamily="49" charset="0"/>
+                <a:cs typeface="Courier New" panose="02070309020205020404" pitchFamily="49" charset="0"/>
               </a:rPr>
               <a:t>public</a:t>
             </a:r>
@@ -6721,7 +7076,8 @@
                   <a:srgbClr val="000000"/>
                 </a:solidFill>
                 <a:effectLst/>
-                <a:latin typeface="Menlo"/>
+                <a:latin typeface="Courier New" panose="02070309020205020404" pitchFamily="49" charset="0"/>
+                <a:cs typeface="Courier New" panose="02070309020205020404" pitchFamily="49" charset="0"/>
               </a:rPr>
               <a:t> </a:t>
             </a:r>
@@ -6731,7 +7087,8 @@
                   <a:srgbClr val="000080"/>
                 </a:solidFill>
                 <a:effectLst/>
-                <a:latin typeface="Menlo"/>
+                <a:latin typeface="Courier New" panose="02070309020205020404" pitchFamily="49" charset="0"/>
+                <a:cs typeface="Courier New" panose="02070309020205020404" pitchFamily="49" charset="0"/>
               </a:rPr>
               <a:t>static</a:t>
             </a:r>
@@ -6741,7 +7098,8 @@
                   <a:srgbClr val="000000"/>
                 </a:solidFill>
                 <a:effectLst/>
-                <a:latin typeface="Menlo"/>
+                <a:latin typeface="Courier New" panose="02070309020205020404" pitchFamily="49" charset="0"/>
+                <a:cs typeface="Courier New" panose="02070309020205020404" pitchFamily="49" charset="0"/>
               </a:rPr>
               <a:t> </a:t>
             </a:r>
@@ -6751,7 +7109,8 @@
                   <a:srgbClr val="000080"/>
                 </a:solidFill>
                 <a:effectLst/>
-                <a:latin typeface="Menlo"/>
+                <a:latin typeface="Courier New" panose="02070309020205020404" pitchFamily="49" charset="0"/>
+                <a:cs typeface="Courier New" panose="02070309020205020404" pitchFamily="49" charset="0"/>
               </a:rPr>
               <a:t>void</a:t>
             </a:r>
@@ -6761,7 +7120,8 @@
                   <a:srgbClr val="000000"/>
                 </a:solidFill>
                 <a:effectLst/>
-                <a:latin typeface="Menlo"/>
+                <a:latin typeface="Courier New" panose="02070309020205020404" pitchFamily="49" charset="0"/>
+                <a:cs typeface="Courier New" panose="02070309020205020404" pitchFamily="49" charset="0"/>
               </a:rPr>
               <a:t> </a:t>
             </a:r>
@@ -6771,7 +7131,8 @@
                   <a:srgbClr val="900606"/>
                 </a:solidFill>
                 <a:effectLst/>
-                <a:latin typeface="Menlo"/>
+                <a:latin typeface="Courier New" panose="02070309020205020404" pitchFamily="49" charset="0"/>
+                <a:cs typeface="Courier New" panose="02070309020205020404" pitchFamily="49" charset="0"/>
               </a:rPr>
               <a:t>main</a:t>
             </a:r>
@@ -6781,7 +7142,8 @@
                   <a:srgbClr val="000000"/>
                 </a:solidFill>
                 <a:effectLst/>
-                <a:latin typeface="Menlo"/>
+                <a:latin typeface="Courier New" panose="02070309020205020404" pitchFamily="49" charset="0"/>
+                <a:cs typeface="Courier New" panose="02070309020205020404" pitchFamily="49" charset="0"/>
               </a:rPr>
               <a:t>(String[] </a:t>
             </a:r>
@@ -6791,7 +7153,8 @@
                   <a:srgbClr val="000000"/>
                 </a:solidFill>
                 <a:effectLst/>
-                <a:latin typeface="Menlo"/>
+                <a:latin typeface="Courier New" panose="02070309020205020404" pitchFamily="49" charset="0"/>
+                <a:cs typeface="Courier New" panose="02070309020205020404" pitchFamily="49" charset="0"/>
               </a:rPr>
               <a:t>args</a:t>
             </a:r>
@@ -6801,7 +7164,8 @@
                   <a:srgbClr val="000000"/>
                 </a:solidFill>
                 <a:effectLst/>
-                <a:latin typeface="Menlo"/>
+                <a:latin typeface="Courier New" panose="02070309020205020404" pitchFamily="49" charset="0"/>
+                <a:cs typeface="Courier New" panose="02070309020205020404" pitchFamily="49" charset="0"/>
               </a:rPr>
               <a:t>) { </a:t>
             </a:r>
@@ -6813,7 +7177,8 @@
                   <a:srgbClr val="000000"/>
                 </a:solidFill>
                 <a:effectLst/>
-                <a:latin typeface="Menlo"/>
+                <a:latin typeface="Courier New" panose="02070309020205020404" pitchFamily="49" charset="0"/>
+                <a:cs typeface="Courier New" panose="02070309020205020404" pitchFamily="49" charset="0"/>
               </a:rPr>
               <a:t>Scanner </a:t>
             </a:r>
@@ -6823,7 +7188,8 @@
                   <a:srgbClr val="000000"/>
                 </a:solidFill>
                 <a:effectLst/>
-                <a:latin typeface="Menlo"/>
+                <a:latin typeface="Courier New" panose="02070309020205020404" pitchFamily="49" charset="0"/>
+                <a:cs typeface="Courier New" panose="02070309020205020404" pitchFamily="49" charset="0"/>
               </a:rPr>
               <a:t>sc</a:t>
             </a:r>
@@ -6833,7 +7199,8 @@
                   <a:srgbClr val="000000"/>
                 </a:solidFill>
                 <a:effectLst/>
-                <a:latin typeface="Menlo"/>
+                <a:latin typeface="Courier New" panose="02070309020205020404" pitchFamily="49" charset="0"/>
+                <a:cs typeface="Courier New" panose="02070309020205020404" pitchFamily="49" charset="0"/>
               </a:rPr>
               <a:t> = </a:t>
             </a:r>
@@ -6843,7 +7210,8 @@
                   <a:srgbClr val="000080"/>
                 </a:solidFill>
                 <a:effectLst/>
-                <a:latin typeface="Menlo"/>
+                <a:latin typeface="Courier New" panose="02070309020205020404" pitchFamily="49" charset="0"/>
+                <a:cs typeface="Courier New" panose="02070309020205020404" pitchFamily="49" charset="0"/>
               </a:rPr>
               <a:t>new</a:t>
             </a:r>
@@ -6853,7 +7221,8 @@
                   <a:srgbClr val="000000"/>
                 </a:solidFill>
                 <a:effectLst/>
-                <a:latin typeface="Menlo"/>
+                <a:latin typeface="Courier New" panose="02070309020205020404" pitchFamily="49" charset="0"/>
+                <a:cs typeface="Courier New" panose="02070309020205020404" pitchFamily="49" charset="0"/>
               </a:rPr>
               <a:t> Scanner(System.in);</a:t>
             </a:r>
@@ -6865,7 +7234,8 @@
                   <a:srgbClr val="000000"/>
                 </a:solidFill>
                 <a:effectLst/>
-                <a:latin typeface="Menlo"/>
+                <a:latin typeface="Courier New" panose="02070309020205020404" pitchFamily="49" charset="0"/>
+                <a:cs typeface="Courier New" panose="02070309020205020404" pitchFamily="49" charset="0"/>
               </a:rPr>
               <a:t>System.out.</a:t>
             </a:r>
@@ -6875,7 +7245,8 @@
                   <a:srgbClr val="900606"/>
                 </a:solidFill>
                 <a:effectLst/>
-                <a:latin typeface="Menlo"/>
+                <a:latin typeface="Courier New" panose="02070309020205020404" pitchFamily="49" charset="0"/>
+                <a:cs typeface="Courier New" panose="02070309020205020404" pitchFamily="49" charset="0"/>
               </a:rPr>
               <a:t>println</a:t>
             </a:r>
@@ -6885,7 +7256,8 @@
                   <a:srgbClr val="000000"/>
                 </a:solidFill>
                 <a:effectLst/>
-                <a:latin typeface="Menlo"/>
+                <a:latin typeface="Courier New" panose="02070309020205020404" pitchFamily="49" charset="0"/>
+                <a:cs typeface="Courier New" panose="02070309020205020404" pitchFamily="49" charset="0"/>
               </a:rPr>
               <a:t>(</a:t>
             </a:r>
@@ -6895,7 +7267,8 @@
                   <a:srgbClr val="008000"/>
                 </a:solidFill>
                 <a:effectLst/>
-                <a:latin typeface="Menlo"/>
+                <a:latin typeface="Courier New" panose="02070309020205020404" pitchFamily="49" charset="0"/>
+                <a:cs typeface="Courier New" panose="02070309020205020404" pitchFamily="49" charset="0"/>
               </a:rPr>
               <a:t>"</a:t>
             </a:r>
@@ -6905,7 +7278,8 @@
                   <a:srgbClr val="008000"/>
                 </a:solidFill>
                 <a:effectLst/>
-                <a:latin typeface="Menlo"/>
+                <a:latin typeface="Courier New" panose="02070309020205020404" pitchFamily="49" charset="0"/>
+                <a:cs typeface="Courier New" panose="02070309020205020404" pitchFamily="49" charset="0"/>
               </a:rPr>
               <a:t>Введіть число:"</a:t>
             </a:r>
@@ -6915,7 +7289,8 @@
                   <a:srgbClr val="000000"/>
                 </a:solidFill>
                 <a:effectLst/>
-                <a:latin typeface="Menlo"/>
+                <a:latin typeface="Courier New" panose="02070309020205020404" pitchFamily="49" charset="0"/>
+                <a:cs typeface="Courier New" panose="02070309020205020404" pitchFamily="49" charset="0"/>
               </a:rPr>
               <a:t>); </a:t>
             </a:r>
@@ -6924,7 +7299,8 @@
                 <a:srgbClr val="000000"/>
               </a:solidFill>
               <a:effectLst/>
-              <a:latin typeface="Menlo"/>
+              <a:latin typeface="Courier New" panose="02070309020205020404" pitchFamily="49" charset="0"/>
+              <a:cs typeface="Courier New" panose="02070309020205020404" pitchFamily="49" charset="0"/>
             </a:endParaRPr>
           </a:p>
           <a:p>
@@ -6934,7 +7310,8 @@
                   <a:srgbClr val="000080"/>
                 </a:solidFill>
                 <a:effectLst/>
-                <a:latin typeface="Menlo"/>
+                <a:latin typeface="Courier New" panose="02070309020205020404" pitchFamily="49" charset="0"/>
+                <a:cs typeface="Courier New" panose="02070309020205020404" pitchFamily="49" charset="0"/>
               </a:rPr>
               <a:t>int</a:t>
             </a:r>
@@ -6944,7 +7321,8 @@
                   <a:srgbClr val="000000"/>
                 </a:solidFill>
                 <a:effectLst/>
-                <a:latin typeface="Menlo"/>
+                <a:latin typeface="Courier New" panose="02070309020205020404" pitchFamily="49" charset="0"/>
+                <a:cs typeface="Courier New" panose="02070309020205020404" pitchFamily="49" charset="0"/>
               </a:rPr>
               <a:t> number = </a:t>
             </a:r>
@@ -6954,7 +7332,8 @@
                   <a:srgbClr val="000000"/>
                 </a:solidFill>
                 <a:effectLst/>
-                <a:latin typeface="Menlo"/>
+                <a:latin typeface="Courier New" panose="02070309020205020404" pitchFamily="49" charset="0"/>
+                <a:cs typeface="Courier New" panose="02070309020205020404" pitchFamily="49" charset="0"/>
               </a:rPr>
               <a:t>sc.</a:t>
             </a:r>
@@ -6964,7 +7343,8 @@
                   <a:srgbClr val="900606"/>
                 </a:solidFill>
                 <a:effectLst/>
-                <a:latin typeface="Menlo"/>
+                <a:latin typeface="Courier New" panose="02070309020205020404" pitchFamily="49" charset="0"/>
+                <a:cs typeface="Courier New" panose="02070309020205020404" pitchFamily="49" charset="0"/>
               </a:rPr>
               <a:t>nextInt</a:t>
             </a:r>
@@ -6974,7 +7354,8 @@
                   <a:srgbClr val="000000"/>
                 </a:solidFill>
                 <a:effectLst/>
-                <a:latin typeface="Menlo"/>
+                <a:latin typeface="Courier New" panose="02070309020205020404" pitchFamily="49" charset="0"/>
+                <a:cs typeface="Courier New" panose="02070309020205020404" pitchFamily="49" charset="0"/>
               </a:rPr>
               <a:t>(); </a:t>
             </a:r>
@@ -6986,7 +7367,8 @@
                   <a:srgbClr val="000000"/>
                 </a:solidFill>
                 <a:effectLst/>
-                <a:latin typeface="Menlo"/>
+                <a:latin typeface="Courier New" panose="02070309020205020404" pitchFamily="49" charset="0"/>
+                <a:cs typeface="Courier New" panose="02070309020205020404" pitchFamily="49" charset="0"/>
               </a:rPr>
               <a:t>System.out.</a:t>
             </a:r>
@@ -6996,7 +7378,8 @@
                   <a:srgbClr val="900606"/>
                 </a:solidFill>
                 <a:effectLst/>
-                <a:latin typeface="Menlo"/>
+                <a:latin typeface="Courier New" panose="02070309020205020404" pitchFamily="49" charset="0"/>
+                <a:cs typeface="Courier New" panose="02070309020205020404" pitchFamily="49" charset="0"/>
               </a:rPr>
               <a:t>println</a:t>
             </a:r>
@@ -7006,7 +7389,8 @@
                   <a:srgbClr val="000000"/>
                 </a:solidFill>
                 <a:effectLst/>
-                <a:latin typeface="Menlo"/>
+                <a:latin typeface="Courier New" panose="02070309020205020404" pitchFamily="49" charset="0"/>
+                <a:cs typeface="Courier New" panose="02070309020205020404" pitchFamily="49" charset="0"/>
               </a:rPr>
               <a:t>(</a:t>
             </a:r>
@@ -7016,7 +7400,8 @@
                   <a:srgbClr val="008000"/>
                 </a:solidFill>
                 <a:effectLst/>
-                <a:latin typeface="Menlo"/>
+                <a:latin typeface="Courier New" panose="02070309020205020404" pitchFamily="49" charset="0"/>
+                <a:cs typeface="Courier New" panose="02070309020205020404" pitchFamily="49" charset="0"/>
               </a:rPr>
               <a:t>"</a:t>
             </a:r>
@@ -7026,7 +7411,8 @@
                   <a:srgbClr val="008000"/>
                 </a:solidFill>
                 <a:effectLst/>
-                <a:latin typeface="Menlo"/>
+                <a:latin typeface="Courier New" panose="02070309020205020404" pitchFamily="49" charset="0"/>
+                <a:cs typeface="Courier New" panose="02070309020205020404" pitchFamily="49" charset="0"/>
               </a:rPr>
               <a:t>Дякую! Ви ввели число "</a:t>
             </a:r>
@@ -7036,7 +7422,8 @@
                   <a:srgbClr val="000000"/>
                 </a:solidFill>
                 <a:effectLst/>
-                <a:latin typeface="Menlo"/>
+                <a:latin typeface="Courier New" panose="02070309020205020404" pitchFamily="49" charset="0"/>
+                <a:cs typeface="Courier New" panose="02070309020205020404" pitchFamily="49" charset="0"/>
               </a:rPr>
               <a:t> + </a:t>
             </a:r>
@@ -7046,7 +7433,8 @@
                   <a:srgbClr val="000000"/>
                 </a:solidFill>
                 <a:effectLst/>
-                <a:latin typeface="Menlo"/>
+                <a:latin typeface="Courier New" panose="02070309020205020404" pitchFamily="49" charset="0"/>
+                <a:cs typeface="Courier New" panose="02070309020205020404" pitchFamily="49" charset="0"/>
               </a:rPr>
               <a:t>number); </a:t>
             </a:r>
@@ -7058,7 +7446,8 @@
                   <a:srgbClr val="000000"/>
                 </a:solidFill>
                 <a:effectLst/>
-                <a:latin typeface="Menlo"/>
+                <a:latin typeface="Courier New" panose="02070309020205020404" pitchFamily="49" charset="0"/>
+                <a:cs typeface="Courier New" panose="02070309020205020404" pitchFamily="49" charset="0"/>
               </a:rPr>
               <a:t>sc.</a:t>
             </a:r>
@@ -7068,7 +7457,8 @@
                   <a:srgbClr val="900606"/>
                 </a:solidFill>
                 <a:effectLst/>
-                <a:latin typeface="Menlo"/>
+                <a:latin typeface="Courier New" panose="02070309020205020404" pitchFamily="49" charset="0"/>
+                <a:cs typeface="Courier New" panose="02070309020205020404" pitchFamily="49" charset="0"/>
               </a:rPr>
               <a:t>close</a:t>
             </a:r>
@@ -7078,21 +7468,24 @@
                   <a:srgbClr val="000000"/>
                 </a:solidFill>
                 <a:effectLst/>
-                <a:latin typeface="Menlo"/>
+                <a:latin typeface="Courier New" panose="02070309020205020404" pitchFamily="49" charset="0"/>
+                <a:cs typeface="Courier New" panose="02070309020205020404" pitchFamily="49" charset="0"/>
               </a:rPr>
               <a:t>();</a:t>
             </a:r>
             <a:r>
               <a:rPr lang="en-US" sz="2000" b="0" i="0" dirty="0">
                 <a:effectLst/>
-                <a:latin typeface="Menlo"/>
+                <a:latin typeface="Courier New" panose="02070309020205020404" pitchFamily="49" charset="0"/>
+                <a:cs typeface="Courier New" panose="02070309020205020404" pitchFamily="49" charset="0"/>
               </a:rPr>
               <a:t>// </a:t>
             </a:r>
             <a:r>
               <a:rPr lang="uk-UA" sz="2000" b="0" i="0" dirty="0">
                 <a:effectLst/>
-                <a:latin typeface="Menlo"/>
+                <a:latin typeface="Courier New" panose="02070309020205020404" pitchFamily="49" charset="0"/>
+                <a:cs typeface="Courier New" panose="02070309020205020404" pitchFamily="49" charset="0"/>
               </a:rPr>
               <a:t>ось тепер ми зробили все правильно!</a:t>
             </a:r>
@@ -7102,7 +7495,8 @@
                   <a:srgbClr val="000000"/>
                 </a:solidFill>
                 <a:effectLst/>
-                <a:latin typeface="Menlo"/>
+                <a:latin typeface="Courier New" panose="02070309020205020404" pitchFamily="49" charset="0"/>
+                <a:cs typeface="Courier New" panose="02070309020205020404" pitchFamily="49" charset="0"/>
               </a:rPr>
               <a:t> </a:t>
             </a:r>
@@ -7111,7 +7505,8 @@
                 <a:srgbClr val="000000"/>
               </a:solidFill>
               <a:effectLst/>
-              <a:latin typeface="Menlo"/>
+              <a:latin typeface="Courier New" panose="02070309020205020404" pitchFamily="49" charset="0"/>
+              <a:cs typeface="Courier New" panose="02070309020205020404" pitchFamily="49" charset="0"/>
             </a:endParaRPr>
           </a:p>
           <a:p>
@@ -7121,7 +7516,8 @@
                   <a:srgbClr val="000000"/>
                 </a:solidFill>
                 <a:effectLst/>
-                <a:latin typeface="Menlo"/>
+                <a:latin typeface="Courier New" panose="02070309020205020404" pitchFamily="49" charset="0"/>
+                <a:cs typeface="Courier New" panose="02070309020205020404" pitchFamily="49" charset="0"/>
               </a:rPr>
               <a:t>} </a:t>
             </a:r>
@@ -7130,7 +7526,8 @@
                 <a:srgbClr val="000000"/>
               </a:solidFill>
               <a:effectLst/>
-              <a:latin typeface="Menlo"/>
+              <a:latin typeface="Courier New" panose="02070309020205020404" pitchFamily="49" charset="0"/>
+              <a:cs typeface="Courier New" panose="02070309020205020404" pitchFamily="49" charset="0"/>
             </a:endParaRPr>
           </a:p>
           <a:p>
@@ -7140,11 +7537,15 @@
                   <a:srgbClr val="000000"/>
                 </a:solidFill>
                 <a:effectLst/>
-                <a:latin typeface="Menlo"/>
+                <a:latin typeface="Courier New" panose="02070309020205020404" pitchFamily="49" charset="0"/>
+                <a:cs typeface="Courier New" panose="02070309020205020404" pitchFamily="49" charset="0"/>
               </a:rPr>
               <a:t>}</a:t>
             </a:r>
-            <a:endParaRPr lang="uk-UA" sz="2000" dirty="0"/>
+            <a:endParaRPr lang="uk-UA" sz="2000" dirty="0">
+              <a:latin typeface="Courier New" panose="02070309020205020404" pitchFamily="49" charset="0"/>
+              <a:cs typeface="Courier New" panose="02070309020205020404" pitchFamily="49" charset="0"/>
+            </a:endParaRPr>
           </a:p>
         </p:txBody>
       </p:sp>
@@ -7178,14 +7579,23 @@
           <a:p>
             <a:pPr algn="ctr"/>
             <a:r>
-              <a:rPr lang="uk-UA" sz="3200" dirty="0"/>
+              <a:rPr lang="uk-UA" sz="3200" dirty="0">
+                <a:latin typeface="Times New Roman" panose="02020603050405020304" pitchFamily="18" charset="0"/>
+                <a:cs typeface="Times New Roman" panose="02020603050405020304" pitchFamily="18" charset="0"/>
+              </a:rPr>
               <a:t>Метод </a:t>
             </a:r>
             <a:r>
-              <a:rPr lang="en-US" sz="3200" dirty="0"/>
+              <a:rPr lang="en-US" sz="3200" dirty="0">
+                <a:latin typeface="Times New Roman" panose="02020603050405020304" pitchFamily="18" charset="0"/>
+                <a:cs typeface="Times New Roman" panose="02020603050405020304" pitchFamily="18" charset="0"/>
+              </a:rPr>
               <a:t>Close()</a:t>
             </a:r>
-            <a:endParaRPr lang="uk-UA" sz="3200" dirty="0"/>
+            <a:endParaRPr lang="uk-UA" sz="3200" dirty="0">
+              <a:latin typeface="Times New Roman" panose="02020603050405020304" pitchFamily="18" charset="0"/>
+              <a:cs typeface="Times New Roman" panose="02020603050405020304" pitchFamily="18" charset="0"/>
+            </a:endParaRPr>
           </a:p>
         </p:txBody>
       </p:sp>
@@ -7193,6 +7603,1123 @@
     <p:extLst>
       <p:ext uri="{BB962C8B-B14F-4D97-AF65-F5344CB8AC3E}">
         <p14:creationId xmlns:p14="http://schemas.microsoft.com/office/powerpoint/2010/main" val="1917930044"/>
+      </p:ext>
+    </p:extLst>
+  </p:cSld>
+  <p:clrMapOvr>
+    <a:masterClrMapping/>
+  </p:clrMapOvr>
+</p:sld>
+</file>
+
+<file path=ppt/slides/slide8.xml><?xml version="1.0" encoding="utf-8"?>
+<p:sld xmlns:a="http://schemas.openxmlformats.org/drawingml/2006/main" xmlns:r="http://schemas.openxmlformats.org/officeDocument/2006/relationships" xmlns:p="http://schemas.openxmlformats.org/presentationml/2006/main">
+  <p:cSld>
+    <p:spTree>
+      <p:nvGrpSpPr>
+        <p:cNvPr id="1" name=""/>
+        <p:cNvGrpSpPr/>
+        <p:nvPr/>
+      </p:nvGrpSpPr>
+      <p:grpSpPr>
+        <a:xfrm>
+          <a:off x="0" y="0"/>
+          <a:ext cx="0" cy="0"/>
+          <a:chOff x="0" y="0"/>
+          <a:chExt cx="0" cy="0"/>
+        </a:xfrm>
+      </p:grpSpPr>
+      <p:sp>
+        <p:nvSpPr>
+          <p:cNvPr id="81922" name="Заголовок 1"/>
+          <p:cNvSpPr>
+            <a:spLocks noGrp="1"/>
+          </p:cNvSpPr>
+          <p:nvPr>
+            <p:ph type="title"/>
+          </p:nvPr>
+        </p:nvSpPr>
+        <p:spPr>
+          <a:xfrm>
+            <a:off x="0" y="274638"/>
+            <a:ext cx="12192000" cy="627062"/>
+          </a:xfrm>
+        </p:spPr>
+        <p:txBody>
+          <a:bodyPr>
+            <a:normAutofit fontScale="90000"/>
+          </a:bodyPr>
+          <a:lstStyle/>
+          <a:p>
+            <a:pPr algn="ctr"/>
+            <a:r>
+              <a:rPr lang="uk-UA" altLang="ru-RU" dirty="0">
+                <a:latin typeface="Times New Roman" panose="02020603050405020304" pitchFamily="18" charset="0"/>
+                <a:cs typeface="Times New Roman" panose="02020603050405020304" pitchFamily="18" charset="0"/>
+              </a:rPr>
+              <a:t>Клас</a:t>
+            </a:r>
+            <a:r>
+              <a:rPr lang="ru-RU" altLang="ru-RU" dirty="0">
+                <a:latin typeface="Times New Roman" panose="02020603050405020304" pitchFamily="18" charset="0"/>
+                <a:cs typeface="Times New Roman" panose="02020603050405020304" pitchFamily="18" charset="0"/>
+              </a:rPr>
+              <a:t> </a:t>
+            </a:r>
+            <a:r>
+              <a:rPr lang="en-US" altLang="ru-RU" dirty="0">
+                <a:latin typeface="Times New Roman" panose="02020603050405020304" pitchFamily="18" charset="0"/>
+                <a:cs typeface="Times New Roman" panose="02020603050405020304" pitchFamily="18" charset="0"/>
+              </a:rPr>
+              <a:t>Scanner. </a:t>
+            </a:r>
+            <a:r>
+              <a:rPr lang="uk-UA" altLang="ru-RU" dirty="0">
+                <a:latin typeface="Times New Roman" panose="02020603050405020304" pitchFamily="18" charset="0"/>
+                <a:cs typeface="Times New Roman" panose="02020603050405020304" pitchFamily="18" charset="0"/>
+              </a:rPr>
+              <a:t>Коротко</a:t>
+            </a:r>
+            <a:endParaRPr lang="ru-RU" altLang="ru-RU" dirty="0">
+              <a:latin typeface="Times New Roman" panose="02020603050405020304" pitchFamily="18" charset="0"/>
+              <a:cs typeface="Times New Roman" panose="02020603050405020304" pitchFamily="18" charset="0"/>
+            </a:endParaRPr>
+          </a:p>
+        </p:txBody>
+      </p:sp>
+      <p:sp>
+        <p:nvSpPr>
+          <p:cNvPr id="80899" name="Объект 2"/>
+          <p:cNvSpPr>
+            <a:spLocks noGrp="1"/>
+          </p:cNvSpPr>
+          <p:nvPr>
+            <p:ph idx="1"/>
+          </p:nvPr>
+        </p:nvSpPr>
+        <p:spPr>
+          <a:xfrm>
+            <a:off x="1955800" y="965200"/>
+            <a:ext cx="8229600" cy="622300"/>
+          </a:xfrm>
+        </p:spPr>
+        <p:txBody>
+          <a:bodyPr>
+            <a:normAutofit fontScale="85000" lnSpcReduction="20000"/>
+          </a:bodyPr>
+          <a:lstStyle/>
+          <a:p>
+            <a:pPr>
+              <a:defRPr/>
+            </a:pPr>
+            <a:r>
+              <a:rPr lang="en-US" b="1" i="1" dirty="0" err="1">
+                <a:latin typeface="Times New Roman" panose="02020603050405020304" pitchFamily="18" charset="0"/>
+                <a:cs typeface="Times New Roman" panose="02020603050405020304" pitchFamily="18" charset="0"/>
+              </a:rPr>
+              <a:t>java.util.Scanner</a:t>
+            </a:r>
+            <a:r>
+              <a:rPr lang="en-US" dirty="0">
+                <a:latin typeface="Times New Roman" panose="02020603050405020304" pitchFamily="18" charset="0"/>
+                <a:cs typeface="Times New Roman" panose="02020603050405020304" pitchFamily="18" charset="0"/>
+              </a:rPr>
+              <a:t> – </a:t>
+            </a:r>
+            <a:r>
+              <a:rPr lang="uk-UA" dirty="0">
+                <a:latin typeface="Times New Roman" panose="02020603050405020304" pitchFamily="18" charset="0"/>
+                <a:cs typeface="Times New Roman" panose="02020603050405020304" pitchFamily="18" charset="0"/>
+              </a:rPr>
+              <a:t>текстовий сканер, який використовує регулярні вирази</a:t>
+            </a:r>
+            <a:endParaRPr lang="uk-UA" altLang="ru-RU" dirty="0">
+              <a:latin typeface="Times New Roman" panose="02020603050405020304" pitchFamily="18" charset="0"/>
+              <a:cs typeface="Times New Roman" panose="02020603050405020304" pitchFamily="18" charset="0"/>
+            </a:endParaRPr>
+          </a:p>
+        </p:txBody>
+      </p:sp>
+      <p:sp>
+        <p:nvSpPr>
+          <p:cNvPr id="81924" name="Стрелка вправо 6"/>
+          <p:cNvSpPr>
+            <a:spLocks noChangeArrowheads="1"/>
+          </p:cNvSpPr>
+          <p:nvPr/>
+        </p:nvSpPr>
+        <p:spPr bwMode="auto">
+          <a:xfrm>
+            <a:off x="6410325" y="1966913"/>
+            <a:ext cx="1270000" cy="557212"/>
+          </a:xfrm>
+          <a:prstGeom prst="rightArrow">
+            <a:avLst>
+              <a:gd name="adj1" fmla="val 50000"/>
+              <a:gd name="adj2" fmla="val 50016"/>
+            </a:avLst>
+          </a:prstGeom>
+          <a:solidFill>
+            <a:schemeClr val="accent1"/>
+          </a:solidFill>
+          <a:ln w="9525" algn="ctr">
+            <a:solidFill>
+              <a:schemeClr val="tx1"/>
+            </a:solidFill>
+            <a:round/>
+            <a:headEnd/>
+            <a:tailEnd/>
+          </a:ln>
+        </p:spPr>
+        <p:txBody>
+          <a:bodyPr wrap="none" lIns="90000" tIns="46800" rIns="90000" bIns="46800" anchor="ctr"/>
+          <a:lstStyle>
+            <a:lvl1pPr eaLnBrk="0" hangingPunct="0">
+              <a:spcAft>
+                <a:spcPct val="40000"/>
+              </a:spcAft>
+              <a:buClr>
+                <a:srgbClr val="004587"/>
+              </a:buClr>
+              <a:buFont typeface="Wingdings" panose="05000000000000000000" pitchFamily="2" charset="2"/>
+              <a:buChar char="§"/>
+              <a:defRPr sz="2000">
+                <a:solidFill>
+                  <a:schemeClr val="tx1"/>
+                </a:solidFill>
+                <a:latin typeface="Arial" panose="020B0604020202020204" pitchFamily="34" charset="0"/>
+                <a:cs typeface="Arial" panose="020B0604020202020204" pitchFamily="34" charset="0"/>
+              </a:defRPr>
+            </a:lvl1pPr>
+            <a:lvl2pPr marL="742950" indent="-285750" eaLnBrk="0" hangingPunct="0">
+              <a:spcAft>
+                <a:spcPct val="40000"/>
+              </a:spcAft>
+              <a:buClr>
+                <a:srgbClr val="004587"/>
+              </a:buClr>
+              <a:buChar char="–"/>
+              <a:defRPr>
+                <a:solidFill>
+                  <a:schemeClr val="tx1"/>
+                </a:solidFill>
+                <a:latin typeface="Arial" panose="020B0604020202020204" pitchFamily="34" charset="0"/>
+                <a:cs typeface="Arial" panose="020B0604020202020204" pitchFamily="34" charset="0"/>
+              </a:defRPr>
+            </a:lvl2pPr>
+            <a:lvl3pPr marL="1143000" indent="-228600" eaLnBrk="0" hangingPunct="0">
+              <a:spcAft>
+                <a:spcPct val="40000"/>
+              </a:spcAft>
+              <a:buClr>
+                <a:srgbClr val="004587"/>
+              </a:buClr>
+              <a:buChar char="•"/>
+              <a:defRPr sz="1600">
+                <a:solidFill>
+                  <a:schemeClr val="tx1"/>
+                </a:solidFill>
+                <a:latin typeface="Arial" panose="020B0604020202020204" pitchFamily="34" charset="0"/>
+                <a:cs typeface="Arial" panose="020B0604020202020204" pitchFamily="34" charset="0"/>
+              </a:defRPr>
+            </a:lvl3pPr>
+            <a:lvl4pPr marL="1600200" indent="-228600" eaLnBrk="0" hangingPunct="0">
+              <a:spcAft>
+                <a:spcPct val="40000"/>
+              </a:spcAft>
+              <a:buChar char="–"/>
+              <a:defRPr sz="2000">
+                <a:solidFill>
+                  <a:schemeClr val="tx1"/>
+                </a:solidFill>
+                <a:latin typeface="Arial" panose="020B0604020202020204" pitchFamily="34" charset="0"/>
+                <a:cs typeface="Arial" panose="020B0604020202020204" pitchFamily="34" charset="0"/>
+              </a:defRPr>
+            </a:lvl4pPr>
+            <a:lvl5pPr marL="2057400" indent="-228600" eaLnBrk="0" hangingPunct="0">
+              <a:spcAft>
+                <a:spcPct val="40000"/>
+              </a:spcAft>
+              <a:buChar char="»"/>
+              <a:defRPr sz="2000">
+                <a:solidFill>
+                  <a:schemeClr val="tx1"/>
+                </a:solidFill>
+                <a:latin typeface="Arial" panose="020B0604020202020204" pitchFamily="34" charset="0"/>
+                <a:cs typeface="Arial" panose="020B0604020202020204" pitchFamily="34" charset="0"/>
+              </a:defRPr>
+            </a:lvl5pPr>
+            <a:lvl6pPr marL="2514600" indent="-228600" eaLnBrk="0" fontAlgn="base" hangingPunct="0">
+              <a:spcBef>
+                <a:spcPct val="0"/>
+              </a:spcBef>
+              <a:spcAft>
+                <a:spcPct val="40000"/>
+              </a:spcAft>
+              <a:buChar char="»"/>
+              <a:defRPr sz="2000">
+                <a:solidFill>
+                  <a:schemeClr val="tx1"/>
+                </a:solidFill>
+                <a:latin typeface="Arial" panose="020B0604020202020204" pitchFamily="34" charset="0"/>
+                <a:cs typeface="Arial" panose="020B0604020202020204" pitchFamily="34" charset="0"/>
+              </a:defRPr>
+            </a:lvl6pPr>
+            <a:lvl7pPr marL="2971800" indent="-228600" eaLnBrk="0" fontAlgn="base" hangingPunct="0">
+              <a:spcBef>
+                <a:spcPct val="0"/>
+              </a:spcBef>
+              <a:spcAft>
+                <a:spcPct val="40000"/>
+              </a:spcAft>
+              <a:buChar char="»"/>
+              <a:defRPr sz="2000">
+                <a:solidFill>
+                  <a:schemeClr val="tx1"/>
+                </a:solidFill>
+                <a:latin typeface="Arial" panose="020B0604020202020204" pitchFamily="34" charset="0"/>
+                <a:cs typeface="Arial" panose="020B0604020202020204" pitchFamily="34" charset="0"/>
+              </a:defRPr>
+            </a:lvl7pPr>
+            <a:lvl8pPr marL="3429000" indent="-228600" eaLnBrk="0" fontAlgn="base" hangingPunct="0">
+              <a:spcBef>
+                <a:spcPct val="0"/>
+              </a:spcBef>
+              <a:spcAft>
+                <a:spcPct val="40000"/>
+              </a:spcAft>
+              <a:buChar char="»"/>
+              <a:defRPr sz="2000">
+                <a:solidFill>
+                  <a:schemeClr val="tx1"/>
+                </a:solidFill>
+                <a:latin typeface="Arial" panose="020B0604020202020204" pitchFamily="34" charset="0"/>
+                <a:cs typeface="Arial" panose="020B0604020202020204" pitchFamily="34" charset="0"/>
+              </a:defRPr>
+            </a:lvl8pPr>
+            <a:lvl9pPr marL="3886200" indent="-228600" eaLnBrk="0" fontAlgn="base" hangingPunct="0">
+              <a:spcBef>
+                <a:spcPct val="0"/>
+              </a:spcBef>
+              <a:spcAft>
+                <a:spcPct val="40000"/>
+              </a:spcAft>
+              <a:buChar char="»"/>
+              <a:defRPr sz="2000">
+                <a:solidFill>
+                  <a:schemeClr val="tx1"/>
+                </a:solidFill>
+                <a:latin typeface="Arial" panose="020B0604020202020204" pitchFamily="34" charset="0"/>
+                <a:cs typeface="Arial" panose="020B0604020202020204" pitchFamily="34" charset="0"/>
+              </a:defRPr>
+            </a:lvl9pPr>
+          </a:lstStyle>
+          <a:p>
+            <a:pPr eaLnBrk="1" hangingPunct="1">
+              <a:spcAft>
+                <a:spcPct val="0"/>
+              </a:spcAft>
+              <a:buClrTx/>
+              <a:buFontTx/>
+              <a:buNone/>
+            </a:pPr>
+            <a:endParaRPr lang="ru-RU" altLang="ru-RU"/>
+          </a:p>
+        </p:txBody>
+      </p:sp>
+      <p:sp>
+        <p:nvSpPr>
+          <p:cNvPr id="81925" name="Стрелка вправо 7"/>
+          <p:cNvSpPr>
+            <a:spLocks noChangeArrowheads="1"/>
+          </p:cNvSpPr>
+          <p:nvPr/>
+        </p:nvSpPr>
+        <p:spPr bwMode="auto">
+          <a:xfrm>
+            <a:off x="5913439" y="3746501"/>
+            <a:ext cx="1271587" cy="557213"/>
+          </a:xfrm>
+          <a:prstGeom prst="rightArrow">
+            <a:avLst>
+              <a:gd name="adj1" fmla="val 50000"/>
+              <a:gd name="adj2" fmla="val 50078"/>
+            </a:avLst>
+          </a:prstGeom>
+          <a:solidFill>
+            <a:schemeClr val="accent1"/>
+          </a:solidFill>
+          <a:ln w="9525" algn="ctr">
+            <a:solidFill>
+              <a:schemeClr val="tx1"/>
+            </a:solidFill>
+            <a:round/>
+            <a:headEnd/>
+            <a:tailEnd/>
+          </a:ln>
+        </p:spPr>
+        <p:txBody>
+          <a:bodyPr wrap="none" lIns="90000" tIns="46800" rIns="90000" bIns="46800" anchor="ctr"/>
+          <a:lstStyle>
+            <a:lvl1pPr eaLnBrk="0" hangingPunct="0">
+              <a:spcAft>
+                <a:spcPct val="40000"/>
+              </a:spcAft>
+              <a:buClr>
+                <a:srgbClr val="004587"/>
+              </a:buClr>
+              <a:buFont typeface="Wingdings" panose="05000000000000000000" pitchFamily="2" charset="2"/>
+              <a:buChar char="§"/>
+              <a:defRPr sz="2000">
+                <a:solidFill>
+                  <a:schemeClr val="tx1"/>
+                </a:solidFill>
+                <a:latin typeface="Arial" panose="020B0604020202020204" pitchFamily="34" charset="0"/>
+                <a:cs typeface="Arial" panose="020B0604020202020204" pitchFamily="34" charset="0"/>
+              </a:defRPr>
+            </a:lvl1pPr>
+            <a:lvl2pPr marL="742950" indent="-285750" eaLnBrk="0" hangingPunct="0">
+              <a:spcAft>
+                <a:spcPct val="40000"/>
+              </a:spcAft>
+              <a:buClr>
+                <a:srgbClr val="004587"/>
+              </a:buClr>
+              <a:buChar char="–"/>
+              <a:defRPr>
+                <a:solidFill>
+                  <a:schemeClr val="tx1"/>
+                </a:solidFill>
+                <a:latin typeface="Arial" panose="020B0604020202020204" pitchFamily="34" charset="0"/>
+                <a:cs typeface="Arial" panose="020B0604020202020204" pitchFamily="34" charset="0"/>
+              </a:defRPr>
+            </a:lvl2pPr>
+            <a:lvl3pPr marL="1143000" indent="-228600" eaLnBrk="0" hangingPunct="0">
+              <a:spcAft>
+                <a:spcPct val="40000"/>
+              </a:spcAft>
+              <a:buClr>
+                <a:srgbClr val="004587"/>
+              </a:buClr>
+              <a:buChar char="•"/>
+              <a:defRPr sz="1600">
+                <a:solidFill>
+                  <a:schemeClr val="tx1"/>
+                </a:solidFill>
+                <a:latin typeface="Arial" panose="020B0604020202020204" pitchFamily="34" charset="0"/>
+                <a:cs typeface="Arial" panose="020B0604020202020204" pitchFamily="34" charset="0"/>
+              </a:defRPr>
+            </a:lvl3pPr>
+            <a:lvl4pPr marL="1600200" indent="-228600" eaLnBrk="0" hangingPunct="0">
+              <a:spcAft>
+                <a:spcPct val="40000"/>
+              </a:spcAft>
+              <a:buChar char="–"/>
+              <a:defRPr sz="2000">
+                <a:solidFill>
+                  <a:schemeClr val="tx1"/>
+                </a:solidFill>
+                <a:latin typeface="Arial" panose="020B0604020202020204" pitchFamily="34" charset="0"/>
+                <a:cs typeface="Arial" panose="020B0604020202020204" pitchFamily="34" charset="0"/>
+              </a:defRPr>
+            </a:lvl4pPr>
+            <a:lvl5pPr marL="2057400" indent="-228600" eaLnBrk="0" hangingPunct="0">
+              <a:spcAft>
+                <a:spcPct val="40000"/>
+              </a:spcAft>
+              <a:buChar char="»"/>
+              <a:defRPr sz="2000">
+                <a:solidFill>
+                  <a:schemeClr val="tx1"/>
+                </a:solidFill>
+                <a:latin typeface="Arial" panose="020B0604020202020204" pitchFamily="34" charset="0"/>
+                <a:cs typeface="Arial" panose="020B0604020202020204" pitchFamily="34" charset="0"/>
+              </a:defRPr>
+            </a:lvl5pPr>
+            <a:lvl6pPr marL="2514600" indent="-228600" eaLnBrk="0" fontAlgn="base" hangingPunct="0">
+              <a:spcBef>
+                <a:spcPct val="0"/>
+              </a:spcBef>
+              <a:spcAft>
+                <a:spcPct val="40000"/>
+              </a:spcAft>
+              <a:buChar char="»"/>
+              <a:defRPr sz="2000">
+                <a:solidFill>
+                  <a:schemeClr val="tx1"/>
+                </a:solidFill>
+                <a:latin typeface="Arial" panose="020B0604020202020204" pitchFamily="34" charset="0"/>
+                <a:cs typeface="Arial" panose="020B0604020202020204" pitchFamily="34" charset="0"/>
+              </a:defRPr>
+            </a:lvl6pPr>
+            <a:lvl7pPr marL="2971800" indent="-228600" eaLnBrk="0" fontAlgn="base" hangingPunct="0">
+              <a:spcBef>
+                <a:spcPct val="0"/>
+              </a:spcBef>
+              <a:spcAft>
+                <a:spcPct val="40000"/>
+              </a:spcAft>
+              <a:buChar char="»"/>
+              <a:defRPr sz="2000">
+                <a:solidFill>
+                  <a:schemeClr val="tx1"/>
+                </a:solidFill>
+                <a:latin typeface="Arial" panose="020B0604020202020204" pitchFamily="34" charset="0"/>
+                <a:cs typeface="Arial" panose="020B0604020202020204" pitchFamily="34" charset="0"/>
+              </a:defRPr>
+            </a:lvl7pPr>
+            <a:lvl8pPr marL="3429000" indent="-228600" eaLnBrk="0" fontAlgn="base" hangingPunct="0">
+              <a:spcBef>
+                <a:spcPct val="0"/>
+              </a:spcBef>
+              <a:spcAft>
+                <a:spcPct val="40000"/>
+              </a:spcAft>
+              <a:buChar char="»"/>
+              <a:defRPr sz="2000">
+                <a:solidFill>
+                  <a:schemeClr val="tx1"/>
+                </a:solidFill>
+                <a:latin typeface="Arial" panose="020B0604020202020204" pitchFamily="34" charset="0"/>
+                <a:cs typeface="Arial" panose="020B0604020202020204" pitchFamily="34" charset="0"/>
+              </a:defRPr>
+            </a:lvl8pPr>
+            <a:lvl9pPr marL="3886200" indent="-228600" eaLnBrk="0" fontAlgn="base" hangingPunct="0">
+              <a:spcBef>
+                <a:spcPct val="0"/>
+              </a:spcBef>
+              <a:spcAft>
+                <a:spcPct val="40000"/>
+              </a:spcAft>
+              <a:buChar char="»"/>
+              <a:defRPr sz="2000">
+                <a:solidFill>
+                  <a:schemeClr val="tx1"/>
+                </a:solidFill>
+                <a:latin typeface="Arial" panose="020B0604020202020204" pitchFamily="34" charset="0"/>
+                <a:cs typeface="Arial" panose="020B0604020202020204" pitchFamily="34" charset="0"/>
+              </a:defRPr>
+            </a:lvl9pPr>
+          </a:lstStyle>
+          <a:p>
+            <a:pPr eaLnBrk="1" hangingPunct="1">
+              <a:spcAft>
+                <a:spcPct val="0"/>
+              </a:spcAft>
+              <a:buClrTx/>
+              <a:buFontTx/>
+              <a:buNone/>
+            </a:pPr>
+            <a:endParaRPr lang="ru-RU" altLang="ru-RU"/>
+          </a:p>
+        </p:txBody>
+      </p:sp>
+      <p:graphicFrame>
+        <p:nvGraphicFramePr>
+          <p:cNvPr id="81926" name="Объект 10"/>
+          <p:cNvGraphicFramePr>
+            <a:graphicFrameLocks noChangeAspect="1"/>
+          </p:cNvGraphicFramePr>
+          <p:nvPr/>
+        </p:nvGraphicFramePr>
+        <p:xfrm>
+          <a:off x="8016875" y="1485901"/>
+          <a:ext cx="558800" cy="1897063"/>
+        </p:xfrm>
+        <a:graphic>
+          <a:graphicData uri="http://schemas.openxmlformats.org/presentationml/2006/ole">
+            <mc:AlternateContent xmlns:mc="http://schemas.openxmlformats.org/markup-compatibility/2006">
+              <mc:Choice xmlns:v="urn:schemas-microsoft-com:vml" Requires="v">
+                <p:oleObj spid="_x0000_s2080" name="Visio" r:id="rId3" imgW="356322" imgH="1206063" progId="Visio.Drawing.11">
+                  <p:embed/>
+                </p:oleObj>
+              </mc:Choice>
+              <mc:Fallback>
+                <p:oleObj name="Visio" r:id="rId3" imgW="356322" imgH="1206063" progId="Visio.Drawing.11">
+                  <p:embed/>
+                  <p:pic>
+                    <p:nvPicPr>
+                      <p:cNvPr id="81926" name="Объект 10"/>
+                      <p:cNvPicPr>
+                        <a:picLocks noChangeAspect="1" noChangeArrowheads="1"/>
+                      </p:cNvPicPr>
+                      <p:nvPr/>
+                    </p:nvPicPr>
+                    <p:blipFill>
+                      <a:blip r:embed="rId4">
+                        <a:extLst>
+                          <a:ext uri="{28A0092B-C50C-407E-A947-70E740481C1C}">
+                            <a14:useLocalDpi xmlns:a14="http://schemas.microsoft.com/office/drawing/2010/main" val="0"/>
+                          </a:ext>
+                        </a:extLst>
+                      </a:blip>
+                      <a:srcRect/>
+                      <a:stretch>
+                        <a:fillRect/>
+                      </a:stretch>
+                    </p:blipFill>
+                    <p:spPr bwMode="auto">
+                      <a:xfrm>
+                        <a:off x="8016875" y="1485901"/>
+                        <a:ext cx="558800" cy="1897063"/>
+                      </a:xfrm>
+                      <a:prstGeom prst="rect">
+                        <a:avLst/>
+                      </a:prstGeom>
+                      <a:noFill/>
+                      <a:ln>
+                        <a:noFill/>
+                      </a:ln>
+                      <a:extLst>
+                        <a:ext uri="{909E8E84-426E-40DD-AFC4-6F175D3DCCD1}">
+                          <a14:hiddenFill xmlns:a14="http://schemas.microsoft.com/office/drawing/2010/main">
+                            <a:solidFill>
+                              <a:srgbClr val="FFFFFF"/>
+                            </a:solidFill>
+                          </a14:hiddenFill>
+                        </a:ext>
+                        <a:ext uri="{91240B29-F687-4F45-9708-019B960494DF}">
+                          <a14:hiddenLine xmlns:a14="http://schemas.microsoft.com/office/drawing/2010/main" w="9525">
+                            <a:solidFill>
+                              <a:srgbClr val="000000"/>
+                            </a:solidFill>
+                            <a:miter lim="800000"/>
+                            <a:headEnd/>
+                            <a:tailEnd/>
+                          </a14:hiddenLine>
+                        </a:ext>
+                      </a:extLst>
+                    </p:spPr>
+                  </p:pic>
+                </p:oleObj>
+              </mc:Fallback>
+            </mc:AlternateContent>
+          </a:graphicData>
+        </a:graphic>
+      </p:graphicFrame>
+      <p:graphicFrame>
+        <p:nvGraphicFramePr>
+          <p:cNvPr id="81927" name="Объект 11"/>
+          <p:cNvGraphicFramePr>
+            <a:graphicFrameLocks noChangeAspect="1"/>
+          </p:cNvGraphicFramePr>
+          <p:nvPr/>
+        </p:nvGraphicFramePr>
+        <p:xfrm>
+          <a:off x="7502525" y="3795714"/>
+          <a:ext cx="1989138" cy="458787"/>
+        </p:xfrm>
+        <a:graphic>
+          <a:graphicData uri="http://schemas.openxmlformats.org/presentationml/2006/ole">
+            <mc:AlternateContent xmlns:mc="http://schemas.openxmlformats.org/markup-compatibility/2006">
+              <mc:Choice xmlns:v="urn:schemas-microsoft-com:vml" Requires="v">
+                <p:oleObj spid="_x0000_s2081" name="Visio" r:id="rId5" imgW="1266023" imgH="291798" progId="Visio.Drawing.11">
+                  <p:embed/>
+                </p:oleObj>
+              </mc:Choice>
+              <mc:Fallback>
+                <p:oleObj name="Visio" r:id="rId5" imgW="1266023" imgH="291798" progId="Visio.Drawing.11">
+                  <p:embed/>
+                  <p:pic>
+                    <p:nvPicPr>
+                      <p:cNvPr id="81927" name="Объект 11"/>
+                      <p:cNvPicPr>
+                        <a:picLocks noChangeAspect="1" noChangeArrowheads="1"/>
+                      </p:cNvPicPr>
+                      <p:nvPr/>
+                    </p:nvPicPr>
+                    <p:blipFill>
+                      <a:blip r:embed="rId6">
+                        <a:extLst>
+                          <a:ext uri="{28A0092B-C50C-407E-A947-70E740481C1C}">
+                            <a14:useLocalDpi xmlns:a14="http://schemas.microsoft.com/office/drawing/2010/main" val="0"/>
+                          </a:ext>
+                        </a:extLst>
+                      </a:blip>
+                      <a:srcRect/>
+                      <a:stretch>
+                        <a:fillRect/>
+                      </a:stretch>
+                    </p:blipFill>
+                    <p:spPr bwMode="auto">
+                      <a:xfrm>
+                        <a:off x="7502525" y="3795714"/>
+                        <a:ext cx="1989138" cy="458787"/>
+                      </a:xfrm>
+                      <a:prstGeom prst="rect">
+                        <a:avLst/>
+                      </a:prstGeom>
+                      <a:noFill/>
+                      <a:ln>
+                        <a:noFill/>
+                      </a:ln>
+                      <a:extLst>
+                        <a:ext uri="{909E8E84-426E-40DD-AFC4-6F175D3DCCD1}">
+                          <a14:hiddenFill xmlns:a14="http://schemas.microsoft.com/office/drawing/2010/main">
+                            <a:solidFill>
+                              <a:srgbClr val="FFFFFF"/>
+                            </a:solidFill>
+                          </a14:hiddenFill>
+                        </a:ext>
+                        <a:ext uri="{91240B29-F687-4F45-9708-019B960494DF}">
+                          <a14:hiddenLine xmlns:a14="http://schemas.microsoft.com/office/drawing/2010/main" w="9525">
+                            <a:solidFill>
+                              <a:srgbClr val="000000"/>
+                            </a:solidFill>
+                            <a:miter lim="800000"/>
+                            <a:headEnd/>
+                            <a:tailEnd/>
+                          </a14:hiddenLine>
+                        </a:ext>
+                      </a:extLst>
+                    </p:spPr>
+                  </p:pic>
+                </p:oleObj>
+              </mc:Fallback>
+            </mc:AlternateContent>
+          </a:graphicData>
+        </a:graphic>
+      </p:graphicFrame>
+      <p:graphicFrame>
+        <p:nvGraphicFramePr>
+          <p:cNvPr id="81928" name="Объект 2"/>
+          <p:cNvGraphicFramePr>
+            <a:graphicFrameLocks noChangeAspect="1"/>
+          </p:cNvGraphicFramePr>
+          <p:nvPr/>
+        </p:nvGraphicFramePr>
+        <p:xfrm>
+          <a:off x="1931988" y="1665289"/>
+          <a:ext cx="4191000" cy="3144837"/>
+        </p:xfrm>
+        <a:graphic>
+          <a:graphicData uri="http://schemas.openxmlformats.org/presentationml/2006/ole">
+            <mc:AlternateContent xmlns:mc="http://schemas.openxmlformats.org/markup-compatibility/2006">
+              <mc:Choice xmlns:v="urn:schemas-microsoft-com:vml" Requires="v">
+                <p:oleObj spid="_x0000_s2082" name="Visio" r:id="rId7" imgW="2993104" imgH="2246117" progId="Visio.Drawing.11">
+                  <p:embed/>
+                </p:oleObj>
+              </mc:Choice>
+              <mc:Fallback>
+                <p:oleObj name="Visio" r:id="rId7" imgW="2993104" imgH="2246117" progId="Visio.Drawing.11">
+                  <p:embed/>
+                  <p:pic>
+                    <p:nvPicPr>
+                      <p:cNvPr id="81928" name="Объект 2"/>
+                      <p:cNvPicPr>
+                        <a:picLocks noChangeAspect="1" noChangeArrowheads="1"/>
+                      </p:cNvPicPr>
+                      <p:nvPr/>
+                    </p:nvPicPr>
+                    <p:blipFill>
+                      <a:blip r:embed="rId8">
+                        <a:extLst>
+                          <a:ext uri="{28A0092B-C50C-407E-A947-70E740481C1C}">
+                            <a14:useLocalDpi xmlns:a14="http://schemas.microsoft.com/office/drawing/2010/main" val="0"/>
+                          </a:ext>
+                        </a:extLst>
+                      </a:blip>
+                      <a:srcRect/>
+                      <a:stretch>
+                        <a:fillRect/>
+                      </a:stretch>
+                    </p:blipFill>
+                    <p:spPr bwMode="auto">
+                      <a:xfrm>
+                        <a:off x="1931988" y="1665289"/>
+                        <a:ext cx="4191000" cy="3144837"/>
+                      </a:xfrm>
+                      <a:prstGeom prst="rect">
+                        <a:avLst/>
+                      </a:prstGeom>
+                      <a:noFill/>
+                      <a:ln>
+                        <a:noFill/>
+                      </a:ln>
+                      <a:extLst>
+                        <a:ext uri="{909E8E84-426E-40DD-AFC4-6F175D3DCCD1}">
+                          <a14:hiddenFill xmlns:a14="http://schemas.microsoft.com/office/drawing/2010/main">
+                            <a:solidFill>
+                              <a:srgbClr val="FFFFFF"/>
+                            </a:solidFill>
+                          </a14:hiddenFill>
+                        </a:ext>
+                        <a:ext uri="{91240B29-F687-4F45-9708-019B960494DF}">
+                          <a14:hiddenLine xmlns:a14="http://schemas.microsoft.com/office/drawing/2010/main" w="9525">
+                            <a:solidFill>
+                              <a:srgbClr val="000000"/>
+                            </a:solidFill>
+                            <a:miter lim="800000"/>
+                            <a:headEnd/>
+                            <a:tailEnd/>
+                          </a14:hiddenLine>
+                        </a:ext>
+                      </a:extLst>
+                    </p:spPr>
+                  </p:pic>
+                </p:oleObj>
+              </mc:Fallback>
+            </mc:AlternateContent>
+          </a:graphicData>
+        </a:graphic>
+      </p:graphicFrame>
+      <p:sp>
+        <p:nvSpPr>
+          <p:cNvPr id="81929" name="Стрелка вправо 8"/>
+          <p:cNvSpPr>
+            <a:spLocks noChangeArrowheads="1"/>
+          </p:cNvSpPr>
+          <p:nvPr/>
+        </p:nvSpPr>
+        <p:spPr bwMode="auto">
+          <a:xfrm>
+            <a:off x="6419850" y="5403851"/>
+            <a:ext cx="1270000" cy="557213"/>
+          </a:xfrm>
+          <a:prstGeom prst="rightArrow">
+            <a:avLst>
+              <a:gd name="adj1" fmla="val 50000"/>
+              <a:gd name="adj2" fmla="val 50016"/>
+            </a:avLst>
+          </a:prstGeom>
+          <a:solidFill>
+            <a:schemeClr val="accent1"/>
+          </a:solidFill>
+          <a:ln w="9525" algn="ctr">
+            <a:solidFill>
+              <a:schemeClr val="tx1"/>
+            </a:solidFill>
+            <a:round/>
+            <a:headEnd/>
+            <a:tailEnd/>
+          </a:ln>
+        </p:spPr>
+        <p:txBody>
+          <a:bodyPr wrap="none" lIns="90000" tIns="46800" rIns="90000" bIns="46800" anchor="ctr"/>
+          <a:lstStyle>
+            <a:lvl1pPr eaLnBrk="0" hangingPunct="0">
+              <a:spcAft>
+                <a:spcPct val="40000"/>
+              </a:spcAft>
+              <a:buClr>
+                <a:srgbClr val="004587"/>
+              </a:buClr>
+              <a:buFont typeface="Wingdings" panose="05000000000000000000" pitchFamily="2" charset="2"/>
+              <a:buChar char="§"/>
+              <a:defRPr sz="2000">
+                <a:solidFill>
+                  <a:schemeClr val="tx1"/>
+                </a:solidFill>
+                <a:latin typeface="Arial" panose="020B0604020202020204" pitchFamily="34" charset="0"/>
+                <a:cs typeface="Arial" panose="020B0604020202020204" pitchFamily="34" charset="0"/>
+              </a:defRPr>
+            </a:lvl1pPr>
+            <a:lvl2pPr marL="742950" indent="-285750" eaLnBrk="0" hangingPunct="0">
+              <a:spcAft>
+                <a:spcPct val="40000"/>
+              </a:spcAft>
+              <a:buClr>
+                <a:srgbClr val="004587"/>
+              </a:buClr>
+              <a:buChar char="–"/>
+              <a:defRPr>
+                <a:solidFill>
+                  <a:schemeClr val="tx1"/>
+                </a:solidFill>
+                <a:latin typeface="Arial" panose="020B0604020202020204" pitchFamily="34" charset="0"/>
+                <a:cs typeface="Arial" panose="020B0604020202020204" pitchFamily="34" charset="0"/>
+              </a:defRPr>
+            </a:lvl2pPr>
+            <a:lvl3pPr marL="1143000" indent="-228600" eaLnBrk="0" hangingPunct="0">
+              <a:spcAft>
+                <a:spcPct val="40000"/>
+              </a:spcAft>
+              <a:buClr>
+                <a:srgbClr val="004587"/>
+              </a:buClr>
+              <a:buChar char="•"/>
+              <a:defRPr sz="1600">
+                <a:solidFill>
+                  <a:schemeClr val="tx1"/>
+                </a:solidFill>
+                <a:latin typeface="Arial" panose="020B0604020202020204" pitchFamily="34" charset="0"/>
+                <a:cs typeface="Arial" panose="020B0604020202020204" pitchFamily="34" charset="0"/>
+              </a:defRPr>
+            </a:lvl3pPr>
+            <a:lvl4pPr marL="1600200" indent="-228600" eaLnBrk="0" hangingPunct="0">
+              <a:spcAft>
+                <a:spcPct val="40000"/>
+              </a:spcAft>
+              <a:buChar char="–"/>
+              <a:defRPr sz="2000">
+                <a:solidFill>
+                  <a:schemeClr val="tx1"/>
+                </a:solidFill>
+                <a:latin typeface="Arial" panose="020B0604020202020204" pitchFamily="34" charset="0"/>
+                <a:cs typeface="Arial" panose="020B0604020202020204" pitchFamily="34" charset="0"/>
+              </a:defRPr>
+            </a:lvl4pPr>
+            <a:lvl5pPr marL="2057400" indent="-228600" eaLnBrk="0" hangingPunct="0">
+              <a:spcAft>
+                <a:spcPct val="40000"/>
+              </a:spcAft>
+              <a:buChar char="»"/>
+              <a:defRPr sz="2000">
+                <a:solidFill>
+                  <a:schemeClr val="tx1"/>
+                </a:solidFill>
+                <a:latin typeface="Arial" panose="020B0604020202020204" pitchFamily="34" charset="0"/>
+                <a:cs typeface="Arial" panose="020B0604020202020204" pitchFamily="34" charset="0"/>
+              </a:defRPr>
+            </a:lvl5pPr>
+            <a:lvl6pPr marL="2514600" indent="-228600" eaLnBrk="0" fontAlgn="base" hangingPunct="0">
+              <a:spcBef>
+                <a:spcPct val="0"/>
+              </a:spcBef>
+              <a:spcAft>
+                <a:spcPct val="40000"/>
+              </a:spcAft>
+              <a:buChar char="»"/>
+              <a:defRPr sz="2000">
+                <a:solidFill>
+                  <a:schemeClr val="tx1"/>
+                </a:solidFill>
+                <a:latin typeface="Arial" panose="020B0604020202020204" pitchFamily="34" charset="0"/>
+                <a:cs typeface="Arial" panose="020B0604020202020204" pitchFamily="34" charset="0"/>
+              </a:defRPr>
+            </a:lvl6pPr>
+            <a:lvl7pPr marL="2971800" indent="-228600" eaLnBrk="0" fontAlgn="base" hangingPunct="0">
+              <a:spcBef>
+                <a:spcPct val="0"/>
+              </a:spcBef>
+              <a:spcAft>
+                <a:spcPct val="40000"/>
+              </a:spcAft>
+              <a:buChar char="»"/>
+              <a:defRPr sz="2000">
+                <a:solidFill>
+                  <a:schemeClr val="tx1"/>
+                </a:solidFill>
+                <a:latin typeface="Arial" panose="020B0604020202020204" pitchFamily="34" charset="0"/>
+                <a:cs typeface="Arial" panose="020B0604020202020204" pitchFamily="34" charset="0"/>
+              </a:defRPr>
+            </a:lvl7pPr>
+            <a:lvl8pPr marL="3429000" indent="-228600" eaLnBrk="0" fontAlgn="base" hangingPunct="0">
+              <a:spcBef>
+                <a:spcPct val="0"/>
+              </a:spcBef>
+              <a:spcAft>
+                <a:spcPct val="40000"/>
+              </a:spcAft>
+              <a:buChar char="»"/>
+              <a:defRPr sz="2000">
+                <a:solidFill>
+                  <a:schemeClr val="tx1"/>
+                </a:solidFill>
+                <a:latin typeface="Arial" panose="020B0604020202020204" pitchFamily="34" charset="0"/>
+                <a:cs typeface="Arial" panose="020B0604020202020204" pitchFamily="34" charset="0"/>
+              </a:defRPr>
+            </a:lvl8pPr>
+            <a:lvl9pPr marL="3886200" indent="-228600" eaLnBrk="0" fontAlgn="base" hangingPunct="0">
+              <a:spcBef>
+                <a:spcPct val="0"/>
+              </a:spcBef>
+              <a:spcAft>
+                <a:spcPct val="40000"/>
+              </a:spcAft>
+              <a:buChar char="»"/>
+              <a:defRPr sz="2000">
+                <a:solidFill>
+                  <a:schemeClr val="tx1"/>
+                </a:solidFill>
+                <a:latin typeface="Arial" panose="020B0604020202020204" pitchFamily="34" charset="0"/>
+                <a:cs typeface="Arial" panose="020B0604020202020204" pitchFamily="34" charset="0"/>
+              </a:defRPr>
+            </a:lvl9pPr>
+          </a:lstStyle>
+          <a:p>
+            <a:pPr eaLnBrk="1" hangingPunct="1">
+              <a:spcAft>
+                <a:spcPct val="0"/>
+              </a:spcAft>
+              <a:buClrTx/>
+              <a:buFontTx/>
+              <a:buNone/>
+            </a:pPr>
+            <a:endParaRPr lang="ru-RU" altLang="ru-RU"/>
+          </a:p>
+        </p:txBody>
+      </p:sp>
+      <p:graphicFrame>
+        <p:nvGraphicFramePr>
+          <p:cNvPr id="81930" name="Объект 12"/>
+          <p:cNvGraphicFramePr>
+            <a:graphicFrameLocks noChangeAspect="1"/>
+          </p:cNvGraphicFramePr>
+          <p:nvPr/>
+        </p:nvGraphicFramePr>
+        <p:xfrm>
+          <a:off x="7969250" y="5213351"/>
+          <a:ext cx="2101850" cy="938213"/>
+        </p:xfrm>
+        <a:graphic>
+          <a:graphicData uri="http://schemas.openxmlformats.org/presentationml/2006/ole">
+            <mc:AlternateContent xmlns:mc="http://schemas.openxmlformats.org/markup-compatibility/2006">
+              <mc:Choice xmlns:v="urn:schemas-microsoft-com:vml" Requires="v">
+                <p:oleObj spid="_x0000_s2083" name="Visio" r:id="rId9" imgW="1335937" imgH="596553" progId="Visio.Drawing.11">
+                  <p:embed/>
+                </p:oleObj>
+              </mc:Choice>
+              <mc:Fallback>
+                <p:oleObj name="Visio" r:id="rId9" imgW="1335937" imgH="596553" progId="Visio.Drawing.11">
+                  <p:embed/>
+                  <p:pic>
+                    <p:nvPicPr>
+                      <p:cNvPr id="81930" name="Объект 12"/>
+                      <p:cNvPicPr>
+                        <a:picLocks noChangeAspect="1" noChangeArrowheads="1"/>
+                      </p:cNvPicPr>
+                      <p:nvPr/>
+                    </p:nvPicPr>
+                    <p:blipFill>
+                      <a:blip r:embed="rId10">
+                        <a:extLst>
+                          <a:ext uri="{28A0092B-C50C-407E-A947-70E740481C1C}">
+                            <a14:useLocalDpi xmlns:a14="http://schemas.microsoft.com/office/drawing/2010/main" val="0"/>
+                          </a:ext>
+                        </a:extLst>
+                      </a:blip>
+                      <a:srcRect/>
+                      <a:stretch>
+                        <a:fillRect/>
+                      </a:stretch>
+                    </p:blipFill>
+                    <p:spPr bwMode="auto">
+                      <a:xfrm>
+                        <a:off x="7969250" y="5213351"/>
+                        <a:ext cx="2101850" cy="938213"/>
+                      </a:xfrm>
+                      <a:prstGeom prst="rect">
+                        <a:avLst/>
+                      </a:prstGeom>
+                      <a:noFill/>
+                      <a:ln>
+                        <a:noFill/>
+                      </a:ln>
+                      <a:extLst>
+                        <a:ext uri="{909E8E84-426E-40DD-AFC4-6F175D3DCCD1}">
+                          <a14:hiddenFill xmlns:a14="http://schemas.microsoft.com/office/drawing/2010/main">
+                            <a:solidFill>
+                              <a:srgbClr val="FFFFFF"/>
+                            </a:solidFill>
+                          </a14:hiddenFill>
+                        </a:ext>
+                        <a:ext uri="{91240B29-F687-4F45-9708-019B960494DF}">
+                          <a14:hiddenLine xmlns:a14="http://schemas.microsoft.com/office/drawing/2010/main" w="9525">
+                            <a:solidFill>
+                              <a:srgbClr val="000000"/>
+                            </a:solidFill>
+                            <a:miter lim="800000"/>
+                            <a:headEnd/>
+                            <a:tailEnd/>
+                          </a14:hiddenLine>
+                        </a:ext>
+                      </a:extLst>
+                    </p:spPr>
+                  </p:pic>
+                </p:oleObj>
+              </mc:Fallback>
+            </mc:AlternateContent>
+          </a:graphicData>
+        </a:graphic>
+      </p:graphicFrame>
+      <p:graphicFrame>
+        <p:nvGraphicFramePr>
+          <p:cNvPr id="81931" name="Объект 13"/>
+          <p:cNvGraphicFramePr>
+            <a:graphicFrameLocks noChangeAspect="1"/>
+          </p:cNvGraphicFramePr>
+          <p:nvPr/>
+        </p:nvGraphicFramePr>
+        <p:xfrm>
+          <a:off x="1943101" y="4933951"/>
+          <a:ext cx="5203825" cy="1490663"/>
+        </p:xfrm>
+        <a:graphic>
+          <a:graphicData uri="http://schemas.openxmlformats.org/presentationml/2006/ole">
+            <mc:AlternateContent xmlns:mc="http://schemas.openxmlformats.org/markup-compatibility/2006">
+              <mc:Choice xmlns:v="urn:schemas-microsoft-com:vml" Requires="v">
+                <p:oleObj spid="_x0000_s2084" name="Visio" r:id="rId11" imgW="3717356" imgH="1065698" progId="Visio.Drawing.11">
+                  <p:embed/>
+                </p:oleObj>
+              </mc:Choice>
+              <mc:Fallback>
+                <p:oleObj name="Visio" r:id="rId11" imgW="3717356" imgH="1065698" progId="Visio.Drawing.11">
+                  <p:embed/>
+                  <p:pic>
+                    <p:nvPicPr>
+                      <p:cNvPr id="81931" name="Объект 13"/>
+                      <p:cNvPicPr>
+                        <a:picLocks noChangeAspect="1" noChangeArrowheads="1"/>
+                      </p:cNvPicPr>
+                      <p:nvPr/>
+                    </p:nvPicPr>
+                    <p:blipFill>
+                      <a:blip r:embed="rId12">
+                        <a:extLst>
+                          <a:ext uri="{28A0092B-C50C-407E-A947-70E740481C1C}">
+                            <a14:useLocalDpi xmlns:a14="http://schemas.microsoft.com/office/drawing/2010/main" val="0"/>
+                          </a:ext>
+                        </a:extLst>
+                      </a:blip>
+                      <a:srcRect/>
+                      <a:stretch>
+                        <a:fillRect/>
+                      </a:stretch>
+                    </p:blipFill>
+                    <p:spPr bwMode="auto">
+                      <a:xfrm>
+                        <a:off x="1943101" y="4933951"/>
+                        <a:ext cx="5203825" cy="1490663"/>
+                      </a:xfrm>
+                      <a:prstGeom prst="rect">
+                        <a:avLst/>
+                      </a:prstGeom>
+                      <a:noFill/>
+                      <a:ln>
+                        <a:noFill/>
+                      </a:ln>
+                      <a:extLst>
+                        <a:ext uri="{909E8E84-426E-40DD-AFC4-6F175D3DCCD1}">
+                          <a14:hiddenFill xmlns:a14="http://schemas.microsoft.com/office/drawing/2010/main">
+                            <a:solidFill>
+                              <a:srgbClr val="FFFFFF"/>
+                            </a:solidFill>
+                          </a14:hiddenFill>
+                        </a:ext>
+                        <a:ext uri="{91240B29-F687-4F45-9708-019B960494DF}">
+                          <a14:hiddenLine xmlns:a14="http://schemas.microsoft.com/office/drawing/2010/main" w="9525">
+                            <a:solidFill>
+                              <a:srgbClr val="000000"/>
+                            </a:solidFill>
+                            <a:miter lim="800000"/>
+                            <a:headEnd/>
+                            <a:tailEnd/>
+                          </a14:hiddenLine>
+                        </a:ext>
+                      </a:extLst>
+                    </p:spPr>
+                  </p:pic>
+                </p:oleObj>
+              </mc:Fallback>
+            </mc:AlternateContent>
+          </a:graphicData>
+        </a:graphic>
+      </p:graphicFrame>
+    </p:spTree>
+    <p:extLst>
+      <p:ext uri="{BB962C8B-B14F-4D97-AF65-F5344CB8AC3E}">
+        <p14:creationId xmlns:p14="http://schemas.microsoft.com/office/powerpoint/2010/main" val="2322014862"/>
       </p:ext>
     </p:extLst>
   </p:cSld>

--- a/Java Урок 4 Scanner.pptx
+++ b/Java Урок 4 Scanner.pptx
@@ -268,7 +268,7 @@
           <a:p>
             <a:fld id="{4A74A044-6ACB-4A16-9430-2523088896B9}" type="datetimeFigureOut">
               <a:rPr lang="uk-UA" smtClean="0"/>
-              <a:t>19.12.2023</a:t>
+              <a:t>12.01.2024</a:t>
             </a:fld>
             <a:endParaRPr lang="uk-UA"/>
           </a:p>
@@ -468,7 +468,7 @@
           <a:p>
             <a:fld id="{4A74A044-6ACB-4A16-9430-2523088896B9}" type="datetimeFigureOut">
               <a:rPr lang="uk-UA" smtClean="0"/>
-              <a:t>19.12.2023</a:t>
+              <a:t>12.01.2024</a:t>
             </a:fld>
             <a:endParaRPr lang="uk-UA"/>
           </a:p>
@@ -678,7 +678,7 @@
           <a:p>
             <a:fld id="{4A74A044-6ACB-4A16-9430-2523088896B9}" type="datetimeFigureOut">
               <a:rPr lang="uk-UA" smtClean="0"/>
-              <a:t>19.12.2023</a:t>
+              <a:t>12.01.2024</a:t>
             </a:fld>
             <a:endParaRPr lang="uk-UA"/>
           </a:p>
@@ -878,7 +878,7 @@
           <a:p>
             <a:fld id="{4A74A044-6ACB-4A16-9430-2523088896B9}" type="datetimeFigureOut">
               <a:rPr lang="uk-UA" smtClean="0"/>
-              <a:t>19.12.2023</a:t>
+              <a:t>12.01.2024</a:t>
             </a:fld>
             <a:endParaRPr lang="uk-UA"/>
           </a:p>
@@ -1154,7 +1154,7 @@
           <a:p>
             <a:fld id="{4A74A044-6ACB-4A16-9430-2523088896B9}" type="datetimeFigureOut">
               <a:rPr lang="uk-UA" smtClean="0"/>
-              <a:t>19.12.2023</a:t>
+              <a:t>12.01.2024</a:t>
             </a:fld>
             <a:endParaRPr lang="uk-UA"/>
           </a:p>
@@ -1422,7 +1422,7 @@
           <a:p>
             <a:fld id="{4A74A044-6ACB-4A16-9430-2523088896B9}" type="datetimeFigureOut">
               <a:rPr lang="uk-UA" smtClean="0"/>
-              <a:t>19.12.2023</a:t>
+              <a:t>12.01.2024</a:t>
             </a:fld>
             <a:endParaRPr lang="uk-UA"/>
           </a:p>
@@ -1837,7 +1837,7 @@
           <a:p>
             <a:fld id="{4A74A044-6ACB-4A16-9430-2523088896B9}" type="datetimeFigureOut">
               <a:rPr lang="uk-UA" smtClean="0"/>
-              <a:t>19.12.2023</a:t>
+              <a:t>12.01.2024</a:t>
             </a:fld>
             <a:endParaRPr lang="uk-UA"/>
           </a:p>
@@ -1979,7 +1979,7 @@
           <a:p>
             <a:fld id="{4A74A044-6ACB-4A16-9430-2523088896B9}" type="datetimeFigureOut">
               <a:rPr lang="uk-UA" smtClean="0"/>
-              <a:t>19.12.2023</a:t>
+              <a:t>12.01.2024</a:t>
             </a:fld>
             <a:endParaRPr lang="uk-UA"/>
           </a:p>
@@ -2092,7 +2092,7 @@
           <a:p>
             <a:fld id="{4A74A044-6ACB-4A16-9430-2523088896B9}" type="datetimeFigureOut">
               <a:rPr lang="uk-UA" smtClean="0"/>
-              <a:t>19.12.2023</a:t>
+              <a:t>12.01.2024</a:t>
             </a:fld>
             <a:endParaRPr lang="uk-UA"/>
           </a:p>
@@ -2405,7 +2405,7 @@
           <a:p>
             <a:fld id="{4A74A044-6ACB-4A16-9430-2523088896B9}" type="datetimeFigureOut">
               <a:rPr lang="uk-UA" smtClean="0"/>
-              <a:t>19.12.2023</a:t>
+              <a:t>12.01.2024</a:t>
             </a:fld>
             <a:endParaRPr lang="uk-UA"/>
           </a:p>
@@ -2694,7 +2694,7 @@
           <a:p>
             <a:fld id="{4A74A044-6ACB-4A16-9430-2523088896B9}" type="datetimeFigureOut">
               <a:rPr lang="uk-UA" smtClean="0"/>
-              <a:t>19.12.2023</a:t>
+              <a:t>12.01.2024</a:t>
             </a:fld>
             <a:endParaRPr lang="uk-UA"/>
           </a:p>
@@ -2937,7 +2937,7 @@
           <a:p>
             <a:fld id="{4A74A044-6ACB-4A16-9430-2523088896B9}" type="datetimeFigureOut">
               <a:rPr lang="uk-UA" smtClean="0"/>
-              <a:t>19.12.2023</a:t>
+              <a:t>12.01.2024</a:t>
             </a:fld>
             <a:endParaRPr lang="uk-UA"/>
           </a:p>
@@ -8130,7 +8130,7 @@
           <a:graphicData uri="http://schemas.openxmlformats.org/presentationml/2006/ole">
             <mc:AlternateContent xmlns:mc="http://schemas.openxmlformats.org/markup-compatibility/2006">
               <mc:Choice xmlns:v="urn:schemas-microsoft-com:vml" Requires="v">
-                <p:oleObj spid="_x0000_s2080" name="Visio" r:id="rId3" imgW="356322" imgH="1206063" progId="Visio.Drawing.11">
+                <p:oleObj spid="_x0000_s2085" name="Visio" r:id="rId3" imgW="356322" imgH="1206063" progId="Visio.Drawing.11">
                   <p:embed/>
                 </p:oleObj>
               </mc:Choice>
@@ -8213,7 +8213,7 @@
           <a:graphicData uri="http://schemas.openxmlformats.org/presentationml/2006/ole">
             <mc:AlternateContent xmlns:mc="http://schemas.openxmlformats.org/markup-compatibility/2006">
               <mc:Choice xmlns:v="urn:schemas-microsoft-com:vml" Requires="v">
-                <p:oleObj spid="_x0000_s2081" name="Visio" r:id="rId5" imgW="1266023" imgH="291798" progId="Visio.Drawing.11">
+                <p:oleObj spid="_x0000_s2086" name="Visio" r:id="rId5" imgW="1266023" imgH="291798" progId="Visio.Drawing.11">
                   <p:embed/>
                 </p:oleObj>
               </mc:Choice>
@@ -8296,7 +8296,7 @@
           <a:graphicData uri="http://schemas.openxmlformats.org/presentationml/2006/ole">
             <mc:AlternateContent xmlns:mc="http://schemas.openxmlformats.org/markup-compatibility/2006">
               <mc:Choice xmlns:v="urn:schemas-microsoft-com:vml" Requires="v">
-                <p:oleObj spid="_x0000_s2082" name="Visio" r:id="rId7" imgW="2993104" imgH="2246117" progId="Visio.Drawing.11">
+                <p:oleObj spid="_x0000_s2087" name="Visio" r:id="rId7" imgW="2993104" imgH="2246117" progId="Visio.Drawing.11">
                   <p:embed/>
                 </p:oleObj>
               </mc:Choice>
@@ -8566,7 +8566,7 @@
           <a:graphicData uri="http://schemas.openxmlformats.org/presentationml/2006/ole">
             <mc:AlternateContent xmlns:mc="http://schemas.openxmlformats.org/markup-compatibility/2006">
               <mc:Choice xmlns:v="urn:schemas-microsoft-com:vml" Requires="v">
-                <p:oleObj spid="_x0000_s2083" name="Visio" r:id="rId9" imgW="1335937" imgH="596553" progId="Visio.Drawing.11">
+                <p:oleObj spid="_x0000_s2088" name="Visio" r:id="rId9" imgW="1335937" imgH="596553" progId="Visio.Drawing.11">
                   <p:embed/>
                 </p:oleObj>
               </mc:Choice>
@@ -8649,7 +8649,7 @@
           <a:graphicData uri="http://schemas.openxmlformats.org/presentationml/2006/ole">
             <mc:AlternateContent xmlns:mc="http://schemas.openxmlformats.org/markup-compatibility/2006">
               <mc:Choice xmlns:v="urn:schemas-microsoft-com:vml" Requires="v">
-                <p:oleObj spid="_x0000_s2084" name="Visio" r:id="rId11" imgW="3717356" imgH="1065698" progId="Visio.Drawing.11">
+                <p:oleObj spid="_x0000_s2089" name="Visio" r:id="rId11" imgW="3717356" imgH="1065698" progId="Visio.Drawing.11">
                   <p:embed/>
                 </p:oleObj>
               </mc:Choice>
